--- a/SERVICE registry and discovery.pptx
+++ b/SERVICE registry and discovery.pptx
@@ -13,15 +13,18 @@
     <p:sldId id="258" r:id="rId7"/>
     <p:sldId id="291" r:id="rId8"/>
     <p:sldId id="292" r:id="rId9"/>
-    <p:sldId id="290" r:id="rId10"/>
-    <p:sldId id="282" r:id="rId11"/>
-    <p:sldId id="283" r:id="rId12"/>
-    <p:sldId id="284" r:id="rId13"/>
-    <p:sldId id="285" r:id="rId14"/>
-    <p:sldId id="286" r:id="rId15"/>
-    <p:sldId id="287" r:id="rId16"/>
-    <p:sldId id="288" r:id="rId17"/>
-    <p:sldId id="289" r:id="rId18"/>
+    <p:sldId id="294" r:id="rId10"/>
+    <p:sldId id="290" r:id="rId11"/>
+    <p:sldId id="295" r:id="rId12"/>
+    <p:sldId id="296" r:id="rId13"/>
+    <p:sldId id="282" r:id="rId14"/>
+    <p:sldId id="283" r:id="rId15"/>
+    <p:sldId id="284" r:id="rId16"/>
+    <p:sldId id="285" r:id="rId17"/>
+    <p:sldId id="286" r:id="rId18"/>
+    <p:sldId id="287" r:id="rId19"/>
+    <p:sldId id="288" r:id="rId20"/>
+    <p:sldId id="289" r:id="rId21"/>
   </p:sldIdLst>
   <p:sldSz cx="12192000" cy="6858000"/>
   <p:notesSz cx="6858000" cy="9144000"/>
@@ -372,7 +375,7 @@
           <a:p>
             <a:fld id="{9184DA70-C731-4C70-880D-CCD4705E623C}" type="datetime1">
               <a:rPr lang="en-US" smtClean="0"/>
-              <a:t>12/21/2019</a:t>
+              <a:t>12/22/2019</a:t>
             </a:fld>
             <a:endParaRPr lang="en-US" dirty="0"/>
           </a:p>
@@ -560,7 +563,7 @@
           <a:p>
             <a:fld id="{B612A279-0833-481D-8C56-F67FD0AC6C50}" type="datetime1">
               <a:rPr lang="en-US" smtClean="0"/>
-              <a:t>12/21/2019</a:t>
+              <a:t>12/22/2019</a:t>
             </a:fld>
             <a:endParaRPr lang="en-US" dirty="0"/>
           </a:p>
@@ -802,7 +805,7 @@
           <a:p>
             <a:fld id="{6587DA83-5663-4C9C-B9AA-0B40A3DAFF81}" type="datetime1">
               <a:rPr lang="en-US" smtClean="0"/>
-              <a:t>12/21/2019</a:t>
+              <a:t>12/22/2019</a:t>
             </a:fld>
             <a:endParaRPr lang="en-US" dirty="0"/>
           </a:p>
@@ -1113,7 +1116,7 @@
           <a:p>
             <a:fld id="{ED291B17-9318-49DB-B28B-6E5994AE9581}" type="datetime1">
               <a:rPr lang="en-US" smtClean="0"/>
-              <a:t>12/21/2019</a:t>
+              <a:t>12/22/2019</a:t>
             </a:fld>
             <a:endParaRPr lang="en-US" dirty="0"/>
           </a:p>
@@ -1311,7 +1314,7 @@
           <a:p>
             <a:fld id="{78DD82B9-B8EE-4375-B6FF-88FA6ABB15D9}" type="datetime1">
               <a:rPr lang="en-US" smtClean="0"/>
-              <a:t>12/21/2019</a:t>
+              <a:t>12/22/2019</a:t>
             </a:fld>
             <a:endParaRPr lang="en-US" dirty="0"/>
           </a:p>
@@ -1623,7 +1626,7 @@
           <a:p>
             <a:fld id="{B2497495-0637-405E-AE64-5CC7506D51F5}" type="datetime1">
               <a:rPr lang="en-US" smtClean="0"/>
-              <a:t>12/21/2019</a:t>
+              <a:t>12/22/2019</a:t>
             </a:fld>
             <a:endParaRPr lang="en-US" dirty="0"/>
           </a:p>
@@ -1876,7 +1879,7 @@
           <a:p>
             <a:fld id="{7BFFD690-9426-415D-8B65-26881E07B2D4}" type="datetime1">
               <a:rPr lang="en-US" smtClean="0"/>
-              <a:t>12/21/2019</a:t>
+              <a:t>12/22/2019</a:t>
             </a:fld>
             <a:endParaRPr lang="en-US" dirty="0"/>
           </a:p>
@@ -2298,7 +2301,7 @@
           <a:p>
             <a:fld id="{04C4989A-474C-40DE-95B9-011C28B71673}" type="datetime1">
               <a:rPr lang="en-US" smtClean="0"/>
-              <a:t>12/21/2019</a:t>
+              <a:t>12/22/2019</a:t>
             </a:fld>
             <a:endParaRPr lang="en-US" dirty="0"/>
           </a:p>
@@ -2421,7 +2424,7 @@
           <a:p>
             <a:fld id="{5DB4ED54-5B5E-4A04-93D3-5772E3CE3818}" type="datetime1">
               <a:rPr lang="en-US" smtClean="0"/>
-              <a:t>12/21/2019</a:t>
+              <a:t>12/22/2019</a:t>
             </a:fld>
             <a:endParaRPr lang="en-US" dirty="0"/>
           </a:p>
@@ -2516,7 +2519,7 @@
           <a:p>
             <a:fld id="{4EDE50D6-574B-40AF-946F-D52A04ADE379}" type="datetime1">
               <a:rPr lang="en-US" smtClean="0"/>
-              <a:t>12/21/2019</a:t>
+              <a:t>12/22/2019</a:t>
             </a:fld>
             <a:endParaRPr lang="en-US" dirty="0"/>
           </a:p>
@@ -2893,7 +2896,7 @@
           <a:p>
             <a:fld id="{D82884F1-FFEA-405F-9602-3DCA865EDA4E}" type="datetime1">
               <a:rPr lang="en-US" smtClean="0"/>
-              <a:t>12/21/2019</a:t>
+              <a:t>12/22/2019</a:t>
             </a:fld>
             <a:endParaRPr lang="en-US" dirty="0"/>
           </a:p>
@@ -3092,7 +3095,7 @@
           <a:p>
             <a:fld id="{4BE1D723-8F53-4F53-90B0-1982A396982E}" type="datetime1">
               <a:rPr lang="en-US" smtClean="0"/>
-              <a:t>12/21/2019</a:t>
+              <a:t>12/22/2019</a:t>
             </a:fld>
             <a:endParaRPr lang="en-US" dirty="0"/>
           </a:p>
@@ -3374,7 +3377,7 @@
           <a:p>
             <a:fld id="{7E18DB4A-8810-4A10-AD5C-D5E2C667F5B3}" type="datetime1">
               <a:rPr lang="en-US" smtClean="0"/>
-              <a:t>12/21/2019</a:t>
+              <a:t>12/22/2019</a:t>
             </a:fld>
             <a:endParaRPr lang="en-US" dirty="0"/>
           </a:p>
@@ -3566,7 +3569,7 @@
           <a:p>
             <a:fld id="{2CED4963-E985-44C4-B8C4-FDD613B7C2F8}" type="datetime1">
               <a:rPr lang="en-US" smtClean="0"/>
-              <a:t>12/21/2019</a:t>
+              <a:t>12/22/2019</a:t>
             </a:fld>
             <a:endParaRPr lang="en-US" dirty="0"/>
           </a:p>
@@ -3928,7 +3931,7 @@
           <a:p>
             <a:fld id="{ED291B17-9318-49DB-B28B-6E5994AE9581}" type="datetime1">
               <a:rPr lang="en-US" smtClean="0"/>
-              <a:t>12/21/2019</a:t>
+              <a:t>12/22/2019</a:t>
             </a:fld>
             <a:endParaRPr lang="en-US" dirty="0"/>
           </a:p>
@@ -4301,7 +4304,7 @@
           <a:p>
             <a:fld id="{97669AF7-7BEB-44E4-9852-375E34362B5B}" type="datetime1">
               <a:rPr lang="en-US" smtClean="0"/>
-              <a:t>12/21/2019</a:t>
+              <a:t>12/22/2019</a:t>
             </a:fld>
             <a:endParaRPr lang="en-US" dirty="0"/>
           </a:p>
@@ -4556,7 +4559,7 @@
           <a:p>
             <a:fld id="{BAAAC38D-0552-4C82-B593-E6124DFADBE2}" type="datetime1">
               <a:rPr lang="en-US" smtClean="0"/>
-              <a:t>12/21/2019</a:t>
+              <a:t>12/22/2019</a:t>
             </a:fld>
             <a:endParaRPr lang="en-US" dirty="0"/>
           </a:p>
@@ -4953,7 +4956,7 @@
           <a:p>
             <a:fld id="{D9DF0F1C-5577-4ACB-BB62-DF8F3C494C7E}" type="datetime1">
               <a:rPr lang="en-US" smtClean="0"/>
-              <a:t>12/21/2019</a:t>
+              <a:t>12/22/2019</a:t>
             </a:fld>
             <a:endParaRPr lang="en-US" dirty="0"/>
           </a:p>
@@ -5089,7 +5092,7 @@
           <a:p>
             <a:fld id="{1775B394-D9F9-4F0C-B15D-605F45CB9E9F}" type="datetime1">
               <a:rPr lang="en-US" smtClean="0"/>
-              <a:t>12/21/2019</a:t>
+              <a:t>12/22/2019</a:t>
             </a:fld>
             <a:endParaRPr lang="en-US" dirty="0"/>
           </a:p>
@@ -5246,7 +5249,7 @@
           <a:p>
             <a:fld id="{39667345-2558-425A-8533-9BFDBCE15005}" type="datetime1">
               <a:rPr lang="en-US" smtClean="0"/>
-              <a:t>12/21/2019</a:t>
+              <a:t>12/22/2019</a:t>
             </a:fld>
             <a:endParaRPr lang="en-US" dirty="0"/>
           </a:p>
@@ -5575,7 +5578,7 @@
           <a:p>
             <a:fld id="{92BEA474-078D-4E9B-9B14-09A87B19DC46}" type="datetime1">
               <a:rPr lang="en-US" smtClean="0"/>
-              <a:t>12/21/2019</a:t>
+              <a:t>12/22/2019</a:t>
             </a:fld>
             <a:endParaRPr lang="en-US" dirty="0"/>
           </a:p>
@@ -5925,7 +5928,7 @@
           <a:p>
             <a:fld id="{4907D986-8816-4272-A432-0437A28A9828}" type="datetime1">
               <a:rPr lang="en-US" smtClean="0"/>
-              <a:t>12/21/2019</a:t>
+              <a:t>12/22/2019</a:t>
             </a:fld>
             <a:endParaRPr lang="en-US" dirty="0"/>
           </a:p>
@@ -6186,7 +6189,7 @@
           <a:p>
             <a:fld id="{62D6E202-B606-4609-B914-27C9371A1F6D}" type="datetime1">
               <a:rPr lang="en-US" smtClean="0"/>
-              <a:t>12/21/2019</a:t>
+              <a:t>12/22/2019</a:t>
             </a:fld>
             <a:endParaRPr lang="en-US" dirty="0"/>
           </a:p>
@@ -6845,7 +6848,7 @@
           <a:p>
             <a:fld id="{ED291B17-9318-49DB-B28B-6E5994AE9581}" type="datetime1">
               <a:rPr lang="en-US" smtClean="0"/>
-              <a:t>12/21/2019</a:t>
+              <a:t>12/22/2019</a:t>
             </a:fld>
             <a:endParaRPr lang="en-US" dirty="0"/>
           </a:p>
@@ -8075,12 +8078,41 @@
           <a:chExt cx="0" cy="0"/>
         </a:xfrm>
       </p:grpSpPr>
+      <p:pic>
+        <p:nvPicPr>
+          <p:cNvPr id="4" name="Picture 3">
+            <a:extLst>
+              <a:ext uri="{FF2B5EF4-FFF2-40B4-BE49-F238E27FC236}">
+                <a16:creationId xmlns:a16="http://schemas.microsoft.com/office/drawing/2014/main" id="{D644BB53-8607-46CB-8BED-E29299FAC13B}"/>
+              </a:ext>
+            </a:extLst>
+          </p:cNvPr>
+          <p:cNvPicPr>
+            <a:picLocks noChangeAspect="1"/>
+          </p:cNvPicPr>
+          <p:nvPr/>
+        </p:nvPicPr>
+        <p:blipFill rotWithShape="1">
+          <a:blip r:embed="rId2"/>
+          <a:srcRect t="11543" r="-1" b="35652"/>
+          <a:stretch/>
+        </p:blipFill>
+        <p:spPr>
+          <a:xfrm>
+            <a:off x="19751" y="0"/>
+            <a:ext cx="12172249" cy="6858000"/>
+          </a:xfrm>
+          <a:prstGeom prst="rect">
+            <a:avLst/>
+          </a:prstGeom>
+        </p:spPr>
+      </p:pic>
       <p:sp>
         <p:nvSpPr>
           <p:cNvPr id="2" name="Title 1">
             <a:extLst>
               <a:ext uri="{FF2B5EF4-FFF2-40B4-BE49-F238E27FC236}">
-                <a16:creationId xmlns:a16="http://schemas.microsoft.com/office/drawing/2014/main" id="{CC467DF9-5121-449E-BE9E-D21B2DCC5F9D}"/>
+                <a16:creationId xmlns:a16="http://schemas.microsoft.com/office/drawing/2014/main" id="{64DD0F69-A02B-48E7-B5F8-0FBE5A457A9C}"/>
               </a:ext>
             </a:extLst>
           </p:cNvPr>
@@ -8088,74 +8120,265 @@
             <a:spLocks noGrp="1"/>
           </p:cNvSpPr>
           <p:nvPr>
-            <p:ph type="title"/>
+            <p:ph type="ctrTitle"/>
           </p:nvPr>
         </p:nvSpPr>
         <p:spPr>
           <a:xfrm>
-            <a:off x="19750" y="702156"/>
-            <a:ext cx="12152499" cy="1002819"/>
+            <a:off x="285751" y="523875"/>
+            <a:ext cx="11869982" cy="4432593"/>
           </a:xfrm>
           <a:solidFill>
-            <a:schemeClr val="accent2">
-              <a:lumMod val="20000"/>
-              <a:lumOff val="80000"/>
-            </a:schemeClr>
+            <a:srgbClr val="92D050"/>
           </a:solidFill>
         </p:spPr>
         <p:txBody>
-          <a:bodyPr/>
+          <a:bodyPr>
+            <a:normAutofit fontScale="90000"/>
+          </a:bodyPr>
           <a:lstStyle/>
           <a:p>
-            <a:r>
-              <a:rPr lang="en-IN" dirty="0"/>
-              <a:t>Introduction to service registry &amp; discovery</a:t>
-            </a:r>
-          </a:p>
-        </p:txBody>
-      </p:sp>
-      <p:sp>
-        <p:nvSpPr>
-          <p:cNvPr id="3" name="Content Placeholder 2">
+            <a:pPr algn="ctr"/>
+            <a:br>
+              <a:rPr lang="en-IN" b="1" dirty="0">
+                <a:latin typeface="Algerian" panose="04020705040A02060702" pitchFamily="82" charset="0"/>
+              </a:rPr>
+            </a:br>
+            <a:br>
+              <a:rPr lang="en-IN" b="1" dirty="0">
+                <a:latin typeface="Algerian" panose="04020705040A02060702" pitchFamily="82" charset="0"/>
+              </a:rPr>
+            </a:br>
+            <a:br>
+              <a:rPr lang="en-IN" b="1" dirty="0">
+                <a:latin typeface="Algerian" panose="04020705040A02060702" pitchFamily="82" charset="0"/>
+              </a:rPr>
+            </a:br>
+            <a:br>
+              <a:rPr lang="en-IN" b="1" dirty="0">
+                <a:latin typeface="Algerian" panose="04020705040A02060702" pitchFamily="82" charset="0"/>
+              </a:rPr>
+            </a:br>
+            <a:br>
+              <a:rPr lang="en-IN" b="1" dirty="0">
+                <a:latin typeface="Algerian" panose="04020705040A02060702" pitchFamily="82" charset="0"/>
+              </a:rPr>
+            </a:br>
+            <a:br>
+              <a:rPr lang="en-IN" b="1" dirty="0">
+                <a:latin typeface="Algerian" panose="04020705040A02060702" pitchFamily="82" charset="0"/>
+              </a:rPr>
+            </a:br>
+            <a:br>
+              <a:rPr lang="en-IN" b="1" dirty="0">
+                <a:latin typeface="Algerian" panose="04020705040A02060702" pitchFamily="82" charset="0"/>
+              </a:rPr>
+            </a:br>
+            <a:br>
+              <a:rPr lang="en-IN" b="1" dirty="0">
+                <a:latin typeface="Algerian" panose="04020705040A02060702" pitchFamily="82" charset="0"/>
+              </a:rPr>
+            </a:br>
+            <a:br>
+              <a:rPr lang="en-IN" b="1" dirty="0">
+                <a:latin typeface="Algerian" panose="04020705040A02060702" pitchFamily="82" charset="0"/>
+              </a:rPr>
+            </a:br>
+            <a:br>
+              <a:rPr lang="en-IN" b="1" dirty="0">
+                <a:latin typeface="Algerian" panose="04020705040A02060702" pitchFamily="82" charset="0"/>
+              </a:rPr>
+            </a:br>
+            <a:br>
+              <a:rPr lang="en-IN" b="1" dirty="0">
+                <a:latin typeface="Algerian" panose="04020705040A02060702" pitchFamily="82" charset="0"/>
+              </a:rPr>
+            </a:br>
+            <a:br>
+              <a:rPr lang="en-IN" b="1" dirty="0">
+                <a:latin typeface="Algerian" panose="04020705040A02060702" pitchFamily="82" charset="0"/>
+              </a:rPr>
+            </a:br>
+            <a:br>
+              <a:rPr lang="en-IN" b="1" dirty="0">
+                <a:latin typeface="Algerian" panose="04020705040A02060702" pitchFamily="82" charset="0"/>
+              </a:rPr>
+            </a:br>
+            <a:br>
+              <a:rPr lang="en-IN" b="1" dirty="0">
+                <a:latin typeface="Algerian" panose="04020705040A02060702" pitchFamily="82" charset="0"/>
+              </a:rPr>
+            </a:br>
+            <a:br>
+              <a:rPr lang="en-IN" b="1" dirty="0">
+                <a:latin typeface="Algerian" panose="04020705040A02060702" pitchFamily="82" charset="0"/>
+              </a:rPr>
+            </a:br>
+            <a:br>
+              <a:rPr lang="en-IN" b="1" dirty="0">
+                <a:latin typeface="Algerian" panose="04020705040A02060702" pitchFamily="82" charset="0"/>
+              </a:rPr>
+            </a:br>
+            <a:br>
+              <a:rPr lang="en-IN" b="1" dirty="0">
+                <a:latin typeface="Algerian" panose="04020705040A02060702" pitchFamily="82" charset="0"/>
+              </a:rPr>
+            </a:br>
+            <a:br>
+              <a:rPr lang="en-IN" b="1" dirty="0">
+                <a:latin typeface="Algerian" panose="04020705040A02060702" pitchFamily="82" charset="0"/>
+              </a:rPr>
+            </a:br>
+            <a:r>
+              <a:rPr lang="en-IN" sz="6700" b="1" dirty="0">
+                <a:latin typeface="Algerian" panose="04020705040A02060702" pitchFamily="82" charset="0"/>
+              </a:rPr>
+              <a:t>SERVICE </a:t>
+            </a:r>
+            <a:br>
+              <a:rPr lang="en-IN" sz="6700" b="1" dirty="0">
+                <a:latin typeface="Algerian" panose="04020705040A02060702" pitchFamily="82" charset="0"/>
+              </a:rPr>
+            </a:br>
+            <a:r>
+              <a:rPr lang="en-IN" sz="6700" b="1" dirty="0">
+                <a:solidFill>
+                  <a:srgbClr val="FF0000"/>
+                </a:solidFill>
+                <a:latin typeface="Algerian" panose="04020705040A02060702" pitchFamily="82" charset="0"/>
+              </a:rPr>
+              <a:t>REGISTRY</a:t>
+            </a:r>
+            <a:r>
+              <a:rPr lang="en-IN" sz="6700" b="1" dirty="0">
+                <a:latin typeface="Algerian" panose="04020705040A02060702" pitchFamily="82" charset="0"/>
+              </a:rPr>
+              <a:t> &amp; </a:t>
+            </a:r>
+            <a:r>
+              <a:rPr lang="en-IN" sz="6700" b="1" dirty="0">
+                <a:solidFill>
+                  <a:srgbClr val="0070C0"/>
+                </a:solidFill>
+                <a:latin typeface="Algerian" panose="04020705040A02060702" pitchFamily="82" charset="0"/>
+              </a:rPr>
+              <a:t>DISCOVERY</a:t>
+            </a:r>
+            <a:br>
+              <a:rPr lang="en-IN" b="1" dirty="0">
+                <a:solidFill>
+                  <a:srgbClr val="0070C0"/>
+                </a:solidFill>
+                <a:latin typeface="Algerian" panose="04020705040A02060702" pitchFamily="82" charset="0"/>
+              </a:rPr>
+            </a:br>
+            <a:br>
+              <a:rPr lang="en-IN" b="1" dirty="0">
+                <a:latin typeface="Algerian" panose="04020705040A02060702" pitchFamily="82" charset="0"/>
+              </a:rPr>
+            </a:br>
+            <a:endParaRPr lang="en-IN" sz="6600" b="1" dirty="0">
+              <a:solidFill>
+                <a:srgbClr val="FFFFFF"/>
+              </a:solidFill>
+              <a:latin typeface="Algerian" panose="04020705040A02060702" pitchFamily="82" charset="0"/>
+            </a:endParaRPr>
+          </a:p>
+        </p:txBody>
+      </p:sp>
+      <p:pic>
+        <p:nvPicPr>
+          <p:cNvPr id="5" name="Picture 4">
             <a:extLst>
               <a:ext uri="{FF2B5EF4-FFF2-40B4-BE49-F238E27FC236}">
-                <a16:creationId xmlns:a16="http://schemas.microsoft.com/office/drawing/2014/main" id="{F37DD19B-0598-4B4D-BF8A-02BE9B5CF78E}"/>
+                <a16:creationId xmlns:a16="http://schemas.microsoft.com/office/drawing/2014/main" id="{0F75C16A-1982-4F7C-8FF2-094A2A219EAC}"/>
               </a:ext>
             </a:extLst>
           </p:cNvPr>
-          <p:cNvSpPr>
-            <a:spLocks noGrp="1"/>
-          </p:cNvSpPr>
-          <p:nvPr>
-            <p:ph idx="1"/>
-          </p:nvPr>
-        </p:nvSpPr>
+          <p:cNvPicPr>
+            <a:picLocks noChangeAspect="1"/>
+          </p:cNvPicPr>
+          <p:nvPr/>
+        </p:nvPicPr>
+        <p:blipFill>
+          <a:blip r:embed="rId3"/>
+          <a:stretch>
+            <a:fillRect/>
+          </a:stretch>
+        </p:blipFill>
         <p:spPr>
           <a:xfrm>
-            <a:off x="19750" y="2133600"/>
-            <a:ext cx="12152500" cy="4610100"/>
-          </a:xfrm>
-          <a:solidFill>
-            <a:schemeClr val="accent5">
-              <a:lumMod val="20000"/>
-              <a:lumOff val="80000"/>
-            </a:schemeClr>
-          </a:solidFill>
-        </p:spPr>
-        <p:txBody>
-          <a:bodyPr/>
-          <a:lstStyle/>
-          <a:p>
-            <a:endParaRPr lang="en-IN" b="1" dirty="0"/>
-          </a:p>
-        </p:txBody>
-      </p:sp>
-      <p:sp>
-        <p:nvSpPr>
-          <p:cNvPr id="4" name="Rectangle 3">
+            <a:off x="8266720" y="4188063"/>
+            <a:ext cx="3889014" cy="2212738"/>
+          </a:xfrm>
+          <a:prstGeom prst="rect">
+            <a:avLst/>
+          </a:prstGeom>
+          <a:ln>
+            <a:noFill/>
+          </a:ln>
+          <a:effectLst>
+            <a:outerShdw blurRad="292100" dist="139700" dir="2700000" algn="tl" rotWithShape="0">
+              <a:srgbClr val="333333">
+                <a:alpha val="65000"/>
+              </a:srgbClr>
+            </a:outerShdw>
+          </a:effectLst>
+        </p:spPr>
+      </p:pic>
+      <p:pic>
+        <p:nvPicPr>
+          <p:cNvPr id="1026" name="Picture 2" descr="Image result for spring boot">
             <a:extLst>
               <a:ext uri="{FF2B5EF4-FFF2-40B4-BE49-F238E27FC236}">
-                <a16:creationId xmlns:a16="http://schemas.microsoft.com/office/drawing/2014/main" id="{CEB1AFED-B356-4EB9-B3F2-40D431051EDF}"/>
+                <a16:creationId xmlns:a16="http://schemas.microsoft.com/office/drawing/2014/main" id="{6E10FFE0-DA50-425D-AB9C-5F0C2DE7E745}"/>
+              </a:ext>
+            </a:extLst>
+          </p:cNvPr>
+          <p:cNvPicPr>
+            <a:picLocks noChangeAspect="1" noChangeArrowheads="1"/>
+          </p:cNvPicPr>
+          <p:nvPr/>
+        </p:nvPicPr>
+        <p:blipFill>
+          <a:blip r:embed="rId4">
+            <a:extLst>
+              <a:ext uri="{28A0092B-C50C-407E-A947-70E740481C1C}">
+                <a14:useLocalDpi xmlns:a14="http://schemas.microsoft.com/office/drawing/2010/main" val="0"/>
+              </a:ext>
+            </a:extLst>
+          </a:blip>
+          <a:srcRect/>
+          <a:stretch>
+            <a:fillRect/>
+          </a:stretch>
+        </p:blipFill>
+        <p:spPr bwMode="auto">
+          <a:xfrm>
+            <a:off x="285751" y="523875"/>
+            <a:ext cx="3324224" cy="1347010"/>
+          </a:xfrm>
+          <a:prstGeom prst="rect">
+            <a:avLst/>
+          </a:prstGeom>
+          <a:noFill/>
+          <a:extLst>
+            <a:ext uri="{909E8E84-426E-40DD-AFC4-6F175D3DCCD1}">
+              <a14:hiddenFill xmlns:a14="http://schemas.microsoft.com/office/drawing/2010/main">
+                <a:solidFill>
+                  <a:srgbClr val="FFFFFF"/>
+                </a:solidFill>
+              </a14:hiddenFill>
+            </a:ext>
+          </a:extLst>
+        </p:spPr>
+      </p:pic>
+      <p:sp>
+        <p:nvSpPr>
+          <p:cNvPr id="6" name="Hexagon 5">
+            <a:extLst>
+              <a:ext uri="{FF2B5EF4-FFF2-40B4-BE49-F238E27FC236}">
+                <a16:creationId xmlns:a16="http://schemas.microsoft.com/office/drawing/2014/main" id="{3C30B904-A1B2-4F4D-89D8-1369DBF66F2C}"/>
               </a:ext>
             </a:extLst>
           </p:cNvPr>
@@ -8164,8 +8387,111 @@
         </p:nvSpPr>
         <p:spPr>
           <a:xfrm>
-            <a:off x="0" y="6419850"/>
-            <a:ext cx="12191999" cy="457200"/>
+            <a:off x="721086" y="4724400"/>
+            <a:ext cx="3889014" cy="1609724"/>
+          </a:xfrm>
+          <a:prstGeom prst="hexagon">
+            <a:avLst/>
+          </a:prstGeom>
+        </p:spPr>
+        <p:style>
+          <a:lnRef idx="2">
+            <a:schemeClr val="accent1">
+              <a:shade val="50000"/>
+            </a:schemeClr>
+          </a:lnRef>
+          <a:fillRef idx="1">
+            <a:schemeClr val="accent1"/>
+          </a:fillRef>
+          <a:effectRef idx="0">
+            <a:schemeClr val="accent1"/>
+          </a:effectRef>
+          <a:fontRef idx="minor">
+            <a:schemeClr val="lt1"/>
+          </a:fontRef>
+        </p:style>
+        <p:txBody>
+          <a:bodyPr rtlCol="0" anchor="ctr"/>
+          <a:lstStyle/>
+          <a:p>
+            <a:pPr algn="ctr"/>
+            <a:r>
+              <a:rPr lang="en-IN" sz="2800" dirty="0">
+                <a:latin typeface="Algerian" panose="04020705040A02060702" pitchFamily="82" charset="0"/>
+              </a:rPr>
+              <a:t>MICROSERVICES ARCHITECTURE</a:t>
+            </a:r>
+          </a:p>
+        </p:txBody>
+      </p:sp>
+      <p:sp>
+        <p:nvSpPr>
+          <p:cNvPr id="7" name="Rectangle: Single Corner Snipped 6">
+            <a:extLst>
+              <a:ext uri="{FF2B5EF4-FFF2-40B4-BE49-F238E27FC236}">
+                <a16:creationId xmlns:a16="http://schemas.microsoft.com/office/drawing/2014/main" id="{6058CC45-6533-4434-BCC1-400430658E70}"/>
+              </a:ext>
+            </a:extLst>
+          </p:cNvPr>
+          <p:cNvSpPr/>
+          <p:nvPr/>
+        </p:nvSpPr>
+        <p:spPr>
+          <a:xfrm>
+            <a:off x="10944225" y="0"/>
+            <a:ext cx="1211508" cy="733425"/>
+          </a:xfrm>
+          <a:prstGeom prst="snip1Rect">
+            <a:avLst/>
+          </a:prstGeom>
+          <a:solidFill>
+            <a:srgbClr val="00B050"/>
+          </a:solidFill>
+        </p:spPr>
+        <p:style>
+          <a:lnRef idx="2">
+            <a:schemeClr val="accent1">
+              <a:shade val="50000"/>
+            </a:schemeClr>
+          </a:lnRef>
+          <a:fillRef idx="1">
+            <a:schemeClr val="accent1"/>
+          </a:fillRef>
+          <a:effectRef idx="0">
+            <a:schemeClr val="accent1"/>
+          </a:effectRef>
+          <a:fontRef idx="minor">
+            <a:schemeClr val="lt1"/>
+          </a:fontRef>
+        </p:style>
+        <p:txBody>
+          <a:bodyPr rtlCol="0" anchor="ctr"/>
+          <a:lstStyle/>
+          <a:p>
+            <a:pPr algn="ctr"/>
+            <a:r>
+              <a:rPr lang="en-IN" sz="6000" dirty="0"/>
+              <a:t>#4</a:t>
+            </a:r>
+          </a:p>
+        </p:txBody>
+      </p:sp>
+      <p:sp>
+        <p:nvSpPr>
+          <p:cNvPr id="3" name="Rectangle 2">
+            <a:extLst>
+              <a:ext uri="{FF2B5EF4-FFF2-40B4-BE49-F238E27FC236}">
+                <a16:creationId xmlns:a16="http://schemas.microsoft.com/office/drawing/2014/main" id="{A2297861-54CD-422C-9093-DAEC8063F235}"/>
+              </a:ext>
+            </a:extLst>
+          </p:cNvPr>
+          <p:cNvSpPr/>
+          <p:nvPr/>
+        </p:nvSpPr>
+        <p:spPr>
+          <a:xfrm>
+            <a:off x="19750" y="6400800"/>
+            <a:ext cx="12172249" cy="457200"/>
           </a:xfrm>
           <a:prstGeom prst="rect">
             <a:avLst/>
@@ -8199,276 +8525,227 @@
           </a:p>
         </p:txBody>
       </p:sp>
+      <p:sp>
+        <p:nvSpPr>
+          <p:cNvPr id="9" name="Rectangle 8">
+            <a:extLst>
+              <a:ext uri="{FF2B5EF4-FFF2-40B4-BE49-F238E27FC236}">
+                <a16:creationId xmlns:a16="http://schemas.microsoft.com/office/drawing/2014/main" id="{B80A8CB7-AF1E-4589-AB4E-E2E4FB410DA0}"/>
+              </a:ext>
+            </a:extLst>
+          </p:cNvPr>
+          <p:cNvSpPr/>
+          <p:nvPr/>
+        </p:nvSpPr>
+        <p:spPr>
+          <a:xfrm>
+            <a:off x="366713" y="3357066"/>
+            <a:ext cx="11708057" cy="830997"/>
+          </a:xfrm>
+          <a:prstGeom prst="rect">
+            <a:avLst/>
+          </a:prstGeom>
+          <a:solidFill>
+            <a:srgbClr val="7030A0"/>
+          </a:solidFill>
+          <a:ln>
+            <a:noFill/>
+          </a:ln>
+          <a:scene3d>
+            <a:camera prst="orthographicFront"/>
+            <a:lightRig rig="threePt" dir="t"/>
+          </a:scene3d>
+          <a:sp3d>
+            <a:bevelT w="139700" h="139700" prst="divot"/>
+          </a:sp3d>
+        </p:spPr>
+        <p:style>
+          <a:lnRef idx="0">
+            <a:scrgbClr r="0" g="0" b="0"/>
+          </a:lnRef>
+          <a:fillRef idx="0">
+            <a:scrgbClr r="0" g="0" b="0"/>
+          </a:fillRef>
+          <a:effectRef idx="0">
+            <a:scrgbClr r="0" g="0" b="0"/>
+          </a:effectRef>
+          <a:fontRef idx="minor">
+            <a:schemeClr val="lt1"/>
+          </a:fontRef>
+        </p:style>
+        <p:txBody>
+          <a:bodyPr wrap="square" lIns="91440" tIns="45720" rIns="91440" bIns="45720">
+            <a:spAutoFit/>
+          </a:bodyPr>
+          <a:lstStyle/>
+          <a:p>
+            <a:pPr algn="ctr"/>
+            <a:r>
+              <a:rPr lang="en-IN" sz="4800" b="1" dirty="0">
+                <a:ln w="12700">
+                  <a:solidFill>
+                    <a:schemeClr val="accent3">
+                      <a:lumMod val="50000"/>
+                    </a:schemeClr>
+                  </a:solidFill>
+                  <a:prstDash val="solid"/>
+                </a:ln>
+                <a:pattFill prst="narHorz">
+                  <a:fgClr>
+                    <a:schemeClr val="accent3"/>
+                  </a:fgClr>
+                  <a:bgClr>
+                    <a:schemeClr val="accent3">
+                      <a:lumMod val="40000"/>
+                      <a:lumOff val="60000"/>
+                    </a:schemeClr>
+                  </a:bgClr>
+                </a:pattFill>
+                <a:effectLst>
+                  <a:innerShdw blurRad="177800">
+                    <a:schemeClr val="accent3">
+                      <a:lumMod val="50000"/>
+                    </a:schemeClr>
+                  </a:innerShdw>
+                </a:effectLst>
+                <a:latin typeface="Algerian" panose="04020705040A02060702" pitchFamily="82" charset="0"/>
+              </a:rPr>
+              <a:t>Demo – spring boot + eureka CLIENT</a:t>
+            </a:r>
+            <a:endParaRPr lang="en-IN" sz="4800" b="1" cap="none" spc="0" dirty="0">
+              <a:ln/>
+              <a:pattFill prst="dkUpDiag">
+                <a:fgClr>
+                  <a:schemeClr val="bg1">
+                    <a:lumMod val="50000"/>
+                  </a:schemeClr>
+                </a:fgClr>
+                <a:bgClr>
+                  <a:schemeClr val="tx1">
+                    <a:lumMod val="75000"/>
+                    <a:lumOff val="25000"/>
+                  </a:schemeClr>
+                </a:bgClr>
+              </a:pattFill>
+              <a:effectLst>
+                <a:outerShdw blurRad="38100" dist="19050" dir="2700000" algn="tl" rotWithShape="0">
+                  <a:schemeClr val="dk1">
+                    <a:lumMod val="50000"/>
+                    <a:alpha val="40000"/>
+                  </a:schemeClr>
+                </a:outerShdw>
+              </a:effectLst>
+            </a:endParaRPr>
+          </a:p>
+        </p:txBody>
+      </p:sp>
+      <p:sp>
+        <p:nvSpPr>
+          <p:cNvPr id="10" name="Rectangle 9">
+            <a:extLst>
+              <a:ext uri="{FF2B5EF4-FFF2-40B4-BE49-F238E27FC236}">
+                <a16:creationId xmlns:a16="http://schemas.microsoft.com/office/drawing/2014/main" id="{B321015C-1805-43EE-BF33-5150F39B3234}"/>
+              </a:ext>
+            </a:extLst>
+          </p:cNvPr>
+          <p:cNvSpPr/>
+          <p:nvPr/>
+        </p:nvSpPr>
+        <p:spPr>
+          <a:xfrm>
+            <a:off x="0" y="-76201"/>
+            <a:ext cx="1211508" cy="314325"/>
+          </a:xfrm>
+          <a:prstGeom prst="rect">
+            <a:avLst/>
+          </a:prstGeom>
+          <a:solidFill>
+            <a:srgbClr val="FFFF00"/>
+          </a:solidFill>
+        </p:spPr>
+        <p:style>
+          <a:lnRef idx="2">
+            <a:schemeClr val="accent6"/>
+          </a:lnRef>
+          <a:fillRef idx="1">
+            <a:schemeClr val="lt1"/>
+          </a:fillRef>
+          <a:effectRef idx="0">
+            <a:schemeClr val="accent6"/>
+          </a:effectRef>
+          <a:fontRef idx="minor">
+            <a:schemeClr val="dk1"/>
+          </a:fontRef>
+        </p:style>
+        <p:txBody>
+          <a:bodyPr rtlCol="0" anchor="ctr"/>
+          <a:lstStyle/>
+          <a:p>
+            <a:pPr algn="ctr"/>
+            <a:r>
+              <a:rPr lang="en-IN" b="1" u="sng" dirty="0"/>
+              <a:t>ARVIND</a:t>
+            </a:r>
+          </a:p>
+        </p:txBody>
+      </p:sp>
+      <p:pic>
+        <p:nvPicPr>
+          <p:cNvPr id="8" name="Picture 2" descr="Image result for netflix eureka">
+            <a:extLst>
+              <a:ext uri="{FF2B5EF4-FFF2-40B4-BE49-F238E27FC236}">
+                <a16:creationId xmlns:a16="http://schemas.microsoft.com/office/drawing/2014/main" id="{4F187C15-4107-4934-A4D7-5DED55C08896}"/>
+              </a:ext>
+            </a:extLst>
+          </p:cNvPr>
+          <p:cNvPicPr>
+            <a:picLocks noChangeAspect="1" noChangeArrowheads="1"/>
+          </p:cNvPicPr>
+          <p:nvPr/>
+        </p:nvPicPr>
+        <p:blipFill>
+          <a:blip r:embed="rId5">
+            <a:extLst>
+              <a:ext uri="{28A0092B-C50C-407E-A947-70E740481C1C}">
+                <a14:useLocalDpi xmlns:a14="http://schemas.microsoft.com/office/drawing/2010/main" val="0"/>
+              </a:ext>
+            </a:extLst>
+          </a:blip>
+          <a:srcRect/>
+          <a:stretch>
+            <a:fillRect/>
+          </a:stretch>
+        </p:blipFill>
+        <p:spPr bwMode="auto">
+          <a:xfrm>
+            <a:off x="7896227" y="270965"/>
+            <a:ext cx="2305050" cy="1981200"/>
+          </a:xfrm>
+          <a:prstGeom prst="rect">
+            <a:avLst/>
+          </a:prstGeom>
+          <a:noFill/>
+          <a:extLst>
+            <a:ext uri="{909E8E84-426E-40DD-AFC4-6F175D3DCCD1}">
+              <a14:hiddenFill xmlns:a14="http://schemas.microsoft.com/office/drawing/2010/main">
+                <a:solidFill>
+                  <a:srgbClr val="FFFFFF"/>
+                </a:solidFill>
+              </a14:hiddenFill>
+            </a:ext>
+          </a:extLst>
+        </p:spPr>
+      </p:pic>
     </p:spTree>
     <p:extLst>
       <p:ext uri="{BB962C8B-B14F-4D97-AF65-F5344CB8AC3E}">
-        <p14:creationId xmlns:p14="http://schemas.microsoft.com/office/powerpoint/2010/main" val="1891477673"/>
+        <p14:creationId xmlns:p14="http://schemas.microsoft.com/office/powerpoint/2010/main" val="1621094581"/>
       </p:ext>
     </p:extLst>
   </p:cSld>
   <p:clrMapOvr>
     <a:masterClrMapping/>
   </p:clrMapOvr>
-  <p:timing>
-    <p:tnLst>
-      <p:par>
-        <p:cTn id="1" dur="indefinite" restart="never" nodeType="tmRoot">
-          <p:childTnLst>
-            <p:seq concurrent="1" nextAc="seek">
-              <p:cTn id="2" dur="indefinite" nodeType="mainSeq">
-                <p:childTnLst>
-                  <p:par>
-                    <p:cTn id="3" fill="hold">
-                      <p:stCondLst>
-                        <p:cond delay="indefinite"/>
-                      </p:stCondLst>
-                      <p:childTnLst>
-                        <p:par>
-                          <p:cTn id="4" fill="hold">
-                            <p:stCondLst>
-                              <p:cond delay="0"/>
-                            </p:stCondLst>
-                            <p:childTnLst>
-                              <p:par>
-                                <p:cTn id="5" presetID="42" presetClass="entr" presetSubtype="0" fill="hold" grpId="0" nodeType="clickEffect">
-                                  <p:stCondLst>
-                                    <p:cond delay="0"/>
-                                  </p:stCondLst>
-                                  <p:childTnLst>
-                                    <p:set>
-                                      <p:cBhvr>
-                                        <p:cTn id="6" dur="1" fill="hold">
-                                          <p:stCondLst>
-                                            <p:cond delay="0"/>
-                                          </p:stCondLst>
-                                        </p:cTn>
-                                        <p:tgtEl>
-                                          <p:spTgt spid="3">
-                                            <p:bg/>
-                                          </p:spTgt>
-                                        </p:tgtEl>
-                                        <p:attrNameLst>
-                                          <p:attrName>style.visibility</p:attrName>
-                                        </p:attrNameLst>
-                                      </p:cBhvr>
-                                      <p:to>
-                                        <p:strVal val="visible"/>
-                                      </p:to>
-                                    </p:set>
-                                    <p:animEffect transition="in" filter="fade">
-                                      <p:cBhvr>
-                                        <p:cTn id="7" dur="1000"/>
-                                        <p:tgtEl>
-                                          <p:spTgt spid="3">
-                                            <p:bg/>
-                                          </p:spTgt>
-                                        </p:tgtEl>
-                                      </p:cBhvr>
-                                    </p:animEffect>
-                                    <p:anim calcmode="lin" valueType="num">
-                                      <p:cBhvr>
-                                        <p:cTn id="8" dur="1000" fill="hold"/>
-                                        <p:tgtEl>
-                                          <p:spTgt spid="3">
-                                            <p:bg/>
-                                          </p:spTgt>
-                                        </p:tgtEl>
-                                        <p:attrNameLst>
-                                          <p:attrName>ppt_x</p:attrName>
-                                        </p:attrNameLst>
-                                      </p:cBhvr>
-                                      <p:tavLst>
-                                        <p:tav tm="0">
-                                          <p:val>
-                                            <p:strVal val="#ppt_x"/>
-                                          </p:val>
-                                        </p:tav>
-                                        <p:tav tm="100000">
-                                          <p:val>
-                                            <p:strVal val="#ppt_x"/>
-                                          </p:val>
-                                        </p:tav>
-                                      </p:tavLst>
-                                    </p:anim>
-                                    <p:anim calcmode="lin" valueType="num">
-                                      <p:cBhvr>
-                                        <p:cTn id="9" dur="1000" fill="hold"/>
-                                        <p:tgtEl>
-                                          <p:spTgt spid="3">
-                                            <p:bg/>
-                                          </p:spTgt>
-                                        </p:tgtEl>
-                                        <p:attrNameLst>
-                                          <p:attrName>ppt_y</p:attrName>
-                                        </p:attrNameLst>
-                                      </p:cBhvr>
-                                      <p:tavLst>
-                                        <p:tav tm="0">
-                                          <p:val>
-                                            <p:strVal val="#ppt_y+.1"/>
-                                          </p:val>
-                                        </p:tav>
-                                        <p:tav tm="100000">
-                                          <p:val>
-                                            <p:strVal val="#ppt_y"/>
-                                          </p:val>
-                                        </p:tav>
-                                      </p:tavLst>
-                                    </p:anim>
-                                  </p:childTnLst>
-                                </p:cTn>
-                              </p:par>
-                            </p:childTnLst>
-                          </p:cTn>
-                        </p:par>
-                      </p:childTnLst>
-                    </p:cTn>
-                  </p:par>
-                  <p:par>
-                    <p:cTn id="10" fill="hold">
-                      <p:stCondLst>
-                        <p:cond delay="indefinite"/>
-                      </p:stCondLst>
-                      <p:childTnLst>
-                        <p:par>
-                          <p:cTn id="11" fill="hold">
-                            <p:stCondLst>
-                              <p:cond delay="0"/>
-                            </p:stCondLst>
-                            <p:childTnLst>
-                              <p:par>
-                                <p:cTn id="12" presetID="42" presetClass="entr" presetSubtype="0" fill="hold" grpId="0" nodeType="clickEffect" nodePh="1">
-                                  <p:stCondLst>
-                                    <p:cond delay="0"/>
-                                  </p:stCondLst>
-                                  <p:endCondLst>
-                                    <p:cond evt="begin" delay="0">
-                                      <p:tn val="12"/>
-                                    </p:cond>
-                                  </p:endCondLst>
-                                  <p:childTnLst>
-                                    <p:set>
-                                      <p:cBhvr>
-                                        <p:cTn id="13" dur="1" fill="hold">
-                                          <p:stCondLst>
-                                            <p:cond delay="0"/>
-                                          </p:stCondLst>
-                                        </p:cTn>
-                                        <p:tgtEl>
-                                          <p:spTgt spid="3">
-                                            <p:txEl>
-                                              <p:pRg st="0" end="0"/>
-                                            </p:txEl>
-                                          </p:spTgt>
-                                        </p:tgtEl>
-                                        <p:attrNameLst>
-                                          <p:attrName>style.visibility</p:attrName>
-                                        </p:attrNameLst>
-                                      </p:cBhvr>
-                                      <p:to>
-                                        <p:strVal val="visible"/>
-                                      </p:to>
-                                    </p:set>
-                                    <p:animEffect transition="in" filter="fade">
-                                      <p:cBhvr>
-                                        <p:cTn id="14" dur="1000"/>
-                                        <p:tgtEl>
-                                          <p:spTgt spid="3">
-                                            <p:txEl>
-                                              <p:pRg st="0" end="0"/>
-                                            </p:txEl>
-                                          </p:spTgt>
-                                        </p:tgtEl>
-                                      </p:cBhvr>
-                                    </p:animEffect>
-                                    <p:anim calcmode="lin" valueType="num">
-                                      <p:cBhvr>
-                                        <p:cTn id="15" dur="1000" fill="hold"/>
-                                        <p:tgtEl>
-                                          <p:spTgt spid="3">
-                                            <p:txEl>
-                                              <p:pRg st="0" end="0"/>
-                                            </p:txEl>
-                                          </p:spTgt>
-                                        </p:tgtEl>
-                                        <p:attrNameLst>
-                                          <p:attrName>ppt_x</p:attrName>
-                                        </p:attrNameLst>
-                                      </p:cBhvr>
-                                      <p:tavLst>
-                                        <p:tav tm="0">
-                                          <p:val>
-                                            <p:strVal val="#ppt_x"/>
-                                          </p:val>
-                                        </p:tav>
-                                        <p:tav tm="100000">
-                                          <p:val>
-                                            <p:strVal val="#ppt_x"/>
-                                          </p:val>
-                                        </p:tav>
-                                      </p:tavLst>
-                                    </p:anim>
-                                    <p:anim calcmode="lin" valueType="num">
-                                      <p:cBhvr>
-                                        <p:cTn id="16" dur="1000" fill="hold"/>
-                                        <p:tgtEl>
-                                          <p:spTgt spid="3">
-                                            <p:txEl>
-                                              <p:pRg st="0" end="0"/>
-                                            </p:txEl>
-                                          </p:spTgt>
-                                        </p:tgtEl>
-                                        <p:attrNameLst>
-                                          <p:attrName>ppt_y</p:attrName>
-                                        </p:attrNameLst>
-                                      </p:cBhvr>
-                                      <p:tavLst>
-                                        <p:tav tm="0">
-                                          <p:val>
-                                            <p:strVal val="#ppt_y+.1"/>
-                                          </p:val>
-                                        </p:tav>
-                                        <p:tav tm="100000">
-                                          <p:val>
-                                            <p:strVal val="#ppt_y"/>
-                                          </p:val>
-                                        </p:tav>
-                                      </p:tavLst>
-                                    </p:anim>
-                                  </p:childTnLst>
-                                </p:cTn>
-                              </p:par>
-                            </p:childTnLst>
-                          </p:cTn>
-                        </p:par>
-                      </p:childTnLst>
-                    </p:cTn>
-                  </p:par>
-                </p:childTnLst>
-              </p:cTn>
-              <p:prevCondLst>
-                <p:cond evt="onPrev" delay="0">
-                  <p:tgtEl>
-                    <p:sldTgt/>
-                  </p:tgtEl>
-                </p:cond>
-              </p:prevCondLst>
-              <p:nextCondLst>
-                <p:cond evt="onNext" delay="0">
-                  <p:tgtEl>
-                    <p:sldTgt/>
-                  </p:tgtEl>
-                </p:cond>
-              </p:nextCondLst>
-            </p:seq>
-          </p:childTnLst>
-        </p:cTn>
-      </p:par>
-    </p:tnLst>
-    <p:bldLst>
-      <p:bldP spid="3" grpId="0" build="p" animBg="1"/>
-    </p:bldLst>
-  </p:timing>
 </p:sld>
 </file>
 
@@ -8489,12 +8766,41 @@
           <a:chExt cx="0" cy="0"/>
         </a:xfrm>
       </p:grpSpPr>
+      <p:pic>
+        <p:nvPicPr>
+          <p:cNvPr id="4" name="Picture 3">
+            <a:extLst>
+              <a:ext uri="{FF2B5EF4-FFF2-40B4-BE49-F238E27FC236}">
+                <a16:creationId xmlns:a16="http://schemas.microsoft.com/office/drawing/2014/main" id="{D644BB53-8607-46CB-8BED-E29299FAC13B}"/>
+              </a:ext>
+            </a:extLst>
+          </p:cNvPr>
+          <p:cNvPicPr>
+            <a:picLocks noChangeAspect="1"/>
+          </p:cNvPicPr>
+          <p:nvPr/>
+        </p:nvPicPr>
+        <p:blipFill rotWithShape="1">
+          <a:blip r:embed="rId2"/>
+          <a:srcRect t="11543" r="-1" b="35652"/>
+          <a:stretch/>
+        </p:blipFill>
+        <p:spPr>
+          <a:xfrm>
+            <a:off x="19751" y="0"/>
+            <a:ext cx="12172249" cy="6858000"/>
+          </a:xfrm>
+          <a:prstGeom prst="rect">
+            <a:avLst/>
+          </a:prstGeom>
+        </p:spPr>
+      </p:pic>
       <p:sp>
         <p:nvSpPr>
           <p:cNvPr id="2" name="Title 1">
             <a:extLst>
               <a:ext uri="{FF2B5EF4-FFF2-40B4-BE49-F238E27FC236}">
-                <a16:creationId xmlns:a16="http://schemas.microsoft.com/office/drawing/2014/main" id="{CC467DF9-5121-449E-BE9E-D21B2DCC5F9D}"/>
+                <a16:creationId xmlns:a16="http://schemas.microsoft.com/office/drawing/2014/main" id="{64DD0F69-A02B-48E7-B5F8-0FBE5A457A9C}"/>
               </a:ext>
             </a:extLst>
           </p:cNvPr>
@@ -8502,74 +8808,265 @@
             <a:spLocks noGrp="1"/>
           </p:cNvSpPr>
           <p:nvPr>
-            <p:ph type="title"/>
+            <p:ph type="ctrTitle"/>
           </p:nvPr>
         </p:nvSpPr>
         <p:spPr>
           <a:xfrm>
-            <a:off x="19750" y="702156"/>
-            <a:ext cx="12152499" cy="1002819"/>
+            <a:off x="285751" y="523875"/>
+            <a:ext cx="11869982" cy="4432593"/>
           </a:xfrm>
           <a:solidFill>
-            <a:schemeClr val="accent2">
-              <a:lumMod val="20000"/>
-              <a:lumOff val="80000"/>
-            </a:schemeClr>
+            <a:srgbClr val="92D050"/>
           </a:solidFill>
         </p:spPr>
         <p:txBody>
-          <a:bodyPr/>
+          <a:bodyPr>
+            <a:normAutofit fontScale="90000"/>
+          </a:bodyPr>
           <a:lstStyle/>
           <a:p>
-            <a:r>
-              <a:rPr lang="en-IN" dirty="0"/>
-              <a:t>Introduction to service registry &amp; discovery</a:t>
-            </a:r>
-          </a:p>
-        </p:txBody>
-      </p:sp>
-      <p:sp>
-        <p:nvSpPr>
-          <p:cNvPr id="3" name="Content Placeholder 2">
+            <a:pPr algn="ctr"/>
+            <a:br>
+              <a:rPr lang="en-IN" b="1" dirty="0">
+                <a:latin typeface="Algerian" panose="04020705040A02060702" pitchFamily="82" charset="0"/>
+              </a:rPr>
+            </a:br>
+            <a:br>
+              <a:rPr lang="en-IN" b="1" dirty="0">
+                <a:latin typeface="Algerian" panose="04020705040A02060702" pitchFamily="82" charset="0"/>
+              </a:rPr>
+            </a:br>
+            <a:br>
+              <a:rPr lang="en-IN" b="1" dirty="0">
+                <a:latin typeface="Algerian" panose="04020705040A02060702" pitchFamily="82" charset="0"/>
+              </a:rPr>
+            </a:br>
+            <a:br>
+              <a:rPr lang="en-IN" b="1" dirty="0">
+                <a:latin typeface="Algerian" panose="04020705040A02060702" pitchFamily="82" charset="0"/>
+              </a:rPr>
+            </a:br>
+            <a:br>
+              <a:rPr lang="en-IN" b="1" dirty="0">
+                <a:latin typeface="Algerian" panose="04020705040A02060702" pitchFamily="82" charset="0"/>
+              </a:rPr>
+            </a:br>
+            <a:br>
+              <a:rPr lang="en-IN" b="1" dirty="0">
+                <a:latin typeface="Algerian" panose="04020705040A02060702" pitchFamily="82" charset="0"/>
+              </a:rPr>
+            </a:br>
+            <a:br>
+              <a:rPr lang="en-IN" b="1" dirty="0">
+                <a:latin typeface="Algerian" panose="04020705040A02060702" pitchFamily="82" charset="0"/>
+              </a:rPr>
+            </a:br>
+            <a:br>
+              <a:rPr lang="en-IN" b="1" dirty="0">
+                <a:latin typeface="Algerian" panose="04020705040A02060702" pitchFamily="82" charset="0"/>
+              </a:rPr>
+            </a:br>
+            <a:br>
+              <a:rPr lang="en-IN" b="1" dirty="0">
+                <a:latin typeface="Algerian" panose="04020705040A02060702" pitchFamily="82" charset="0"/>
+              </a:rPr>
+            </a:br>
+            <a:br>
+              <a:rPr lang="en-IN" b="1" dirty="0">
+                <a:latin typeface="Algerian" panose="04020705040A02060702" pitchFamily="82" charset="0"/>
+              </a:rPr>
+            </a:br>
+            <a:br>
+              <a:rPr lang="en-IN" b="1" dirty="0">
+                <a:latin typeface="Algerian" panose="04020705040A02060702" pitchFamily="82" charset="0"/>
+              </a:rPr>
+            </a:br>
+            <a:br>
+              <a:rPr lang="en-IN" b="1" dirty="0">
+                <a:latin typeface="Algerian" panose="04020705040A02060702" pitchFamily="82" charset="0"/>
+              </a:rPr>
+            </a:br>
+            <a:br>
+              <a:rPr lang="en-IN" b="1" dirty="0">
+                <a:latin typeface="Algerian" panose="04020705040A02060702" pitchFamily="82" charset="0"/>
+              </a:rPr>
+            </a:br>
+            <a:br>
+              <a:rPr lang="en-IN" b="1" dirty="0">
+                <a:latin typeface="Algerian" panose="04020705040A02060702" pitchFamily="82" charset="0"/>
+              </a:rPr>
+            </a:br>
+            <a:br>
+              <a:rPr lang="en-IN" b="1" dirty="0">
+                <a:latin typeface="Algerian" panose="04020705040A02060702" pitchFamily="82" charset="0"/>
+              </a:rPr>
+            </a:br>
+            <a:br>
+              <a:rPr lang="en-IN" b="1" dirty="0">
+                <a:latin typeface="Algerian" panose="04020705040A02060702" pitchFamily="82" charset="0"/>
+              </a:rPr>
+            </a:br>
+            <a:br>
+              <a:rPr lang="en-IN" b="1" dirty="0">
+                <a:latin typeface="Algerian" panose="04020705040A02060702" pitchFamily="82" charset="0"/>
+              </a:rPr>
+            </a:br>
+            <a:br>
+              <a:rPr lang="en-IN" b="1" dirty="0">
+                <a:latin typeface="Algerian" panose="04020705040A02060702" pitchFamily="82" charset="0"/>
+              </a:rPr>
+            </a:br>
+            <a:r>
+              <a:rPr lang="en-IN" sz="6700" b="1" dirty="0">
+                <a:latin typeface="Algerian" panose="04020705040A02060702" pitchFamily="82" charset="0"/>
+              </a:rPr>
+              <a:t>SERVICE </a:t>
+            </a:r>
+            <a:br>
+              <a:rPr lang="en-IN" sz="6700" b="1" dirty="0">
+                <a:latin typeface="Algerian" panose="04020705040A02060702" pitchFamily="82" charset="0"/>
+              </a:rPr>
+            </a:br>
+            <a:r>
+              <a:rPr lang="en-IN" sz="6700" b="1" dirty="0">
+                <a:solidFill>
+                  <a:srgbClr val="FF0000"/>
+                </a:solidFill>
+                <a:latin typeface="Algerian" panose="04020705040A02060702" pitchFamily="82" charset="0"/>
+              </a:rPr>
+              <a:t>REGISTRY</a:t>
+            </a:r>
+            <a:r>
+              <a:rPr lang="en-IN" sz="6700" b="1" dirty="0">
+                <a:latin typeface="Algerian" panose="04020705040A02060702" pitchFamily="82" charset="0"/>
+              </a:rPr>
+              <a:t> &amp; </a:t>
+            </a:r>
+            <a:r>
+              <a:rPr lang="en-IN" sz="6700" b="1" dirty="0">
+                <a:solidFill>
+                  <a:srgbClr val="0070C0"/>
+                </a:solidFill>
+                <a:latin typeface="Algerian" panose="04020705040A02060702" pitchFamily="82" charset="0"/>
+              </a:rPr>
+              <a:t>DISCOVERY</a:t>
+            </a:r>
+            <a:br>
+              <a:rPr lang="en-IN" b="1" dirty="0">
+                <a:solidFill>
+                  <a:srgbClr val="0070C0"/>
+                </a:solidFill>
+                <a:latin typeface="Algerian" panose="04020705040A02060702" pitchFamily="82" charset="0"/>
+              </a:rPr>
+            </a:br>
+            <a:br>
+              <a:rPr lang="en-IN" b="1" dirty="0">
+                <a:latin typeface="Algerian" panose="04020705040A02060702" pitchFamily="82" charset="0"/>
+              </a:rPr>
+            </a:br>
+            <a:endParaRPr lang="en-IN" sz="6600" b="1" dirty="0">
+              <a:solidFill>
+                <a:srgbClr val="FFFFFF"/>
+              </a:solidFill>
+              <a:latin typeface="Algerian" panose="04020705040A02060702" pitchFamily="82" charset="0"/>
+            </a:endParaRPr>
+          </a:p>
+        </p:txBody>
+      </p:sp>
+      <p:pic>
+        <p:nvPicPr>
+          <p:cNvPr id="5" name="Picture 4">
             <a:extLst>
               <a:ext uri="{FF2B5EF4-FFF2-40B4-BE49-F238E27FC236}">
-                <a16:creationId xmlns:a16="http://schemas.microsoft.com/office/drawing/2014/main" id="{F37DD19B-0598-4B4D-BF8A-02BE9B5CF78E}"/>
+                <a16:creationId xmlns:a16="http://schemas.microsoft.com/office/drawing/2014/main" id="{0F75C16A-1982-4F7C-8FF2-094A2A219EAC}"/>
               </a:ext>
             </a:extLst>
           </p:cNvPr>
-          <p:cNvSpPr>
-            <a:spLocks noGrp="1"/>
-          </p:cNvSpPr>
-          <p:nvPr>
-            <p:ph idx="1"/>
-          </p:nvPr>
-        </p:nvSpPr>
+          <p:cNvPicPr>
+            <a:picLocks noChangeAspect="1"/>
+          </p:cNvPicPr>
+          <p:nvPr/>
+        </p:nvPicPr>
+        <p:blipFill>
+          <a:blip r:embed="rId3"/>
+          <a:stretch>
+            <a:fillRect/>
+          </a:stretch>
+        </p:blipFill>
         <p:spPr>
           <a:xfrm>
-            <a:off x="19750" y="2133600"/>
-            <a:ext cx="12152500" cy="4610100"/>
-          </a:xfrm>
-          <a:solidFill>
-            <a:schemeClr val="accent5">
-              <a:lumMod val="20000"/>
-              <a:lumOff val="80000"/>
-            </a:schemeClr>
-          </a:solidFill>
-        </p:spPr>
-        <p:txBody>
-          <a:bodyPr/>
-          <a:lstStyle/>
-          <a:p>
-            <a:endParaRPr lang="en-IN" b="1" dirty="0"/>
-          </a:p>
-        </p:txBody>
-      </p:sp>
-      <p:sp>
-        <p:nvSpPr>
-          <p:cNvPr id="4" name="Rectangle 3">
+            <a:off x="8266720" y="4188063"/>
+            <a:ext cx="3889014" cy="2212738"/>
+          </a:xfrm>
+          <a:prstGeom prst="rect">
+            <a:avLst/>
+          </a:prstGeom>
+          <a:ln>
+            <a:noFill/>
+          </a:ln>
+          <a:effectLst>
+            <a:outerShdw blurRad="292100" dist="139700" dir="2700000" algn="tl" rotWithShape="0">
+              <a:srgbClr val="333333">
+                <a:alpha val="65000"/>
+              </a:srgbClr>
+            </a:outerShdw>
+          </a:effectLst>
+        </p:spPr>
+      </p:pic>
+      <p:pic>
+        <p:nvPicPr>
+          <p:cNvPr id="1026" name="Picture 2" descr="Image result for spring boot">
             <a:extLst>
               <a:ext uri="{FF2B5EF4-FFF2-40B4-BE49-F238E27FC236}">
-                <a16:creationId xmlns:a16="http://schemas.microsoft.com/office/drawing/2014/main" id="{CEB1AFED-B356-4EB9-B3F2-40D431051EDF}"/>
+                <a16:creationId xmlns:a16="http://schemas.microsoft.com/office/drawing/2014/main" id="{6E10FFE0-DA50-425D-AB9C-5F0C2DE7E745}"/>
+              </a:ext>
+            </a:extLst>
+          </p:cNvPr>
+          <p:cNvPicPr>
+            <a:picLocks noChangeAspect="1" noChangeArrowheads="1"/>
+          </p:cNvPicPr>
+          <p:nvPr/>
+        </p:nvPicPr>
+        <p:blipFill>
+          <a:blip r:embed="rId4">
+            <a:extLst>
+              <a:ext uri="{28A0092B-C50C-407E-A947-70E740481C1C}">
+                <a14:useLocalDpi xmlns:a14="http://schemas.microsoft.com/office/drawing/2010/main" val="0"/>
+              </a:ext>
+            </a:extLst>
+          </a:blip>
+          <a:srcRect/>
+          <a:stretch>
+            <a:fillRect/>
+          </a:stretch>
+        </p:blipFill>
+        <p:spPr bwMode="auto">
+          <a:xfrm>
+            <a:off x="285751" y="523875"/>
+            <a:ext cx="3324224" cy="1347010"/>
+          </a:xfrm>
+          <a:prstGeom prst="rect">
+            <a:avLst/>
+          </a:prstGeom>
+          <a:noFill/>
+          <a:extLst>
+            <a:ext uri="{909E8E84-426E-40DD-AFC4-6F175D3DCCD1}">
+              <a14:hiddenFill xmlns:a14="http://schemas.microsoft.com/office/drawing/2010/main">
+                <a:solidFill>
+                  <a:srgbClr val="FFFFFF"/>
+                </a:solidFill>
+              </a14:hiddenFill>
+            </a:ext>
+          </a:extLst>
+        </p:spPr>
+      </p:pic>
+      <p:sp>
+        <p:nvSpPr>
+          <p:cNvPr id="6" name="Hexagon 5">
+            <a:extLst>
+              <a:ext uri="{FF2B5EF4-FFF2-40B4-BE49-F238E27FC236}">
+                <a16:creationId xmlns:a16="http://schemas.microsoft.com/office/drawing/2014/main" id="{3C30B904-A1B2-4F4D-89D8-1369DBF66F2C}"/>
               </a:ext>
             </a:extLst>
           </p:cNvPr>
@@ -8578,8 +9075,111 @@
         </p:nvSpPr>
         <p:spPr>
           <a:xfrm>
-            <a:off x="0" y="6419850"/>
-            <a:ext cx="12191999" cy="457200"/>
+            <a:off x="721086" y="4724400"/>
+            <a:ext cx="3889014" cy="1609724"/>
+          </a:xfrm>
+          <a:prstGeom prst="hexagon">
+            <a:avLst/>
+          </a:prstGeom>
+        </p:spPr>
+        <p:style>
+          <a:lnRef idx="2">
+            <a:schemeClr val="accent1">
+              <a:shade val="50000"/>
+            </a:schemeClr>
+          </a:lnRef>
+          <a:fillRef idx="1">
+            <a:schemeClr val="accent1"/>
+          </a:fillRef>
+          <a:effectRef idx="0">
+            <a:schemeClr val="accent1"/>
+          </a:effectRef>
+          <a:fontRef idx="minor">
+            <a:schemeClr val="lt1"/>
+          </a:fontRef>
+        </p:style>
+        <p:txBody>
+          <a:bodyPr rtlCol="0" anchor="ctr"/>
+          <a:lstStyle/>
+          <a:p>
+            <a:pPr algn="ctr"/>
+            <a:r>
+              <a:rPr lang="en-IN" sz="2800" dirty="0">
+                <a:latin typeface="Algerian" panose="04020705040A02060702" pitchFamily="82" charset="0"/>
+              </a:rPr>
+              <a:t>MICROSERVICES ARCHITECTURE</a:t>
+            </a:r>
+          </a:p>
+        </p:txBody>
+      </p:sp>
+      <p:sp>
+        <p:nvSpPr>
+          <p:cNvPr id="7" name="Rectangle: Single Corner Snipped 6">
+            <a:extLst>
+              <a:ext uri="{FF2B5EF4-FFF2-40B4-BE49-F238E27FC236}">
+                <a16:creationId xmlns:a16="http://schemas.microsoft.com/office/drawing/2014/main" id="{6058CC45-6533-4434-BCC1-400430658E70}"/>
+              </a:ext>
+            </a:extLst>
+          </p:cNvPr>
+          <p:cNvSpPr/>
+          <p:nvPr/>
+        </p:nvSpPr>
+        <p:spPr>
+          <a:xfrm>
+            <a:off x="10944225" y="0"/>
+            <a:ext cx="1211508" cy="733425"/>
+          </a:xfrm>
+          <a:prstGeom prst="snip1Rect">
+            <a:avLst/>
+          </a:prstGeom>
+          <a:solidFill>
+            <a:srgbClr val="00B050"/>
+          </a:solidFill>
+        </p:spPr>
+        <p:style>
+          <a:lnRef idx="2">
+            <a:schemeClr val="accent1">
+              <a:shade val="50000"/>
+            </a:schemeClr>
+          </a:lnRef>
+          <a:fillRef idx="1">
+            <a:schemeClr val="accent1"/>
+          </a:fillRef>
+          <a:effectRef idx="0">
+            <a:schemeClr val="accent1"/>
+          </a:effectRef>
+          <a:fontRef idx="minor">
+            <a:schemeClr val="lt1"/>
+          </a:fontRef>
+        </p:style>
+        <p:txBody>
+          <a:bodyPr rtlCol="0" anchor="ctr"/>
+          <a:lstStyle/>
+          <a:p>
+            <a:pPr algn="ctr"/>
+            <a:r>
+              <a:rPr lang="en-IN" sz="6000" dirty="0"/>
+              <a:t>#5</a:t>
+            </a:r>
+          </a:p>
+        </p:txBody>
+      </p:sp>
+      <p:sp>
+        <p:nvSpPr>
+          <p:cNvPr id="3" name="Rectangle 2">
+            <a:extLst>
+              <a:ext uri="{FF2B5EF4-FFF2-40B4-BE49-F238E27FC236}">
+                <a16:creationId xmlns:a16="http://schemas.microsoft.com/office/drawing/2014/main" id="{A2297861-54CD-422C-9093-DAEC8063F235}"/>
+              </a:ext>
+            </a:extLst>
+          </p:cNvPr>
+          <p:cNvSpPr/>
+          <p:nvPr/>
+        </p:nvSpPr>
+        <p:spPr>
+          <a:xfrm>
+            <a:off x="19750" y="6400800"/>
+            <a:ext cx="12172249" cy="457200"/>
           </a:xfrm>
           <a:prstGeom prst="rect">
             <a:avLst/>
@@ -8613,276 +9213,241 @@
           </a:p>
         </p:txBody>
       </p:sp>
+      <p:sp>
+        <p:nvSpPr>
+          <p:cNvPr id="9" name="Rectangle 8">
+            <a:extLst>
+              <a:ext uri="{FF2B5EF4-FFF2-40B4-BE49-F238E27FC236}">
+                <a16:creationId xmlns:a16="http://schemas.microsoft.com/office/drawing/2014/main" id="{B80A8CB7-AF1E-4589-AB4E-E2E4FB410DA0}"/>
+              </a:ext>
+            </a:extLst>
+          </p:cNvPr>
+          <p:cNvSpPr/>
+          <p:nvPr/>
+        </p:nvSpPr>
+        <p:spPr>
+          <a:xfrm>
+            <a:off x="366713" y="3357066"/>
+            <a:ext cx="11708057" cy="1569660"/>
+          </a:xfrm>
+          <a:prstGeom prst="rect">
+            <a:avLst/>
+          </a:prstGeom>
+          <a:solidFill>
+            <a:srgbClr val="7030A0"/>
+          </a:solidFill>
+          <a:ln>
+            <a:noFill/>
+          </a:ln>
+          <a:scene3d>
+            <a:camera prst="orthographicFront"/>
+            <a:lightRig rig="threePt" dir="t"/>
+          </a:scene3d>
+          <a:sp3d>
+            <a:bevelT w="139700" h="139700" prst="divot"/>
+          </a:sp3d>
+        </p:spPr>
+        <p:style>
+          <a:lnRef idx="0">
+            <a:scrgbClr r="0" g="0" b="0"/>
+          </a:lnRef>
+          <a:fillRef idx="0">
+            <a:scrgbClr r="0" g="0" b="0"/>
+          </a:fillRef>
+          <a:effectRef idx="0">
+            <a:scrgbClr r="0" g="0" b="0"/>
+          </a:effectRef>
+          <a:fontRef idx="minor">
+            <a:schemeClr val="lt1"/>
+          </a:fontRef>
+        </p:style>
+        <p:txBody>
+          <a:bodyPr wrap="square" lIns="91440" tIns="45720" rIns="91440" bIns="45720">
+            <a:spAutoFit/>
+          </a:bodyPr>
+          <a:lstStyle/>
+          <a:p>
+            <a:pPr algn="ctr"/>
+            <a:r>
+              <a:rPr lang="en-IN" sz="4800" b="1" dirty="0">
+                <a:ln w="12700">
+                  <a:solidFill>
+                    <a:schemeClr val="accent3">
+                      <a:lumMod val="50000"/>
+                    </a:schemeClr>
+                  </a:solidFill>
+                  <a:prstDash val="solid"/>
+                </a:ln>
+                <a:pattFill prst="narHorz">
+                  <a:fgClr>
+                    <a:schemeClr val="accent3"/>
+                  </a:fgClr>
+                  <a:bgClr>
+                    <a:schemeClr val="accent3">
+                      <a:lumMod val="40000"/>
+                      <a:lumOff val="60000"/>
+                    </a:schemeClr>
+                  </a:bgClr>
+                </a:pattFill>
+                <a:effectLst>
+                  <a:innerShdw blurRad="177800">
+                    <a:schemeClr val="accent3">
+                      <a:lumMod val="50000"/>
+                    </a:schemeClr>
+                  </a:innerShdw>
+                </a:effectLst>
+                <a:latin typeface="Algerian" panose="04020705040A02060702" pitchFamily="82" charset="0"/>
+              </a:rPr>
+              <a:t>Demo – spring boot + </a:t>
+            </a:r>
+            <a:r>
+              <a:rPr lang="en-IN" sz="4800" b="1" dirty="0">
+                <a:ln w="12700">
+                  <a:solidFill>
+                    <a:schemeClr val="accent3">
+                      <a:lumMod val="50000"/>
+                    </a:schemeClr>
+                  </a:solidFill>
+                  <a:prstDash val="solid"/>
+                </a:ln>
+                <a:solidFill>
+                  <a:schemeClr val="tx1"/>
+                </a:solidFill>
+                <a:effectLst>
+                  <a:innerShdw blurRad="177800">
+                    <a:schemeClr val="accent3">
+                      <a:lumMod val="50000"/>
+                    </a:schemeClr>
+                  </a:innerShdw>
+                </a:effectLst>
+                <a:latin typeface="Algerian" panose="04020705040A02060702" pitchFamily="82" charset="0"/>
+              </a:rPr>
+              <a:t>eureka discovery CLIENT</a:t>
+            </a:r>
+            <a:endParaRPr lang="en-IN" sz="4800" b="1" cap="none" spc="0" dirty="0">
+              <a:ln/>
+              <a:solidFill>
+                <a:schemeClr val="tx1"/>
+              </a:solidFill>
+              <a:effectLst>
+                <a:outerShdw blurRad="38100" dist="19050" dir="2700000" algn="tl" rotWithShape="0">
+                  <a:schemeClr val="dk1">
+                    <a:lumMod val="50000"/>
+                    <a:alpha val="40000"/>
+                  </a:schemeClr>
+                </a:outerShdw>
+              </a:effectLst>
+            </a:endParaRPr>
+          </a:p>
+        </p:txBody>
+      </p:sp>
+      <p:sp>
+        <p:nvSpPr>
+          <p:cNvPr id="10" name="Rectangle 9">
+            <a:extLst>
+              <a:ext uri="{FF2B5EF4-FFF2-40B4-BE49-F238E27FC236}">
+                <a16:creationId xmlns:a16="http://schemas.microsoft.com/office/drawing/2014/main" id="{B321015C-1805-43EE-BF33-5150F39B3234}"/>
+              </a:ext>
+            </a:extLst>
+          </p:cNvPr>
+          <p:cNvSpPr/>
+          <p:nvPr/>
+        </p:nvSpPr>
+        <p:spPr>
+          <a:xfrm>
+            <a:off x="0" y="-76201"/>
+            <a:ext cx="1211508" cy="314325"/>
+          </a:xfrm>
+          <a:prstGeom prst="rect">
+            <a:avLst/>
+          </a:prstGeom>
+          <a:solidFill>
+            <a:srgbClr val="FFFF00"/>
+          </a:solidFill>
+        </p:spPr>
+        <p:style>
+          <a:lnRef idx="2">
+            <a:schemeClr val="accent6"/>
+          </a:lnRef>
+          <a:fillRef idx="1">
+            <a:schemeClr val="lt1"/>
+          </a:fillRef>
+          <a:effectRef idx="0">
+            <a:schemeClr val="accent6"/>
+          </a:effectRef>
+          <a:fontRef idx="minor">
+            <a:schemeClr val="dk1"/>
+          </a:fontRef>
+        </p:style>
+        <p:txBody>
+          <a:bodyPr rtlCol="0" anchor="ctr"/>
+          <a:lstStyle/>
+          <a:p>
+            <a:pPr algn="ctr"/>
+            <a:r>
+              <a:rPr lang="en-IN" b="1" u="sng" dirty="0"/>
+              <a:t>ARVIND</a:t>
+            </a:r>
+          </a:p>
+        </p:txBody>
+      </p:sp>
+      <p:pic>
+        <p:nvPicPr>
+          <p:cNvPr id="8" name="Picture 2" descr="Image result for netflix eureka">
+            <a:extLst>
+              <a:ext uri="{FF2B5EF4-FFF2-40B4-BE49-F238E27FC236}">
+                <a16:creationId xmlns:a16="http://schemas.microsoft.com/office/drawing/2014/main" id="{4F187C15-4107-4934-A4D7-5DED55C08896}"/>
+              </a:ext>
+            </a:extLst>
+          </p:cNvPr>
+          <p:cNvPicPr>
+            <a:picLocks noChangeAspect="1" noChangeArrowheads="1"/>
+          </p:cNvPicPr>
+          <p:nvPr/>
+        </p:nvPicPr>
+        <p:blipFill>
+          <a:blip r:embed="rId5">
+            <a:extLst>
+              <a:ext uri="{28A0092B-C50C-407E-A947-70E740481C1C}">
+                <a14:useLocalDpi xmlns:a14="http://schemas.microsoft.com/office/drawing/2010/main" val="0"/>
+              </a:ext>
+            </a:extLst>
+          </a:blip>
+          <a:srcRect/>
+          <a:stretch>
+            <a:fillRect/>
+          </a:stretch>
+        </p:blipFill>
+        <p:spPr bwMode="auto">
+          <a:xfrm>
+            <a:off x="7896227" y="270965"/>
+            <a:ext cx="2305050" cy="1981200"/>
+          </a:xfrm>
+          <a:prstGeom prst="rect">
+            <a:avLst/>
+          </a:prstGeom>
+          <a:noFill/>
+          <a:extLst>
+            <a:ext uri="{909E8E84-426E-40DD-AFC4-6F175D3DCCD1}">
+              <a14:hiddenFill xmlns:a14="http://schemas.microsoft.com/office/drawing/2010/main">
+                <a:solidFill>
+                  <a:srgbClr val="FFFFFF"/>
+                </a:solidFill>
+              </a14:hiddenFill>
+            </a:ext>
+          </a:extLst>
+        </p:spPr>
+      </p:pic>
     </p:spTree>
     <p:extLst>
       <p:ext uri="{BB962C8B-B14F-4D97-AF65-F5344CB8AC3E}">
-        <p14:creationId xmlns:p14="http://schemas.microsoft.com/office/powerpoint/2010/main" val="2294838371"/>
+        <p14:creationId xmlns:p14="http://schemas.microsoft.com/office/powerpoint/2010/main" val="3924763409"/>
       </p:ext>
     </p:extLst>
   </p:cSld>
   <p:clrMapOvr>
     <a:masterClrMapping/>
   </p:clrMapOvr>
-  <p:timing>
-    <p:tnLst>
-      <p:par>
-        <p:cTn id="1" dur="indefinite" restart="never" nodeType="tmRoot">
-          <p:childTnLst>
-            <p:seq concurrent="1" nextAc="seek">
-              <p:cTn id="2" dur="indefinite" nodeType="mainSeq">
-                <p:childTnLst>
-                  <p:par>
-                    <p:cTn id="3" fill="hold">
-                      <p:stCondLst>
-                        <p:cond delay="indefinite"/>
-                      </p:stCondLst>
-                      <p:childTnLst>
-                        <p:par>
-                          <p:cTn id="4" fill="hold">
-                            <p:stCondLst>
-                              <p:cond delay="0"/>
-                            </p:stCondLst>
-                            <p:childTnLst>
-                              <p:par>
-                                <p:cTn id="5" presetID="42" presetClass="entr" presetSubtype="0" fill="hold" grpId="0" nodeType="clickEffect">
-                                  <p:stCondLst>
-                                    <p:cond delay="0"/>
-                                  </p:stCondLst>
-                                  <p:childTnLst>
-                                    <p:set>
-                                      <p:cBhvr>
-                                        <p:cTn id="6" dur="1" fill="hold">
-                                          <p:stCondLst>
-                                            <p:cond delay="0"/>
-                                          </p:stCondLst>
-                                        </p:cTn>
-                                        <p:tgtEl>
-                                          <p:spTgt spid="3">
-                                            <p:bg/>
-                                          </p:spTgt>
-                                        </p:tgtEl>
-                                        <p:attrNameLst>
-                                          <p:attrName>style.visibility</p:attrName>
-                                        </p:attrNameLst>
-                                      </p:cBhvr>
-                                      <p:to>
-                                        <p:strVal val="visible"/>
-                                      </p:to>
-                                    </p:set>
-                                    <p:animEffect transition="in" filter="fade">
-                                      <p:cBhvr>
-                                        <p:cTn id="7" dur="1000"/>
-                                        <p:tgtEl>
-                                          <p:spTgt spid="3">
-                                            <p:bg/>
-                                          </p:spTgt>
-                                        </p:tgtEl>
-                                      </p:cBhvr>
-                                    </p:animEffect>
-                                    <p:anim calcmode="lin" valueType="num">
-                                      <p:cBhvr>
-                                        <p:cTn id="8" dur="1000" fill="hold"/>
-                                        <p:tgtEl>
-                                          <p:spTgt spid="3">
-                                            <p:bg/>
-                                          </p:spTgt>
-                                        </p:tgtEl>
-                                        <p:attrNameLst>
-                                          <p:attrName>ppt_x</p:attrName>
-                                        </p:attrNameLst>
-                                      </p:cBhvr>
-                                      <p:tavLst>
-                                        <p:tav tm="0">
-                                          <p:val>
-                                            <p:strVal val="#ppt_x"/>
-                                          </p:val>
-                                        </p:tav>
-                                        <p:tav tm="100000">
-                                          <p:val>
-                                            <p:strVal val="#ppt_x"/>
-                                          </p:val>
-                                        </p:tav>
-                                      </p:tavLst>
-                                    </p:anim>
-                                    <p:anim calcmode="lin" valueType="num">
-                                      <p:cBhvr>
-                                        <p:cTn id="9" dur="1000" fill="hold"/>
-                                        <p:tgtEl>
-                                          <p:spTgt spid="3">
-                                            <p:bg/>
-                                          </p:spTgt>
-                                        </p:tgtEl>
-                                        <p:attrNameLst>
-                                          <p:attrName>ppt_y</p:attrName>
-                                        </p:attrNameLst>
-                                      </p:cBhvr>
-                                      <p:tavLst>
-                                        <p:tav tm="0">
-                                          <p:val>
-                                            <p:strVal val="#ppt_y+.1"/>
-                                          </p:val>
-                                        </p:tav>
-                                        <p:tav tm="100000">
-                                          <p:val>
-                                            <p:strVal val="#ppt_y"/>
-                                          </p:val>
-                                        </p:tav>
-                                      </p:tavLst>
-                                    </p:anim>
-                                  </p:childTnLst>
-                                </p:cTn>
-                              </p:par>
-                            </p:childTnLst>
-                          </p:cTn>
-                        </p:par>
-                      </p:childTnLst>
-                    </p:cTn>
-                  </p:par>
-                  <p:par>
-                    <p:cTn id="10" fill="hold">
-                      <p:stCondLst>
-                        <p:cond delay="indefinite"/>
-                      </p:stCondLst>
-                      <p:childTnLst>
-                        <p:par>
-                          <p:cTn id="11" fill="hold">
-                            <p:stCondLst>
-                              <p:cond delay="0"/>
-                            </p:stCondLst>
-                            <p:childTnLst>
-                              <p:par>
-                                <p:cTn id="12" presetID="42" presetClass="entr" presetSubtype="0" fill="hold" grpId="0" nodeType="clickEffect" nodePh="1">
-                                  <p:stCondLst>
-                                    <p:cond delay="0"/>
-                                  </p:stCondLst>
-                                  <p:endCondLst>
-                                    <p:cond evt="begin" delay="0">
-                                      <p:tn val="12"/>
-                                    </p:cond>
-                                  </p:endCondLst>
-                                  <p:childTnLst>
-                                    <p:set>
-                                      <p:cBhvr>
-                                        <p:cTn id="13" dur="1" fill="hold">
-                                          <p:stCondLst>
-                                            <p:cond delay="0"/>
-                                          </p:stCondLst>
-                                        </p:cTn>
-                                        <p:tgtEl>
-                                          <p:spTgt spid="3">
-                                            <p:txEl>
-                                              <p:pRg st="0" end="0"/>
-                                            </p:txEl>
-                                          </p:spTgt>
-                                        </p:tgtEl>
-                                        <p:attrNameLst>
-                                          <p:attrName>style.visibility</p:attrName>
-                                        </p:attrNameLst>
-                                      </p:cBhvr>
-                                      <p:to>
-                                        <p:strVal val="visible"/>
-                                      </p:to>
-                                    </p:set>
-                                    <p:animEffect transition="in" filter="fade">
-                                      <p:cBhvr>
-                                        <p:cTn id="14" dur="1000"/>
-                                        <p:tgtEl>
-                                          <p:spTgt spid="3">
-                                            <p:txEl>
-                                              <p:pRg st="0" end="0"/>
-                                            </p:txEl>
-                                          </p:spTgt>
-                                        </p:tgtEl>
-                                      </p:cBhvr>
-                                    </p:animEffect>
-                                    <p:anim calcmode="lin" valueType="num">
-                                      <p:cBhvr>
-                                        <p:cTn id="15" dur="1000" fill="hold"/>
-                                        <p:tgtEl>
-                                          <p:spTgt spid="3">
-                                            <p:txEl>
-                                              <p:pRg st="0" end="0"/>
-                                            </p:txEl>
-                                          </p:spTgt>
-                                        </p:tgtEl>
-                                        <p:attrNameLst>
-                                          <p:attrName>ppt_x</p:attrName>
-                                        </p:attrNameLst>
-                                      </p:cBhvr>
-                                      <p:tavLst>
-                                        <p:tav tm="0">
-                                          <p:val>
-                                            <p:strVal val="#ppt_x"/>
-                                          </p:val>
-                                        </p:tav>
-                                        <p:tav tm="100000">
-                                          <p:val>
-                                            <p:strVal val="#ppt_x"/>
-                                          </p:val>
-                                        </p:tav>
-                                      </p:tavLst>
-                                    </p:anim>
-                                    <p:anim calcmode="lin" valueType="num">
-                                      <p:cBhvr>
-                                        <p:cTn id="16" dur="1000" fill="hold"/>
-                                        <p:tgtEl>
-                                          <p:spTgt spid="3">
-                                            <p:txEl>
-                                              <p:pRg st="0" end="0"/>
-                                            </p:txEl>
-                                          </p:spTgt>
-                                        </p:tgtEl>
-                                        <p:attrNameLst>
-                                          <p:attrName>ppt_y</p:attrName>
-                                        </p:attrNameLst>
-                                      </p:cBhvr>
-                                      <p:tavLst>
-                                        <p:tav tm="0">
-                                          <p:val>
-                                            <p:strVal val="#ppt_y+.1"/>
-                                          </p:val>
-                                        </p:tav>
-                                        <p:tav tm="100000">
-                                          <p:val>
-                                            <p:strVal val="#ppt_y"/>
-                                          </p:val>
-                                        </p:tav>
-                                      </p:tavLst>
-                                    </p:anim>
-                                  </p:childTnLst>
-                                </p:cTn>
-                              </p:par>
-                            </p:childTnLst>
-                          </p:cTn>
-                        </p:par>
-                      </p:childTnLst>
-                    </p:cTn>
-                  </p:par>
-                </p:childTnLst>
-              </p:cTn>
-              <p:prevCondLst>
-                <p:cond evt="onPrev" delay="0">
-                  <p:tgtEl>
-                    <p:sldTgt/>
-                  </p:tgtEl>
-                </p:cond>
-              </p:prevCondLst>
-              <p:nextCondLst>
-                <p:cond evt="onNext" delay="0">
-                  <p:tgtEl>
-                    <p:sldTgt/>
-                  </p:tgtEl>
-                </p:cond>
-              </p:nextCondLst>
-            </p:seq>
-          </p:childTnLst>
-        </p:cTn>
-      </p:par>
-    </p:tnLst>
-    <p:bldLst>
-      <p:bldP spid="3" grpId="0" build="p" animBg="1"/>
-    </p:bldLst>
-  </p:timing>
 </p:sld>
 </file>
 
@@ -8937,44 +9502,8 @@
           <a:p>
             <a:r>
               <a:rPr lang="en-IN" dirty="0"/>
-              <a:t>Introduction to service registry &amp; discovery</a:t>
-            </a:r>
-          </a:p>
-        </p:txBody>
-      </p:sp>
-      <p:sp>
-        <p:nvSpPr>
-          <p:cNvPr id="3" name="Content Placeholder 2">
-            <a:extLst>
-              <a:ext uri="{FF2B5EF4-FFF2-40B4-BE49-F238E27FC236}">
-                <a16:creationId xmlns:a16="http://schemas.microsoft.com/office/drawing/2014/main" id="{F37DD19B-0598-4B4D-BF8A-02BE9B5CF78E}"/>
-              </a:ext>
-            </a:extLst>
-          </p:cNvPr>
-          <p:cNvSpPr>
-            <a:spLocks noGrp="1"/>
-          </p:cNvSpPr>
-          <p:nvPr>
-            <p:ph idx="1"/>
-          </p:nvPr>
-        </p:nvSpPr>
-        <p:spPr>
-          <a:xfrm>
-            <a:off x="19750" y="2133600"/>
-            <a:ext cx="12152500" cy="4610100"/>
-          </a:xfrm>
-          <a:solidFill>
-            <a:schemeClr val="accent5">
-              <a:lumMod val="20000"/>
-              <a:lumOff val="80000"/>
-            </a:schemeClr>
-          </a:solidFill>
-        </p:spPr>
-        <p:txBody>
-          <a:bodyPr/>
-          <a:lstStyle/>
-          <a:p>
-            <a:endParaRPr lang="en-IN" b="1" dirty="0"/>
+              <a:t>Application design for demo</a:t>
+            </a:r>
           </a:p>
         </p:txBody>
       </p:sp>
@@ -9027,276 +9556,614 @@
           </a:p>
         </p:txBody>
       </p:sp>
+      <p:sp>
+        <p:nvSpPr>
+          <p:cNvPr id="5" name="Rectangle 4">
+            <a:extLst>
+              <a:ext uri="{FF2B5EF4-FFF2-40B4-BE49-F238E27FC236}">
+                <a16:creationId xmlns:a16="http://schemas.microsoft.com/office/drawing/2014/main" id="{8D13A079-4FFB-4BF0-9354-45CD2A8015D2}"/>
+              </a:ext>
+            </a:extLst>
+          </p:cNvPr>
+          <p:cNvSpPr/>
+          <p:nvPr/>
+        </p:nvSpPr>
+        <p:spPr>
+          <a:xfrm>
+            <a:off x="790575" y="3181350"/>
+            <a:ext cx="1647825" cy="1228725"/>
+          </a:xfrm>
+          <a:prstGeom prst="rect">
+            <a:avLst/>
+          </a:prstGeom>
+        </p:spPr>
+        <p:style>
+          <a:lnRef idx="2">
+            <a:schemeClr val="accent1">
+              <a:shade val="50000"/>
+            </a:schemeClr>
+          </a:lnRef>
+          <a:fillRef idx="1">
+            <a:schemeClr val="accent1"/>
+          </a:fillRef>
+          <a:effectRef idx="0">
+            <a:schemeClr val="accent1"/>
+          </a:effectRef>
+          <a:fontRef idx="minor">
+            <a:schemeClr val="lt1"/>
+          </a:fontRef>
+        </p:style>
+        <p:txBody>
+          <a:bodyPr rtlCol="0" anchor="ctr"/>
+          <a:lstStyle/>
+          <a:p>
+            <a:pPr algn="ctr"/>
+            <a:r>
+              <a:rPr lang="en-IN" dirty="0"/>
+              <a:t>Doctor Portal</a:t>
+            </a:r>
+          </a:p>
+        </p:txBody>
+      </p:sp>
+      <p:sp>
+        <p:nvSpPr>
+          <p:cNvPr id="6" name="Rectangle: Rounded Corners 5">
+            <a:extLst>
+              <a:ext uri="{FF2B5EF4-FFF2-40B4-BE49-F238E27FC236}">
+                <a16:creationId xmlns:a16="http://schemas.microsoft.com/office/drawing/2014/main" id="{382FAFC4-A173-4015-B1EC-CDBDDC935948}"/>
+              </a:ext>
+            </a:extLst>
+          </p:cNvPr>
+          <p:cNvSpPr/>
+          <p:nvPr/>
+        </p:nvSpPr>
+        <p:spPr>
+          <a:xfrm>
+            <a:off x="6743700" y="1776412"/>
+            <a:ext cx="1933575" cy="900113"/>
+          </a:xfrm>
+          <a:prstGeom prst="roundRect">
+            <a:avLst/>
+          </a:prstGeom>
+        </p:spPr>
+        <p:style>
+          <a:lnRef idx="2">
+            <a:schemeClr val="accent1">
+              <a:shade val="50000"/>
+            </a:schemeClr>
+          </a:lnRef>
+          <a:fillRef idx="1">
+            <a:schemeClr val="accent1"/>
+          </a:fillRef>
+          <a:effectRef idx="0">
+            <a:schemeClr val="accent1"/>
+          </a:effectRef>
+          <a:fontRef idx="minor">
+            <a:schemeClr val="lt1"/>
+          </a:fontRef>
+        </p:style>
+        <p:txBody>
+          <a:bodyPr rtlCol="0" anchor="ctr"/>
+          <a:lstStyle/>
+          <a:p>
+            <a:pPr algn="ctr"/>
+            <a:r>
+              <a:rPr lang="en-IN" sz="2000" dirty="0" err="1"/>
+              <a:t>DoctorService</a:t>
+            </a:r>
+            <a:endParaRPr lang="en-IN" sz="2000" dirty="0"/>
+          </a:p>
+        </p:txBody>
+      </p:sp>
+      <p:sp>
+        <p:nvSpPr>
+          <p:cNvPr id="7" name="Rectangle: Rounded Corners 6">
+            <a:extLst>
+              <a:ext uri="{FF2B5EF4-FFF2-40B4-BE49-F238E27FC236}">
+                <a16:creationId xmlns:a16="http://schemas.microsoft.com/office/drawing/2014/main" id="{D7E4627F-A275-48E9-A32C-B9A7CC191A62}"/>
+              </a:ext>
+            </a:extLst>
+          </p:cNvPr>
+          <p:cNvSpPr/>
+          <p:nvPr/>
+        </p:nvSpPr>
+        <p:spPr>
+          <a:xfrm>
+            <a:off x="6777039" y="3576637"/>
+            <a:ext cx="1933575" cy="900113"/>
+          </a:xfrm>
+          <a:prstGeom prst="roundRect">
+            <a:avLst/>
+          </a:prstGeom>
+        </p:spPr>
+        <p:style>
+          <a:lnRef idx="2">
+            <a:schemeClr val="accent1">
+              <a:shade val="50000"/>
+            </a:schemeClr>
+          </a:lnRef>
+          <a:fillRef idx="1">
+            <a:schemeClr val="accent1"/>
+          </a:fillRef>
+          <a:effectRef idx="0">
+            <a:schemeClr val="accent1"/>
+          </a:effectRef>
+          <a:fontRef idx="minor">
+            <a:schemeClr val="lt1"/>
+          </a:fontRef>
+        </p:style>
+        <p:txBody>
+          <a:bodyPr rtlCol="0" anchor="ctr"/>
+          <a:lstStyle/>
+          <a:p>
+            <a:pPr algn="ctr"/>
+            <a:r>
+              <a:rPr lang="en-IN" sz="2000" dirty="0" err="1"/>
+              <a:t>PatientService</a:t>
+            </a:r>
+            <a:endParaRPr lang="en-IN" sz="2000" dirty="0"/>
+          </a:p>
+        </p:txBody>
+      </p:sp>
+      <p:sp>
+        <p:nvSpPr>
+          <p:cNvPr id="8" name="Rectangle: Rounded Corners 7">
+            <a:extLst>
+              <a:ext uri="{FF2B5EF4-FFF2-40B4-BE49-F238E27FC236}">
+                <a16:creationId xmlns:a16="http://schemas.microsoft.com/office/drawing/2014/main" id="{0E66A03F-8D95-438D-8EC6-5D193C9575D3}"/>
+              </a:ext>
+            </a:extLst>
+          </p:cNvPr>
+          <p:cNvSpPr/>
+          <p:nvPr/>
+        </p:nvSpPr>
+        <p:spPr>
+          <a:xfrm>
+            <a:off x="6796087" y="5448300"/>
+            <a:ext cx="1933575" cy="900113"/>
+          </a:xfrm>
+          <a:prstGeom prst="roundRect">
+            <a:avLst/>
+          </a:prstGeom>
+        </p:spPr>
+        <p:style>
+          <a:lnRef idx="2">
+            <a:schemeClr val="accent1">
+              <a:shade val="50000"/>
+            </a:schemeClr>
+          </a:lnRef>
+          <a:fillRef idx="1">
+            <a:schemeClr val="accent1"/>
+          </a:fillRef>
+          <a:effectRef idx="0">
+            <a:schemeClr val="accent1"/>
+          </a:effectRef>
+          <a:fontRef idx="minor">
+            <a:schemeClr val="lt1"/>
+          </a:fontRef>
+        </p:style>
+        <p:txBody>
+          <a:bodyPr rtlCol="0" anchor="ctr"/>
+          <a:lstStyle/>
+          <a:p>
+            <a:pPr algn="ctr"/>
+            <a:r>
+              <a:rPr lang="en-IN" sz="2000" dirty="0" err="1"/>
+              <a:t>DiseaseService</a:t>
+            </a:r>
+            <a:endParaRPr lang="en-IN" sz="2000" dirty="0"/>
+          </a:p>
+        </p:txBody>
+      </p:sp>
+      <p:sp>
+        <p:nvSpPr>
+          <p:cNvPr id="10" name="Rectangle: Single Corner Snipped 9">
+            <a:extLst>
+              <a:ext uri="{FF2B5EF4-FFF2-40B4-BE49-F238E27FC236}">
+                <a16:creationId xmlns:a16="http://schemas.microsoft.com/office/drawing/2014/main" id="{89A37D21-8735-4EAC-9F0D-6C1787FA855F}"/>
+              </a:ext>
+            </a:extLst>
+          </p:cNvPr>
+          <p:cNvSpPr/>
+          <p:nvPr/>
+        </p:nvSpPr>
+        <p:spPr>
+          <a:xfrm>
+            <a:off x="8729662" y="1771650"/>
+            <a:ext cx="1528763" cy="285750"/>
+          </a:xfrm>
+          <a:prstGeom prst="snip1Rect">
+            <a:avLst/>
+          </a:prstGeom>
+        </p:spPr>
+        <p:style>
+          <a:lnRef idx="2">
+            <a:schemeClr val="accent4">
+              <a:shade val="50000"/>
+            </a:schemeClr>
+          </a:lnRef>
+          <a:fillRef idx="1">
+            <a:schemeClr val="accent4"/>
+          </a:fillRef>
+          <a:effectRef idx="0">
+            <a:schemeClr val="accent4"/>
+          </a:effectRef>
+          <a:fontRef idx="minor">
+            <a:schemeClr val="lt1"/>
+          </a:fontRef>
+        </p:style>
+        <p:txBody>
+          <a:bodyPr rtlCol="0" anchor="ctr"/>
+          <a:lstStyle/>
+          <a:p>
+            <a:pPr algn="ctr"/>
+            <a:r>
+              <a:rPr lang="en-IN" dirty="0"/>
+              <a:t>Eureka client</a:t>
+            </a:r>
+          </a:p>
+        </p:txBody>
+      </p:sp>
+      <p:sp>
+        <p:nvSpPr>
+          <p:cNvPr id="11" name="Rectangle: Single Corner Snipped 10">
+            <a:extLst>
+              <a:ext uri="{FF2B5EF4-FFF2-40B4-BE49-F238E27FC236}">
+                <a16:creationId xmlns:a16="http://schemas.microsoft.com/office/drawing/2014/main" id="{F8023C27-5E3C-4DAD-8DCF-EEA5928E3D7B}"/>
+              </a:ext>
+            </a:extLst>
+          </p:cNvPr>
+          <p:cNvSpPr/>
+          <p:nvPr/>
+        </p:nvSpPr>
+        <p:spPr>
+          <a:xfrm>
+            <a:off x="8796336" y="5486399"/>
+            <a:ext cx="1528763" cy="285750"/>
+          </a:xfrm>
+          <a:prstGeom prst="snip1Rect">
+            <a:avLst/>
+          </a:prstGeom>
+        </p:spPr>
+        <p:style>
+          <a:lnRef idx="2">
+            <a:schemeClr val="accent4">
+              <a:shade val="50000"/>
+            </a:schemeClr>
+          </a:lnRef>
+          <a:fillRef idx="1">
+            <a:schemeClr val="accent4"/>
+          </a:fillRef>
+          <a:effectRef idx="0">
+            <a:schemeClr val="accent4"/>
+          </a:effectRef>
+          <a:fontRef idx="minor">
+            <a:schemeClr val="lt1"/>
+          </a:fontRef>
+        </p:style>
+        <p:txBody>
+          <a:bodyPr rtlCol="0" anchor="ctr"/>
+          <a:lstStyle/>
+          <a:p>
+            <a:pPr algn="ctr"/>
+            <a:r>
+              <a:rPr lang="en-IN" dirty="0"/>
+              <a:t>Eureka client</a:t>
+            </a:r>
+          </a:p>
+        </p:txBody>
+      </p:sp>
+      <p:sp>
+        <p:nvSpPr>
+          <p:cNvPr id="12" name="Rectangle: Single Corner Snipped 11">
+            <a:extLst>
+              <a:ext uri="{FF2B5EF4-FFF2-40B4-BE49-F238E27FC236}">
+                <a16:creationId xmlns:a16="http://schemas.microsoft.com/office/drawing/2014/main" id="{9BF5407D-63C1-49AA-A755-FCF1DC2AE7E3}"/>
+              </a:ext>
+            </a:extLst>
+          </p:cNvPr>
+          <p:cNvSpPr/>
+          <p:nvPr/>
+        </p:nvSpPr>
+        <p:spPr>
+          <a:xfrm>
+            <a:off x="8796337" y="3633787"/>
+            <a:ext cx="1528763" cy="285750"/>
+          </a:xfrm>
+          <a:prstGeom prst="snip1Rect">
+            <a:avLst/>
+          </a:prstGeom>
+        </p:spPr>
+        <p:style>
+          <a:lnRef idx="2">
+            <a:schemeClr val="accent4">
+              <a:shade val="50000"/>
+            </a:schemeClr>
+          </a:lnRef>
+          <a:fillRef idx="1">
+            <a:schemeClr val="accent4"/>
+          </a:fillRef>
+          <a:effectRef idx="0">
+            <a:schemeClr val="accent4"/>
+          </a:effectRef>
+          <a:fontRef idx="minor">
+            <a:schemeClr val="lt1"/>
+          </a:fontRef>
+        </p:style>
+        <p:txBody>
+          <a:bodyPr rtlCol="0" anchor="ctr"/>
+          <a:lstStyle/>
+          <a:p>
+            <a:pPr algn="ctr"/>
+            <a:r>
+              <a:rPr lang="en-IN" dirty="0"/>
+              <a:t>Eureka client</a:t>
+            </a:r>
+          </a:p>
+        </p:txBody>
+      </p:sp>
+      <p:cxnSp>
+        <p:nvCxnSpPr>
+          <p:cNvPr id="14" name="Straight Arrow Connector 13">
+            <a:extLst>
+              <a:ext uri="{FF2B5EF4-FFF2-40B4-BE49-F238E27FC236}">
+                <a16:creationId xmlns:a16="http://schemas.microsoft.com/office/drawing/2014/main" id="{675602E0-5C28-44D3-814C-55DEEB55FDB6}"/>
+              </a:ext>
+            </a:extLst>
+          </p:cNvPr>
+          <p:cNvCxnSpPr/>
+          <p:nvPr/>
+        </p:nvCxnSpPr>
+        <p:spPr>
+          <a:xfrm flipV="1">
+            <a:off x="2438400" y="2124074"/>
+            <a:ext cx="4305300" cy="1260000"/>
+          </a:xfrm>
+          <a:prstGeom prst="straightConnector1">
+            <a:avLst/>
+          </a:prstGeom>
+          <a:ln>
+            <a:tailEnd type="triangle"/>
+          </a:ln>
+        </p:spPr>
+        <p:style>
+          <a:lnRef idx="3">
+            <a:schemeClr val="accent6"/>
+          </a:lnRef>
+          <a:fillRef idx="0">
+            <a:schemeClr val="accent6"/>
+          </a:fillRef>
+          <a:effectRef idx="2">
+            <a:schemeClr val="accent6"/>
+          </a:effectRef>
+          <a:fontRef idx="minor">
+            <a:schemeClr val="tx1"/>
+          </a:fontRef>
+        </p:style>
+      </p:cxnSp>
+      <p:cxnSp>
+        <p:nvCxnSpPr>
+          <p:cNvPr id="15" name="Straight Arrow Connector 14">
+            <a:extLst>
+              <a:ext uri="{FF2B5EF4-FFF2-40B4-BE49-F238E27FC236}">
+                <a16:creationId xmlns:a16="http://schemas.microsoft.com/office/drawing/2014/main" id="{1C786581-C63A-4D4C-810C-54426955E8E3}"/>
+              </a:ext>
+            </a:extLst>
+          </p:cNvPr>
+          <p:cNvCxnSpPr>
+            <a:cxnSpLocks/>
+          </p:cNvCxnSpPr>
+          <p:nvPr/>
+        </p:nvCxnSpPr>
+        <p:spPr>
+          <a:xfrm>
+            <a:off x="2466978" y="3811706"/>
+            <a:ext cx="4310061" cy="70406"/>
+          </a:xfrm>
+          <a:prstGeom prst="straightConnector1">
+            <a:avLst/>
+          </a:prstGeom>
+          <a:ln>
+            <a:tailEnd type="triangle"/>
+          </a:ln>
+        </p:spPr>
+        <p:style>
+          <a:lnRef idx="3">
+            <a:schemeClr val="accent6"/>
+          </a:lnRef>
+          <a:fillRef idx="0">
+            <a:schemeClr val="accent6"/>
+          </a:fillRef>
+          <a:effectRef idx="2">
+            <a:schemeClr val="accent6"/>
+          </a:effectRef>
+          <a:fontRef idx="minor">
+            <a:schemeClr val="tx1"/>
+          </a:fontRef>
+        </p:style>
+      </p:cxnSp>
+      <p:cxnSp>
+        <p:nvCxnSpPr>
+          <p:cNvPr id="17" name="Straight Arrow Connector 16">
+            <a:extLst>
+              <a:ext uri="{FF2B5EF4-FFF2-40B4-BE49-F238E27FC236}">
+                <a16:creationId xmlns:a16="http://schemas.microsoft.com/office/drawing/2014/main" id="{47BE2D8B-8C36-47D1-AD29-8A5E96AA36A6}"/>
+              </a:ext>
+            </a:extLst>
+          </p:cNvPr>
+          <p:cNvCxnSpPr>
+            <a:cxnSpLocks/>
+            <a:endCxn id="8" idx="1"/>
+          </p:cNvCxnSpPr>
+          <p:nvPr/>
+        </p:nvCxnSpPr>
+        <p:spPr>
+          <a:xfrm>
+            <a:off x="2436021" y="4117181"/>
+            <a:ext cx="4360066" cy="1781176"/>
+          </a:xfrm>
+          <a:prstGeom prst="straightConnector1">
+            <a:avLst/>
+          </a:prstGeom>
+          <a:ln>
+            <a:tailEnd type="triangle"/>
+          </a:ln>
+        </p:spPr>
+        <p:style>
+          <a:lnRef idx="3">
+            <a:schemeClr val="accent6"/>
+          </a:lnRef>
+          <a:fillRef idx="0">
+            <a:schemeClr val="accent6"/>
+          </a:fillRef>
+          <a:effectRef idx="2">
+            <a:schemeClr val="accent6"/>
+          </a:effectRef>
+          <a:fontRef idx="minor">
+            <a:schemeClr val="tx1"/>
+          </a:fontRef>
+        </p:style>
+      </p:cxnSp>
+      <p:sp>
+        <p:nvSpPr>
+          <p:cNvPr id="9" name="Rectangle 8">
+            <a:extLst>
+              <a:ext uri="{FF2B5EF4-FFF2-40B4-BE49-F238E27FC236}">
+                <a16:creationId xmlns:a16="http://schemas.microsoft.com/office/drawing/2014/main" id="{0A71D51C-FBE2-443E-8D66-CDA1D4BE64C2}"/>
+              </a:ext>
+            </a:extLst>
+          </p:cNvPr>
+          <p:cNvSpPr/>
+          <p:nvPr/>
+        </p:nvSpPr>
+        <p:spPr>
+          <a:xfrm>
+            <a:off x="3810000" y="1704975"/>
+            <a:ext cx="857250" cy="4648200"/>
+          </a:xfrm>
+          <a:prstGeom prst="rect">
+            <a:avLst/>
+          </a:prstGeom>
+        </p:spPr>
+        <p:style>
+          <a:lnRef idx="2">
+            <a:schemeClr val="accent1">
+              <a:shade val="50000"/>
+            </a:schemeClr>
+          </a:lnRef>
+          <a:fillRef idx="1">
+            <a:schemeClr val="accent1"/>
+          </a:fillRef>
+          <a:effectRef idx="0">
+            <a:schemeClr val="accent1"/>
+          </a:effectRef>
+          <a:fontRef idx="minor">
+            <a:schemeClr val="lt1"/>
+          </a:fontRef>
+        </p:style>
+        <p:txBody>
+          <a:bodyPr rtlCol="0" anchor="ctr"/>
+          <a:lstStyle/>
+          <a:p>
+            <a:pPr algn="ctr"/>
+            <a:r>
+              <a:rPr lang="en-IN" dirty="0"/>
+              <a:t>E</a:t>
+            </a:r>
+          </a:p>
+          <a:p>
+            <a:pPr algn="ctr"/>
+            <a:r>
+              <a:rPr lang="en-IN" dirty="0"/>
+              <a:t>U</a:t>
+            </a:r>
+          </a:p>
+          <a:p>
+            <a:pPr algn="ctr"/>
+            <a:r>
+              <a:rPr lang="en-IN" dirty="0"/>
+              <a:t>R</a:t>
+            </a:r>
+          </a:p>
+          <a:p>
+            <a:pPr algn="ctr"/>
+            <a:r>
+              <a:rPr lang="en-IN" dirty="0"/>
+              <a:t>E</a:t>
+            </a:r>
+          </a:p>
+          <a:p>
+            <a:pPr algn="ctr"/>
+            <a:r>
+              <a:rPr lang="en-IN" dirty="0"/>
+              <a:t>K</a:t>
+            </a:r>
+          </a:p>
+          <a:p>
+            <a:pPr algn="ctr"/>
+            <a:r>
+              <a:rPr lang="en-IN" dirty="0"/>
+              <a:t>A</a:t>
+            </a:r>
+          </a:p>
+          <a:p>
+            <a:pPr algn="ctr"/>
+            <a:endParaRPr lang="en-IN" dirty="0"/>
+          </a:p>
+          <a:p>
+            <a:pPr algn="ctr"/>
+            <a:r>
+              <a:rPr lang="en-IN" dirty="0"/>
+              <a:t>S</a:t>
+            </a:r>
+          </a:p>
+          <a:p>
+            <a:pPr algn="ctr"/>
+            <a:r>
+              <a:rPr lang="en-IN" dirty="0"/>
+              <a:t>E</a:t>
+            </a:r>
+          </a:p>
+          <a:p>
+            <a:pPr algn="ctr"/>
+            <a:r>
+              <a:rPr lang="en-IN" dirty="0"/>
+              <a:t>R</a:t>
+            </a:r>
+          </a:p>
+          <a:p>
+            <a:pPr algn="ctr"/>
+            <a:r>
+              <a:rPr lang="en-IN" dirty="0"/>
+              <a:t>V</a:t>
+            </a:r>
+          </a:p>
+          <a:p>
+            <a:pPr algn="ctr"/>
+            <a:r>
+              <a:rPr lang="en-IN" dirty="0"/>
+              <a:t>E</a:t>
+            </a:r>
+          </a:p>
+          <a:p>
+            <a:pPr algn="ctr"/>
+            <a:r>
+              <a:rPr lang="en-IN" dirty="0"/>
+              <a:t>R</a:t>
+            </a:r>
+          </a:p>
+        </p:txBody>
+      </p:sp>
     </p:spTree>
     <p:extLst>
       <p:ext uri="{BB962C8B-B14F-4D97-AF65-F5344CB8AC3E}">
-        <p14:creationId xmlns:p14="http://schemas.microsoft.com/office/powerpoint/2010/main" val="152388771"/>
+        <p14:creationId xmlns:p14="http://schemas.microsoft.com/office/powerpoint/2010/main" val="2478666548"/>
       </p:ext>
     </p:extLst>
   </p:cSld>
   <p:clrMapOvr>
     <a:masterClrMapping/>
   </p:clrMapOvr>
-  <p:timing>
-    <p:tnLst>
-      <p:par>
-        <p:cTn id="1" dur="indefinite" restart="never" nodeType="tmRoot">
-          <p:childTnLst>
-            <p:seq concurrent="1" nextAc="seek">
-              <p:cTn id="2" dur="indefinite" nodeType="mainSeq">
-                <p:childTnLst>
-                  <p:par>
-                    <p:cTn id="3" fill="hold">
-                      <p:stCondLst>
-                        <p:cond delay="indefinite"/>
-                      </p:stCondLst>
-                      <p:childTnLst>
-                        <p:par>
-                          <p:cTn id="4" fill="hold">
-                            <p:stCondLst>
-                              <p:cond delay="0"/>
-                            </p:stCondLst>
-                            <p:childTnLst>
-                              <p:par>
-                                <p:cTn id="5" presetID="42" presetClass="entr" presetSubtype="0" fill="hold" grpId="0" nodeType="clickEffect">
-                                  <p:stCondLst>
-                                    <p:cond delay="0"/>
-                                  </p:stCondLst>
-                                  <p:childTnLst>
-                                    <p:set>
-                                      <p:cBhvr>
-                                        <p:cTn id="6" dur="1" fill="hold">
-                                          <p:stCondLst>
-                                            <p:cond delay="0"/>
-                                          </p:stCondLst>
-                                        </p:cTn>
-                                        <p:tgtEl>
-                                          <p:spTgt spid="3">
-                                            <p:bg/>
-                                          </p:spTgt>
-                                        </p:tgtEl>
-                                        <p:attrNameLst>
-                                          <p:attrName>style.visibility</p:attrName>
-                                        </p:attrNameLst>
-                                      </p:cBhvr>
-                                      <p:to>
-                                        <p:strVal val="visible"/>
-                                      </p:to>
-                                    </p:set>
-                                    <p:animEffect transition="in" filter="fade">
-                                      <p:cBhvr>
-                                        <p:cTn id="7" dur="1000"/>
-                                        <p:tgtEl>
-                                          <p:spTgt spid="3">
-                                            <p:bg/>
-                                          </p:spTgt>
-                                        </p:tgtEl>
-                                      </p:cBhvr>
-                                    </p:animEffect>
-                                    <p:anim calcmode="lin" valueType="num">
-                                      <p:cBhvr>
-                                        <p:cTn id="8" dur="1000" fill="hold"/>
-                                        <p:tgtEl>
-                                          <p:spTgt spid="3">
-                                            <p:bg/>
-                                          </p:spTgt>
-                                        </p:tgtEl>
-                                        <p:attrNameLst>
-                                          <p:attrName>ppt_x</p:attrName>
-                                        </p:attrNameLst>
-                                      </p:cBhvr>
-                                      <p:tavLst>
-                                        <p:tav tm="0">
-                                          <p:val>
-                                            <p:strVal val="#ppt_x"/>
-                                          </p:val>
-                                        </p:tav>
-                                        <p:tav tm="100000">
-                                          <p:val>
-                                            <p:strVal val="#ppt_x"/>
-                                          </p:val>
-                                        </p:tav>
-                                      </p:tavLst>
-                                    </p:anim>
-                                    <p:anim calcmode="lin" valueType="num">
-                                      <p:cBhvr>
-                                        <p:cTn id="9" dur="1000" fill="hold"/>
-                                        <p:tgtEl>
-                                          <p:spTgt spid="3">
-                                            <p:bg/>
-                                          </p:spTgt>
-                                        </p:tgtEl>
-                                        <p:attrNameLst>
-                                          <p:attrName>ppt_y</p:attrName>
-                                        </p:attrNameLst>
-                                      </p:cBhvr>
-                                      <p:tavLst>
-                                        <p:tav tm="0">
-                                          <p:val>
-                                            <p:strVal val="#ppt_y+.1"/>
-                                          </p:val>
-                                        </p:tav>
-                                        <p:tav tm="100000">
-                                          <p:val>
-                                            <p:strVal val="#ppt_y"/>
-                                          </p:val>
-                                        </p:tav>
-                                      </p:tavLst>
-                                    </p:anim>
-                                  </p:childTnLst>
-                                </p:cTn>
-                              </p:par>
-                            </p:childTnLst>
-                          </p:cTn>
-                        </p:par>
-                      </p:childTnLst>
-                    </p:cTn>
-                  </p:par>
-                  <p:par>
-                    <p:cTn id="10" fill="hold">
-                      <p:stCondLst>
-                        <p:cond delay="indefinite"/>
-                      </p:stCondLst>
-                      <p:childTnLst>
-                        <p:par>
-                          <p:cTn id="11" fill="hold">
-                            <p:stCondLst>
-                              <p:cond delay="0"/>
-                            </p:stCondLst>
-                            <p:childTnLst>
-                              <p:par>
-                                <p:cTn id="12" presetID="42" presetClass="entr" presetSubtype="0" fill="hold" grpId="0" nodeType="clickEffect" nodePh="1">
-                                  <p:stCondLst>
-                                    <p:cond delay="0"/>
-                                  </p:stCondLst>
-                                  <p:endCondLst>
-                                    <p:cond evt="begin" delay="0">
-                                      <p:tn val="12"/>
-                                    </p:cond>
-                                  </p:endCondLst>
-                                  <p:childTnLst>
-                                    <p:set>
-                                      <p:cBhvr>
-                                        <p:cTn id="13" dur="1" fill="hold">
-                                          <p:stCondLst>
-                                            <p:cond delay="0"/>
-                                          </p:stCondLst>
-                                        </p:cTn>
-                                        <p:tgtEl>
-                                          <p:spTgt spid="3">
-                                            <p:txEl>
-                                              <p:pRg st="0" end="0"/>
-                                            </p:txEl>
-                                          </p:spTgt>
-                                        </p:tgtEl>
-                                        <p:attrNameLst>
-                                          <p:attrName>style.visibility</p:attrName>
-                                        </p:attrNameLst>
-                                      </p:cBhvr>
-                                      <p:to>
-                                        <p:strVal val="visible"/>
-                                      </p:to>
-                                    </p:set>
-                                    <p:animEffect transition="in" filter="fade">
-                                      <p:cBhvr>
-                                        <p:cTn id="14" dur="1000"/>
-                                        <p:tgtEl>
-                                          <p:spTgt spid="3">
-                                            <p:txEl>
-                                              <p:pRg st="0" end="0"/>
-                                            </p:txEl>
-                                          </p:spTgt>
-                                        </p:tgtEl>
-                                      </p:cBhvr>
-                                    </p:animEffect>
-                                    <p:anim calcmode="lin" valueType="num">
-                                      <p:cBhvr>
-                                        <p:cTn id="15" dur="1000" fill="hold"/>
-                                        <p:tgtEl>
-                                          <p:spTgt spid="3">
-                                            <p:txEl>
-                                              <p:pRg st="0" end="0"/>
-                                            </p:txEl>
-                                          </p:spTgt>
-                                        </p:tgtEl>
-                                        <p:attrNameLst>
-                                          <p:attrName>ppt_x</p:attrName>
-                                        </p:attrNameLst>
-                                      </p:cBhvr>
-                                      <p:tavLst>
-                                        <p:tav tm="0">
-                                          <p:val>
-                                            <p:strVal val="#ppt_x"/>
-                                          </p:val>
-                                        </p:tav>
-                                        <p:tav tm="100000">
-                                          <p:val>
-                                            <p:strVal val="#ppt_x"/>
-                                          </p:val>
-                                        </p:tav>
-                                      </p:tavLst>
-                                    </p:anim>
-                                    <p:anim calcmode="lin" valueType="num">
-                                      <p:cBhvr>
-                                        <p:cTn id="16" dur="1000" fill="hold"/>
-                                        <p:tgtEl>
-                                          <p:spTgt spid="3">
-                                            <p:txEl>
-                                              <p:pRg st="0" end="0"/>
-                                            </p:txEl>
-                                          </p:spTgt>
-                                        </p:tgtEl>
-                                        <p:attrNameLst>
-                                          <p:attrName>ppt_y</p:attrName>
-                                        </p:attrNameLst>
-                                      </p:cBhvr>
-                                      <p:tavLst>
-                                        <p:tav tm="0">
-                                          <p:val>
-                                            <p:strVal val="#ppt_y+.1"/>
-                                          </p:val>
-                                        </p:tav>
-                                        <p:tav tm="100000">
-                                          <p:val>
-                                            <p:strVal val="#ppt_y"/>
-                                          </p:val>
-                                        </p:tav>
-                                      </p:tavLst>
-                                    </p:anim>
-                                  </p:childTnLst>
-                                </p:cTn>
-                              </p:par>
-                            </p:childTnLst>
-                          </p:cTn>
-                        </p:par>
-                      </p:childTnLst>
-                    </p:cTn>
-                  </p:par>
-                </p:childTnLst>
-              </p:cTn>
-              <p:prevCondLst>
-                <p:cond evt="onPrev" delay="0">
-                  <p:tgtEl>
-                    <p:sldTgt/>
-                  </p:tgtEl>
-                </p:cond>
-              </p:prevCondLst>
-              <p:nextCondLst>
-                <p:cond evt="onNext" delay="0">
-                  <p:tgtEl>
-                    <p:sldTgt/>
-                  </p:tgtEl>
-                </p:cond>
-              </p:nextCondLst>
-            </p:seq>
-          </p:childTnLst>
-        </p:cTn>
-      </p:par>
-    </p:tnLst>
-    <p:bldLst>
-      <p:bldP spid="3" grpId="0" build="p" animBg="1"/>
-    </p:bldLst>
-  </p:timing>
 </p:sld>
 </file>
 
@@ -9444,7 +10311,7 @@
     </p:spTree>
     <p:extLst>
       <p:ext uri="{BB962C8B-B14F-4D97-AF65-F5344CB8AC3E}">
-        <p14:creationId xmlns:p14="http://schemas.microsoft.com/office/powerpoint/2010/main" val="2025965285"/>
+        <p14:creationId xmlns:p14="http://schemas.microsoft.com/office/powerpoint/2010/main" val="1891477673"/>
       </p:ext>
     </p:extLst>
   </p:cSld>
@@ -9858,7 +10725,7 @@
     </p:spTree>
     <p:extLst>
       <p:ext uri="{BB962C8B-B14F-4D97-AF65-F5344CB8AC3E}">
-        <p14:creationId xmlns:p14="http://schemas.microsoft.com/office/powerpoint/2010/main" val="2384858292"/>
+        <p14:creationId xmlns:p14="http://schemas.microsoft.com/office/powerpoint/2010/main" val="2294838371"/>
       </p:ext>
     </p:extLst>
   </p:cSld>
@@ -10272,6 +11139,1248 @@
     </p:spTree>
     <p:extLst>
       <p:ext uri="{BB962C8B-B14F-4D97-AF65-F5344CB8AC3E}">
+        <p14:creationId xmlns:p14="http://schemas.microsoft.com/office/powerpoint/2010/main" val="152388771"/>
+      </p:ext>
+    </p:extLst>
+  </p:cSld>
+  <p:clrMapOvr>
+    <a:masterClrMapping/>
+  </p:clrMapOvr>
+  <p:timing>
+    <p:tnLst>
+      <p:par>
+        <p:cTn id="1" dur="indefinite" restart="never" nodeType="tmRoot">
+          <p:childTnLst>
+            <p:seq concurrent="1" nextAc="seek">
+              <p:cTn id="2" dur="indefinite" nodeType="mainSeq">
+                <p:childTnLst>
+                  <p:par>
+                    <p:cTn id="3" fill="hold">
+                      <p:stCondLst>
+                        <p:cond delay="indefinite"/>
+                      </p:stCondLst>
+                      <p:childTnLst>
+                        <p:par>
+                          <p:cTn id="4" fill="hold">
+                            <p:stCondLst>
+                              <p:cond delay="0"/>
+                            </p:stCondLst>
+                            <p:childTnLst>
+                              <p:par>
+                                <p:cTn id="5" presetID="42" presetClass="entr" presetSubtype="0" fill="hold" grpId="0" nodeType="clickEffect">
+                                  <p:stCondLst>
+                                    <p:cond delay="0"/>
+                                  </p:stCondLst>
+                                  <p:childTnLst>
+                                    <p:set>
+                                      <p:cBhvr>
+                                        <p:cTn id="6" dur="1" fill="hold">
+                                          <p:stCondLst>
+                                            <p:cond delay="0"/>
+                                          </p:stCondLst>
+                                        </p:cTn>
+                                        <p:tgtEl>
+                                          <p:spTgt spid="3">
+                                            <p:bg/>
+                                          </p:spTgt>
+                                        </p:tgtEl>
+                                        <p:attrNameLst>
+                                          <p:attrName>style.visibility</p:attrName>
+                                        </p:attrNameLst>
+                                      </p:cBhvr>
+                                      <p:to>
+                                        <p:strVal val="visible"/>
+                                      </p:to>
+                                    </p:set>
+                                    <p:animEffect transition="in" filter="fade">
+                                      <p:cBhvr>
+                                        <p:cTn id="7" dur="1000"/>
+                                        <p:tgtEl>
+                                          <p:spTgt spid="3">
+                                            <p:bg/>
+                                          </p:spTgt>
+                                        </p:tgtEl>
+                                      </p:cBhvr>
+                                    </p:animEffect>
+                                    <p:anim calcmode="lin" valueType="num">
+                                      <p:cBhvr>
+                                        <p:cTn id="8" dur="1000" fill="hold"/>
+                                        <p:tgtEl>
+                                          <p:spTgt spid="3">
+                                            <p:bg/>
+                                          </p:spTgt>
+                                        </p:tgtEl>
+                                        <p:attrNameLst>
+                                          <p:attrName>ppt_x</p:attrName>
+                                        </p:attrNameLst>
+                                      </p:cBhvr>
+                                      <p:tavLst>
+                                        <p:tav tm="0">
+                                          <p:val>
+                                            <p:strVal val="#ppt_x"/>
+                                          </p:val>
+                                        </p:tav>
+                                        <p:tav tm="100000">
+                                          <p:val>
+                                            <p:strVal val="#ppt_x"/>
+                                          </p:val>
+                                        </p:tav>
+                                      </p:tavLst>
+                                    </p:anim>
+                                    <p:anim calcmode="lin" valueType="num">
+                                      <p:cBhvr>
+                                        <p:cTn id="9" dur="1000" fill="hold"/>
+                                        <p:tgtEl>
+                                          <p:spTgt spid="3">
+                                            <p:bg/>
+                                          </p:spTgt>
+                                        </p:tgtEl>
+                                        <p:attrNameLst>
+                                          <p:attrName>ppt_y</p:attrName>
+                                        </p:attrNameLst>
+                                      </p:cBhvr>
+                                      <p:tavLst>
+                                        <p:tav tm="0">
+                                          <p:val>
+                                            <p:strVal val="#ppt_y+.1"/>
+                                          </p:val>
+                                        </p:tav>
+                                        <p:tav tm="100000">
+                                          <p:val>
+                                            <p:strVal val="#ppt_y"/>
+                                          </p:val>
+                                        </p:tav>
+                                      </p:tavLst>
+                                    </p:anim>
+                                  </p:childTnLst>
+                                </p:cTn>
+                              </p:par>
+                            </p:childTnLst>
+                          </p:cTn>
+                        </p:par>
+                      </p:childTnLst>
+                    </p:cTn>
+                  </p:par>
+                  <p:par>
+                    <p:cTn id="10" fill="hold">
+                      <p:stCondLst>
+                        <p:cond delay="indefinite"/>
+                      </p:stCondLst>
+                      <p:childTnLst>
+                        <p:par>
+                          <p:cTn id="11" fill="hold">
+                            <p:stCondLst>
+                              <p:cond delay="0"/>
+                            </p:stCondLst>
+                            <p:childTnLst>
+                              <p:par>
+                                <p:cTn id="12" presetID="42" presetClass="entr" presetSubtype="0" fill="hold" grpId="0" nodeType="clickEffect" nodePh="1">
+                                  <p:stCondLst>
+                                    <p:cond delay="0"/>
+                                  </p:stCondLst>
+                                  <p:endCondLst>
+                                    <p:cond evt="begin" delay="0">
+                                      <p:tn val="12"/>
+                                    </p:cond>
+                                  </p:endCondLst>
+                                  <p:childTnLst>
+                                    <p:set>
+                                      <p:cBhvr>
+                                        <p:cTn id="13" dur="1" fill="hold">
+                                          <p:stCondLst>
+                                            <p:cond delay="0"/>
+                                          </p:stCondLst>
+                                        </p:cTn>
+                                        <p:tgtEl>
+                                          <p:spTgt spid="3">
+                                            <p:txEl>
+                                              <p:pRg st="0" end="0"/>
+                                            </p:txEl>
+                                          </p:spTgt>
+                                        </p:tgtEl>
+                                        <p:attrNameLst>
+                                          <p:attrName>style.visibility</p:attrName>
+                                        </p:attrNameLst>
+                                      </p:cBhvr>
+                                      <p:to>
+                                        <p:strVal val="visible"/>
+                                      </p:to>
+                                    </p:set>
+                                    <p:animEffect transition="in" filter="fade">
+                                      <p:cBhvr>
+                                        <p:cTn id="14" dur="1000"/>
+                                        <p:tgtEl>
+                                          <p:spTgt spid="3">
+                                            <p:txEl>
+                                              <p:pRg st="0" end="0"/>
+                                            </p:txEl>
+                                          </p:spTgt>
+                                        </p:tgtEl>
+                                      </p:cBhvr>
+                                    </p:animEffect>
+                                    <p:anim calcmode="lin" valueType="num">
+                                      <p:cBhvr>
+                                        <p:cTn id="15" dur="1000" fill="hold"/>
+                                        <p:tgtEl>
+                                          <p:spTgt spid="3">
+                                            <p:txEl>
+                                              <p:pRg st="0" end="0"/>
+                                            </p:txEl>
+                                          </p:spTgt>
+                                        </p:tgtEl>
+                                        <p:attrNameLst>
+                                          <p:attrName>ppt_x</p:attrName>
+                                        </p:attrNameLst>
+                                      </p:cBhvr>
+                                      <p:tavLst>
+                                        <p:tav tm="0">
+                                          <p:val>
+                                            <p:strVal val="#ppt_x"/>
+                                          </p:val>
+                                        </p:tav>
+                                        <p:tav tm="100000">
+                                          <p:val>
+                                            <p:strVal val="#ppt_x"/>
+                                          </p:val>
+                                        </p:tav>
+                                      </p:tavLst>
+                                    </p:anim>
+                                    <p:anim calcmode="lin" valueType="num">
+                                      <p:cBhvr>
+                                        <p:cTn id="16" dur="1000" fill="hold"/>
+                                        <p:tgtEl>
+                                          <p:spTgt spid="3">
+                                            <p:txEl>
+                                              <p:pRg st="0" end="0"/>
+                                            </p:txEl>
+                                          </p:spTgt>
+                                        </p:tgtEl>
+                                        <p:attrNameLst>
+                                          <p:attrName>ppt_y</p:attrName>
+                                        </p:attrNameLst>
+                                      </p:cBhvr>
+                                      <p:tavLst>
+                                        <p:tav tm="0">
+                                          <p:val>
+                                            <p:strVal val="#ppt_y+.1"/>
+                                          </p:val>
+                                        </p:tav>
+                                        <p:tav tm="100000">
+                                          <p:val>
+                                            <p:strVal val="#ppt_y"/>
+                                          </p:val>
+                                        </p:tav>
+                                      </p:tavLst>
+                                    </p:anim>
+                                  </p:childTnLst>
+                                </p:cTn>
+                              </p:par>
+                            </p:childTnLst>
+                          </p:cTn>
+                        </p:par>
+                      </p:childTnLst>
+                    </p:cTn>
+                  </p:par>
+                </p:childTnLst>
+              </p:cTn>
+              <p:prevCondLst>
+                <p:cond evt="onPrev" delay="0">
+                  <p:tgtEl>
+                    <p:sldTgt/>
+                  </p:tgtEl>
+                </p:cond>
+              </p:prevCondLst>
+              <p:nextCondLst>
+                <p:cond evt="onNext" delay="0">
+                  <p:tgtEl>
+                    <p:sldTgt/>
+                  </p:tgtEl>
+                </p:cond>
+              </p:nextCondLst>
+            </p:seq>
+          </p:childTnLst>
+        </p:cTn>
+      </p:par>
+    </p:tnLst>
+    <p:bldLst>
+      <p:bldP spid="3" grpId="0" build="p" animBg="1"/>
+    </p:bldLst>
+  </p:timing>
+</p:sld>
+</file>
+
+<file path=ppt/slides/slide16.xml><?xml version="1.0" encoding="utf-8"?>
+<p:sld xmlns:a="http://schemas.openxmlformats.org/drawingml/2006/main" xmlns:r="http://schemas.openxmlformats.org/officeDocument/2006/relationships" xmlns:p="http://schemas.openxmlformats.org/presentationml/2006/main">
+  <p:cSld>
+    <p:spTree>
+      <p:nvGrpSpPr>
+        <p:cNvPr id="1" name=""/>
+        <p:cNvGrpSpPr/>
+        <p:nvPr/>
+      </p:nvGrpSpPr>
+      <p:grpSpPr>
+        <a:xfrm>
+          <a:off x="0" y="0"/>
+          <a:ext cx="0" cy="0"/>
+          <a:chOff x="0" y="0"/>
+          <a:chExt cx="0" cy="0"/>
+        </a:xfrm>
+      </p:grpSpPr>
+      <p:sp>
+        <p:nvSpPr>
+          <p:cNvPr id="2" name="Title 1">
+            <a:extLst>
+              <a:ext uri="{FF2B5EF4-FFF2-40B4-BE49-F238E27FC236}">
+                <a16:creationId xmlns:a16="http://schemas.microsoft.com/office/drawing/2014/main" id="{CC467DF9-5121-449E-BE9E-D21B2DCC5F9D}"/>
+              </a:ext>
+            </a:extLst>
+          </p:cNvPr>
+          <p:cNvSpPr>
+            <a:spLocks noGrp="1"/>
+          </p:cNvSpPr>
+          <p:nvPr>
+            <p:ph type="title"/>
+          </p:nvPr>
+        </p:nvSpPr>
+        <p:spPr>
+          <a:xfrm>
+            <a:off x="19750" y="702156"/>
+            <a:ext cx="12152499" cy="1002819"/>
+          </a:xfrm>
+          <a:solidFill>
+            <a:schemeClr val="accent2">
+              <a:lumMod val="20000"/>
+              <a:lumOff val="80000"/>
+            </a:schemeClr>
+          </a:solidFill>
+        </p:spPr>
+        <p:txBody>
+          <a:bodyPr/>
+          <a:lstStyle/>
+          <a:p>
+            <a:r>
+              <a:rPr lang="en-IN" dirty="0"/>
+              <a:t>Introduction to service registry &amp; discovery</a:t>
+            </a:r>
+          </a:p>
+        </p:txBody>
+      </p:sp>
+      <p:sp>
+        <p:nvSpPr>
+          <p:cNvPr id="3" name="Content Placeholder 2">
+            <a:extLst>
+              <a:ext uri="{FF2B5EF4-FFF2-40B4-BE49-F238E27FC236}">
+                <a16:creationId xmlns:a16="http://schemas.microsoft.com/office/drawing/2014/main" id="{F37DD19B-0598-4B4D-BF8A-02BE9B5CF78E}"/>
+              </a:ext>
+            </a:extLst>
+          </p:cNvPr>
+          <p:cNvSpPr>
+            <a:spLocks noGrp="1"/>
+          </p:cNvSpPr>
+          <p:nvPr>
+            <p:ph idx="1"/>
+          </p:nvPr>
+        </p:nvSpPr>
+        <p:spPr>
+          <a:xfrm>
+            <a:off x="19750" y="2133600"/>
+            <a:ext cx="12152500" cy="4610100"/>
+          </a:xfrm>
+          <a:solidFill>
+            <a:schemeClr val="accent5">
+              <a:lumMod val="20000"/>
+              <a:lumOff val="80000"/>
+            </a:schemeClr>
+          </a:solidFill>
+        </p:spPr>
+        <p:txBody>
+          <a:bodyPr/>
+          <a:lstStyle/>
+          <a:p>
+            <a:endParaRPr lang="en-IN" b="1" dirty="0"/>
+          </a:p>
+        </p:txBody>
+      </p:sp>
+      <p:sp>
+        <p:nvSpPr>
+          <p:cNvPr id="4" name="Rectangle 3">
+            <a:extLst>
+              <a:ext uri="{FF2B5EF4-FFF2-40B4-BE49-F238E27FC236}">
+                <a16:creationId xmlns:a16="http://schemas.microsoft.com/office/drawing/2014/main" id="{CEB1AFED-B356-4EB9-B3F2-40D431051EDF}"/>
+              </a:ext>
+            </a:extLst>
+          </p:cNvPr>
+          <p:cNvSpPr/>
+          <p:nvPr/>
+        </p:nvSpPr>
+        <p:spPr>
+          <a:xfrm>
+            <a:off x="0" y="6419850"/>
+            <a:ext cx="12191999" cy="457200"/>
+          </a:xfrm>
+          <a:prstGeom prst="rect">
+            <a:avLst/>
+          </a:prstGeom>
+          <a:solidFill>
+            <a:srgbClr val="4D4D4D"/>
+          </a:solidFill>
+        </p:spPr>
+        <p:style>
+          <a:lnRef idx="2">
+            <a:schemeClr val="dk1">
+              <a:shade val="50000"/>
+            </a:schemeClr>
+          </a:lnRef>
+          <a:fillRef idx="1">
+            <a:schemeClr val="dk1"/>
+          </a:fillRef>
+          <a:effectRef idx="0">
+            <a:schemeClr val="dk1"/>
+          </a:effectRef>
+          <a:fontRef idx="minor">
+            <a:schemeClr val="lt1"/>
+          </a:fontRef>
+        </p:style>
+        <p:txBody>
+          <a:bodyPr rtlCol="0" anchor="ctr"/>
+          <a:lstStyle/>
+          <a:p>
+            <a:pPr algn="ctr"/>
+            <a:endParaRPr lang="en-IN"/>
+          </a:p>
+        </p:txBody>
+      </p:sp>
+    </p:spTree>
+    <p:extLst>
+      <p:ext uri="{BB962C8B-B14F-4D97-AF65-F5344CB8AC3E}">
+        <p14:creationId xmlns:p14="http://schemas.microsoft.com/office/powerpoint/2010/main" val="2025965285"/>
+      </p:ext>
+    </p:extLst>
+  </p:cSld>
+  <p:clrMapOvr>
+    <a:masterClrMapping/>
+  </p:clrMapOvr>
+  <p:timing>
+    <p:tnLst>
+      <p:par>
+        <p:cTn id="1" dur="indefinite" restart="never" nodeType="tmRoot">
+          <p:childTnLst>
+            <p:seq concurrent="1" nextAc="seek">
+              <p:cTn id="2" dur="indefinite" nodeType="mainSeq">
+                <p:childTnLst>
+                  <p:par>
+                    <p:cTn id="3" fill="hold">
+                      <p:stCondLst>
+                        <p:cond delay="indefinite"/>
+                      </p:stCondLst>
+                      <p:childTnLst>
+                        <p:par>
+                          <p:cTn id="4" fill="hold">
+                            <p:stCondLst>
+                              <p:cond delay="0"/>
+                            </p:stCondLst>
+                            <p:childTnLst>
+                              <p:par>
+                                <p:cTn id="5" presetID="42" presetClass="entr" presetSubtype="0" fill="hold" grpId="0" nodeType="clickEffect">
+                                  <p:stCondLst>
+                                    <p:cond delay="0"/>
+                                  </p:stCondLst>
+                                  <p:childTnLst>
+                                    <p:set>
+                                      <p:cBhvr>
+                                        <p:cTn id="6" dur="1" fill="hold">
+                                          <p:stCondLst>
+                                            <p:cond delay="0"/>
+                                          </p:stCondLst>
+                                        </p:cTn>
+                                        <p:tgtEl>
+                                          <p:spTgt spid="3">
+                                            <p:bg/>
+                                          </p:spTgt>
+                                        </p:tgtEl>
+                                        <p:attrNameLst>
+                                          <p:attrName>style.visibility</p:attrName>
+                                        </p:attrNameLst>
+                                      </p:cBhvr>
+                                      <p:to>
+                                        <p:strVal val="visible"/>
+                                      </p:to>
+                                    </p:set>
+                                    <p:animEffect transition="in" filter="fade">
+                                      <p:cBhvr>
+                                        <p:cTn id="7" dur="1000"/>
+                                        <p:tgtEl>
+                                          <p:spTgt spid="3">
+                                            <p:bg/>
+                                          </p:spTgt>
+                                        </p:tgtEl>
+                                      </p:cBhvr>
+                                    </p:animEffect>
+                                    <p:anim calcmode="lin" valueType="num">
+                                      <p:cBhvr>
+                                        <p:cTn id="8" dur="1000" fill="hold"/>
+                                        <p:tgtEl>
+                                          <p:spTgt spid="3">
+                                            <p:bg/>
+                                          </p:spTgt>
+                                        </p:tgtEl>
+                                        <p:attrNameLst>
+                                          <p:attrName>ppt_x</p:attrName>
+                                        </p:attrNameLst>
+                                      </p:cBhvr>
+                                      <p:tavLst>
+                                        <p:tav tm="0">
+                                          <p:val>
+                                            <p:strVal val="#ppt_x"/>
+                                          </p:val>
+                                        </p:tav>
+                                        <p:tav tm="100000">
+                                          <p:val>
+                                            <p:strVal val="#ppt_x"/>
+                                          </p:val>
+                                        </p:tav>
+                                      </p:tavLst>
+                                    </p:anim>
+                                    <p:anim calcmode="lin" valueType="num">
+                                      <p:cBhvr>
+                                        <p:cTn id="9" dur="1000" fill="hold"/>
+                                        <p:tgtEl>
+                                          <p:spTgt spid="3">
+                                            <p:bg/>
+                                          </p:spTgt>
+                                        </p:tgtEl>
+                                        <p:attrNameLst>
+                                          <p:attrName>ppt_y</p:attrName>
+                                        </p:attrNameLst>
+                                      </p:cBhvr>
+                                      <p:tavLst>
+                                        <p:tav tm="0">
+                                          <p:val>
+                                            <p:strVal val="#ppt_y+.1"/>
+                                          </p:val>
+                                        </p:tav>
+                                        <p:tav tm="100000">
+                                          <p:val>
+                                            <p:strVal val="#ppt_y"/>
+                                          </p:val>
+                                        </p:tav>
+                                      </p:tavLst>
+                                    </p:anim>
+                                  </p:childTnLst>
+                                </p:cTn>
+                              </p:par>
+                            </p:childTnLst>
+                          </p:cTn>
+                        </p:par>
+                      </p:childTnLst>
+                    </p:cTn>
+                  </p:par>
+                  <p:par>
+                    <p:cTn id="10" fill="hold">
+                      <p:stCondLst>
+                        <p:cond delay="indefinite"/>
+                      </p:stCondLst>
+                      <p:childTnLst>
+                        <p:par>
+                          <p:cTn id="11" fill="hold">
+                            <p:stCondLst>
+                              <p:cond delay="0"/>
+                            </p:stCondLst>
+                            <p:childTnLst>
+                              <p:par>
+                                <p:cTn id="12" presetID="42" presetClass="entr" presetSubtype="0" fill="hold" grpId="0" nodeType="clickEffect" nodePh="1">
+                                  <p:stCondLst>
+                                    <p:cond delay="0"/>
+                                  </p:stCondLst>
+                                  <p:endCondLst>
+                                    <p:cond evt="begin" delay="0">
+                                      <p:tn val="12"/>
+                                    </p:cond>
+                                  </p:endCondLst>
+                                  <p:childTnLst>
+                                    <p:set>
+                                      <p:cBhvr>
+                                        <p:cTn id="13" dur="1" fill="hold">
+                                          <p:stCondLst>
+                                            <p:cond delay="0"/>
+                                          </p:stCondLst>
+                                        </p:cTn>
+                                        <p:tgtEl>
+                                          <p:spTgt spid="3">
+                                            <p:txEl>
+                                              <p:pRg st="0" end="0"/>
+                                            </p:txEl>
+                                          </p:spTgt>
+                                        </p:tgtEl>
+                                        <p:attrNameLst>
+                                          <p:attrName>style.visibility</p:attrName>
+                                        </p:attrNameLst>
+                                      </p:cBhvr>
+                                      <p:to>
+                                        <p:strVal val="visible"/>
+                                      </p:to>
+                                    </p:set>
+                                    <p:animEffect transition="in" filter="fade">
+                                      <p:cBhvr>
+                                        <p:cTn id="14" dur="1000"/>
+                                        <p:tgtEl>
+                                          <p:spTgt spid="3">
+                                            <p:txEl>
+                                              <p:pRg st="0" end="0"/>
+                                            </p:txEl>
+                                          </p:spTgt>
+                                        </p:tgtEl>
+                                      </p:cBhvr>
+                                    </p:animEffect>
+                                    <p:anim calcmode="lin" valueType="num">
+                                      <p:cBhvr>
+                                        <p:cTn id="15" dur="1000" fill="hold"/>
+                                        <p:tgtEl>
+                                          <p:spTgt spid="3">
+                                            <p:txEl>
+                                              <p:pRg st="0" end="0"/>
+                                            </p:txEl>
+                                          </p:spTgt>
+                                        </p:tgtEl>
+                                        <p:attrNameLst>
+                                          <p:attrName>ppt_x</p:attrName>
+                                        </p:attrNameLst>
+                                      </p:cBhvr>
+                                      <p:tavLst>
+                                        <p:tav tm="0">
+                                          <p:val>
+                                            <p:strVal val="#ppt_x"/>
+                                          </p:val>
+                                        </p:tav>
+                                        <p:tav tm="100000">
+                                          <p:val>
+                                            <p:strVal val="#ppt_x"/>
+                                          </p:val>
+                                        </p:tav>
+                                      </p:tavLst>
+                                    </p:anim>
+                                    <p:anim calcmode="lin" valueType="num">
+                                      <p:cBhvr>
+                                        <p:cTn id="16" dur="1000" fill="hold"/>
+                                        <p:tgtEl>
+                                          <p:spTgt spid="3">
+                                            <p:txEl>
+                                              <p:pRg st="0" end="0"/>
+                                            </p:txEl>
+                                          </p:spTgt>
+                                        </p:tgtEl>
+                                        <p:attrNameLst>
+                                          <p:attrName>ppt_y</p:attrName>
+                                        </p:attrNameLst>
+                                      </p:cBhvr>
+                                      <p:tavLst>
+                                        <p:tav tm="0">
+                                          <p:val>
+                                            <p:strVal val="#ppt_y+.1"/>
+                                          </p:val>
+                                        </p:tav>
+                                        <p:tav tm="100000">
+                                          <p:val>
+                                            <p:strVal val="#ppt_y"/>
+                                          </p:val>
+                                        </p:tav>
+                                      </p:tavLst>
+                                    </p:anim>
+                                  </p:childTnLst>
+                                </p:cTn>
+                              </p:par>
+                            </p:childTnLst>
+                          </p:cTn>
+                        </p:par>
+                      </p:childTnLst>
+                    </p:cTn>
+                  </p:par>
+                </p:childTnLst>
+              </p:cTn>
+              <p:prevCondLst>
+                <p:cond evt="onPrev" delay="0">
+                  <p:tgtEl>
+                    <p:sldTgt/>
+                  </p:tgtEl>
+                </p:cond>
+              </p:prevCondLst>
+              <p:nextCondLst>
+                <p:cond evt="onNext" delay="0">
+                  <p:tgtEl>
+                    <p:sldTgt/>
+                  </p:tgtEl>
+                </p:cond>
+              </p:nextCondLst>
+            </p:seq>
+          </p:childTnLst>
+        </p:cTn>
+      </p:par>
+    </p:tnLst>
+    <p:bldLst>
+      <p:bldP spid="3" grpId="0" build="p" animBg="1"/>
+    </p:bldLst>
+  </p:timing>
+</p:sld>
+</file>
+
+<file path=ppt/slides/slide17.xml><?xml version="1.0" encoding="utf-8"?>
+<p:sld xmlns:a="http://schemas.openxmlformats.org/drawingml/2006/main" xmlns:r="http://schemas.openxmlformats.org/officeDocument/2006/relationships" xmlns:p="http://schemas.openxmlformats.org/presentationml/2006/main">
+  <p:cSld>
+    <p:spTree>
+      <p:nvGrpSpPr>
+        <p:cNvPr id="1" name=""/>
+        <p:cNvGrpSpPr/>
+        <p:nvPr/>
+      </p:nvGrpSpPr>
+      <p:grpSpPr>
+        <a:xfrm>
+          <a:off x="0" y="0"/>
+          <a:ext cx="0" cy="0"/>
+          <a:chOff x="0" y="0"/>
+          <a:chExt cx="0" cy="0"/>
+        </a:xfrm>
+      </p:grpSpPr>
+      <p:sp>
+        <p:nvSpPr>
+          <p:cNvPr id="2" name="Title 1">
+            <a:extLst>
+              <a:ext uri="{FF2B5EF4-FFF2-40B4-BE49-F238E27FC236}">
+                <a16:creationId xmlns:a16="http://schemas.microsoft.com/office/drawing/2014/main" id="{CC467DF9-5121-449E-BE9E-D21B2DCC5F9D}"/>
+              </a:ext>
+            </a:extLst>
+          </p:cNvPr>
+          <p:cNvSpPr>
+            <a:spLocks noGrp="1"/>
+          </p:cNvSpPr>
+          <p:nvPr>
+            <p:ph type="title"/>
+          </p:nvPr>
+        </p:nvSpPr>
+        <p:spPr>
+          <a:xfrm>
+            <a:off x="19750" y="702156"/>
+            <a:ext cx="12152499" cy="1002819"/>
+          </a:xfrm>
+          <a:solidFill>
+            <a:schemeClr val="accent2">
+              <a:lumMod val="20000"/>
+              <a:lumOff val="80000"/>
+            </a:schemeClr>
+          </a:solidFill>
+        </p:spPr>
+        <p:txBody>
+          <a:bodyPr/>
+          <a:lstStyle/>
+          <a:p>
+            <a:r>
+              <a:rPr lang="en-IN" dirty="0"/>
+              <a:t>Introduction to service registry &amp; discovery</a:t>
+            </a:r>
+          </a:p>
+        </p:txBody>
+      </p:sp>
+      <p:sp>
+        <p:nvSpPr>
+          <p:cNvPr id="3" name="Content Placeholder 2">
+            <a:extLst>
+              <a:ext uri="{FF2B5EF4-FFF2-40B4-BE49-F238E27FC236}">
+                <a16:creationId xmlns:a16="http://schemas.microsoft.com/office/drawing/2014/main" id="{F37DD19B-0598-4B4D-BF8A-02BE9B5CF78E}"/>
+              </a:ext>
+            </a:extLst>
+          </p:cNvPr>
+          <p:cNvSpPr>
+            <a:spLocks noGrp="1"/>
+          </p:cNvSpPr>
+          <p:nvPr>
+            <p:ph idx="1"/>
+          </p:nvPr>
+        </p:nvSpPr>
+        <p:spPr>
+          <a:xfrm>
+            <a:off x="19750" y="2133600"/>
+            <a:ext cx="12152500" cy="4610100"/>
+          </a:xfrm>
+          <a:solidFill>
+            <a:schemeClr val="accent5">
+              <a:lumMod val="20000"/>
+              <a:lumOff val="80000"/>
+            </a:schemeClr>
+          </a:solidFill>
+        </p:spPr>
+        <p:txBody>
+          <a:bodyPr/>
+          <a:lstStyle/>
+          <a:p>
+            <a:endParaRPr lang="en-IN" b="1" dirty="0"/>
+          </a:p>
+        </p:txBody>
+      </p:sp>
+      <p:sp>
+        <p:nvSpPr>
+          <p:cNvPr id="4" name="Rectangle 3">
+            <a:extLst>
+              <a:ext uri="{FF2B5EF4-FFF2-40B4-BE49-F238E27FC236}">
+                <a16:creationId xmlns:a16="http://schemas.microsoft.com/office/drawing/2014/main" id="{CEB1AFED-B356-4EB9-B3F2-40D431051EDF}"/>
+              </a:ext>
+            </a:extLst>
+          </p:cNvPr>
+          <p:cNvSpPr/>
+          <p:nvPr/>
+        </p:nvSpPr>
+        <p:spPr>
+          <a:xfrm>
+            <a:off x="0" y="6419850"/>
+            <a:ext cx="12191999" cy="457200"/>
+          </a:xfrm>
+          <a:prstGeom prst="rect">
+            <a:avLst/>
+          </a:prstGeom>
+          <a:solidFill>
+            <a:srgbClr val="4D4D4D"/>
+          </a:solidFill>
+        </p:spPr>
+        <p:style>
+          <a:lnRef idx="2">
+            <a:schemeClr val="dk1">
+              <a:shade val="50000"/>
+            </a:schemeClr>
+          </a:lnRef>
+          <a:fillRef idx="1">
+            <a:schemeClr val="dk1"/>
+          </a:fillRef>
+          <a:effectRef idx="0">
+            <a:schemeClr val="dk1"/>
+          </a:effectRef>
+          <a:fontRef idx="minor">
+            <a:schemeClr val="lt1"/>
+          </a:fontRef>
+        </p:style>
+        <p:txBody>
+          <a:bodyPr rtlCol="0" anchor="ctr"/>
+          <a:lstStyle/>
+          <a:p>
+            <a:pPr algn="ctr"/>
+            <a:endParaRPr lang="en-IN"/>
+          </a:p>
+        </p:txBody>
+      </p:sp>
+    </p:spTree>
+    <p:extLst>
+      <p:ext uri="{BB962C8B-B14F-4D97-AF65-F5344CB8AC3E}">
+        <p14:creationId xmlns:p14="http://schemas.microsoft.com/office/powerpoint/2010/main" val="2384858292"/>
+      </p:ext>
+    </p:extLst>
+  </p:cSld>
+  <p:clrMapOvr>
+    <a:masterClrMapping/>
+  </p:clrMapOvr>
+  <p:timing>
+    <p:tnLst>
+      <p:par>
+        <p:cTn id="1" dur="indefinite" restart="never" nodeType="tmRoot">
+          <p:childTnLst>
+            <p:seq concurrent="1" nextAc="seek">
+              <p:cTn id="2" dur="indefinite" nodeType="mainSeq">
+                <p:childTnLst>
+                  <p:par>
+                    <p:cTn id="3" fill="hold">
+                      <p:stCondLst>
+                        <p:cond delay="indefinite"/>
+                      </p:stCondLst>
+                      <p:childTnLst>
+                        <p:par>
+                          <p:cTn id="4" fill="hold">
+                            <p:stCondLst>
+                              <p:cond delay="0"/>
+                            </p:stCondLst>
+                            <p:childTnLst>
+                              <p:par>
+                                <p:cTn id="5" presetID="42" presetClass="entr" presetSubtype="0" fill="hold" grpId="0" nodeType="clickEffect">
+                                  <p:stCondLst>
+                                    <p:cond delay="0"/>
+                                  </p:stCondLst>
+                                  <p:childTnLst>
+                                    <p:set>
+                                      <p:cBhvr>
+                                        <p:cTn id="6" dur="1" fill="hold">
+                                          <p:stCondLst>
+                                            <p:cond delay="0"/>
+                                          </p:stCondLst>
+                                        </p:cTn>
+                                        <p:tgtEl>
+                                          <p:spTgt spid="3">
+                                            <p:bg/>
+                                          </p:spTgt>
+                                        </p:tgtEl>
+                                        <p:attrNameLst>
+                                          <p:attrName>style.visibility</p:attrName>
+                                        </p:attrNameLst>
+                                      </p:cBhvr>
+                                      <p:to>
+                                        <p:strVal val="visible"/>
+                                      </p:to>
+                                    </p:set>
+                                    <p:animEffect transition="in" filter="fade">
+                                      <p:cBhvr>
+                                        <p:cTn id="7" dur="1000"/>
+                                        <p:tgtEl>
+                                          <p:spTgt spid="3">
+                                            <p:bg/>
+                                          </p:spTgt>
+                                        </p:tgtEl>
+                                      </p:cBhvr>
+                                    </p:animEffect>
+                                    <p:anim calcmode="lin" valueType="num">
+                                      <p:cBhvr>
+                                        <p:cTn id="8" dur="1000" fill="hold"/>
+                                        <p:tgtEl>
+                                          <p:spTgt spid="3">
+                                            <p:bg/>
+                                          </p:spTgt>
+                                        </p:tgtEl>
+                                        <p:attrNameLst>
+                                          <p:attrName>ppt_x</p:attrName>
+                                        </p:attrNameLst>
+                                      </p:cBhvr>
+                                      <p:tavLst>
+                                        <p:tav tm="0">
+                                          <p:val>
+                                            <p:strVal val="#ppt_x"/>
+                                          </p:val>
+                                        </p:tav>
+                                        <p:tav tm="100000">
+                                          <p:val>
+                                            <p:strVal val="#ppt_x"/>
+                                          </p:val>
+                                        </p:tav>
+                                      </p:tavLst>
+                                    </p:anim>
+                                    <p:anim calcmode="lin" valueType="num">
+                                      <p:cBhvr>
+                                        <p:cTn id="9" dur="1000" fill="hold"/>
+                                        <p:tgtEl>
+                                          <p:spTgt spid="3">
+                                            <p:bg/>
+                                          </p:spTgt>
+                                        </p:tgtEl>
+                                        <p:attrNameLst>
+                                          <p:attrName>ppt_y</p:attrName>
+                                        </p:attrNameLst>
+                                      </p:cBhvr>
+                                      <p:tavLst>
+                                        <p:tav tm="0">
+                                          <p:val>
+                                            <p:strVal val="#ppt_y+.1"/>
+                                          </p:val>
+                                        </p:tav>
+                                        <p:tav tm="100000">
+                                          <p:val>
+                                            <p:strVal val="#ppt_y"/>
+                                          </p:val>
+                                        </p:tav>
+                                      </p:tavLst>
+                                    </p:anim>
+                                  </p:childTnLst>
+                                </p:cTn>
+                              </p:par>
+                            </p:childTnLst>
+                          </p:cTn>
+                        </p:par>
+                      </p:childTnLst>
+                    </p:cTn>
+                  </p:par>
+                  <p:par>
+                    <p:cTn id="10" fill="hold">
+                      <p:stCondLst>
+                        <p:cond delay="indefinite"/>
+                      </p:stCondLst>
+                      <p:childTnLst>
+                        <p:par>
+                          <p:cTn id="11" fill="hold">
+                            <p:stCondLst>
+                              <p:cond delay="0"/>
+                            </p:stCondLst>
+                            <p:childTnLst>
+                              <p:par>
+                                <p:cTn id="12" presetID="42" presetClass="entr" presetSubtype="0" fill="hold" grpId="0" nodeType="clickEffect" nodePh="1">
+                                  <p:stCondLst>
+                                    <p:cond delay="0"/>
+                                  </p:stCondLst>
+                                  <p:endCondLst>
+                                    <p:cond evt="begin" delay="0">
+                                      <p:tn val="12"/>
+                                    </p:cond>
+                                  </p:endCondLst>
+                                  <p:childTnLst>
+                                    <p:set>
+                                      <p:cBhvr>
+                                        <p:cTn id="13" dur="1" fill="hold">
+                                          <p:stCondLst>
+                                            <p:cond delay="0"/>
+                                          </p:stCondLst>
+                                        </p:cTn>
+                                        <p:tgtEl>
+                                          <p:spTgt spid="3">
+                                            <p:txEl>
+                                              <p:pRg st="0" end="0"/>
+                                            </p:txEl>
+                                          </p:spTgt>
+                                        </p:tgtEl>
+                                        <p:attrNameLst>
+                                          <p:attrName>style.visibility</p:attrName>
+                                        </p:attrNameLst>
+                                      </p:cBhvr>
+                                      <p:to>
+                                        <p:strVal val="visible"/>
+                                      </p:to>
+                                    </p:set>
+                                    <p:animEffect transition="in" filter="fade">
+                                      <p:cBhvr>
+                                        <p:cTn id="14" dur="1000"/>
+                                        <p:tgtEl>
+                                          <p:spTgt spid="3">
+                                            <p:txEl>
+                                              <p:pRg st="0" end="0"/>
+                                            </p:txEl>
+                                          </p:spTgt>
+                                        </p:tgtEl>
+                                      </p:cBhvr>
+                                    </p:animEffect>
+                                    <p:anim calcmode="lin" valueType="num">
+                                      <p:cBhvr>
+                                        <p:cTn id="15" dur="1000" fill="hold"/>
+                                        <p:tgtEl>
+                                          <p:spTgt spid="3">
+                                            <p:txEl>
+                                              <p:pRg st="0" end="0"/>
+                                            </p:txEl>
+                                          </p:spTgt>
+                                        </p:tgtEl>
+                                        <p:attrNameLst>
+                                          <p:attrName>ppt_x</p:attrName>
+                                        </p:attrNameLst>
+                                      </p:cBhvr>
+                                      <p:tavLst>
+                                        <p:tav tm="0">
+                                          <p:val>
+                                            <p:strVal val="#ppt_x"/>
+                                          </p:val>
+                                        </p:tav>
+                                        <p:tav tm="100000">
+                                          <p:val>
+                                            <p:strVal val="#ppt_x"/>
+                                          </p:val>
+                                        </p:tav>
+                                      </p:tavLst>
+                                    </p:anim>
+                                    <p:anim calcmode="lin" valueType="num">
+                                      <p:cBhvr>
+                                        <p:cTn id="16" dur="1000" fill="hold"/>
+                                        <p:tgtEl>
+                                          <p:spTgt spid="3">
+                                            <p:txEl>
+                                              <p:pRg st="0" end="0"/>
+                                            </p:txEl>
+                                          </p:spTgt>
+                                        </p:tgtEl>
+                                        <p:attrNameLst>
+                                          <p:attrName>ppt_y</p:attrName>
+                                        </p:attrNameLst>
+                                      </p:cBhvr>
+                                      <p:tavLst>
+                                        <p:tav tm="0">
+                                          <p:val>
+                                            <p:strVal val="#ppt_y+.1"/>
+                                          </p:val>
+                                        </p:tav>
+                                        <p:tav tm="100000">
+                                          <p:val>
+                                            <p:strVal val="#ppt_y"/>
+                                          </p:val>
+                                        </p:tav>
+                                      </p:tavLst>
+                                    </p:anim>
+                                  </p:childTnLst>
+                                </p:cTn>
+                              </p:par>
+                            </p:childTnLst>
+                          </p:cTn>
+                        </p:par>
+                      </p:childTnLst>
+                    </p:cTn>
+                  </p:par>
+                </p:childTnLst>
+              </p:cTn>
+              <p:prevCondLst>
+                <p:cond evt="onPrev" delay="0">
+                  <p:tgtEl>
+                    <p:sldTgt/>
+                  </p:tgtEl>
+                </p:cond>
+              </p:prevCondLst>
+              <p:nextCondLst>
+                <p:cond evt="onNext" delay="0">
+                  <p:tgtEl>
+                    <p:sldTgt/>
+                  </p:tgtEl>
+                </p:cond>
+              </p:nextCondLst>
+            </p:seq>
+          </p:childTnLst>
+        </p:cTn>
+      </p:par>
+    </p:tnLst>
+    <p:bldLst>
+      <p:bldP spid="3" grpId="0" build="p" animBg="1"/>
+    </p:bldLst>
+  </p:timing>
+</p:sld>
+</file>
+
+<file path=ppt/slides/slide18.xml><?xml version="1.0" encoding="utf-8"?>
+<p:sld xmlns:a="http://schemas.openxmlformats.org/drawingml/2006/main" xmlns:r="http://schemas.openxmlformats.org/officeDocument/2006/relationships" xmlns:p="http://schemas.openxmlformats.org/presentationml/2006/main">
+  <p:cSld>
+    <p:spTree>
+      <p:nvGrpSpPr>
+        <p:cNvPr id="1" name=""/>
+        <p:cNvGrpSpPr/>
+        <p:nvPr/>
+      </p:nvGrpSpPr>
+      <p:grpSpPr>
+        <a:xfrm>
+          <a:off x="0" y="0"/>
+          <a:ext cx="0" cy="0"/>
+          <a:chOff x="0" y="0"/>
+          <a:chExt cx="0" cy="0"/>
+        </a:xfrm>
+      </p:grpSpPr>
+      <p:sp>
+        <p:nvSpPr>
+          <p:cNvPr id="2" name="Title 1">
+            <a:extLst>
+              <a:ext uri="{FF2B5EF4-FFF2-40B4-BE49-F238E27FC236}">
+                <a16:creationId xmlns:a16="http://schemas.microsoft.com/office/drawing/2014/main" id="{CC467DF9-5121-449E-BE9E-D21B2DCC5F9D}"/>
+              </a:ext>
+            </a:extLst>
+          </p:cNvPr>
+          <p:cNvSpPr>
+            <a:spLocks noGrp="1"/>
+          </p:cNvSpPr>
+          <p:nvPr>
+            <p:ph type="title"/>
+          </p:nvPr>
+        </p:nvSpPr>
+        <p:spPr>
+          <a:xfrm>
+            <a:off x="19750" y="702156"/>
+            <a:ext cx="12152499" cy="1002819"/>
+          </a:xfrm>
+          <a:solidFill>
+            <a:schemeClr val="accent2">
+              <a:lumMod val="20000"/>
+              <a:lumOff val="80000"/>
+            </a:schemeClr>
+          </a:solidFill>
+        </p:spPr>
+        <p:txBody>
+          <a:bodyPr/>
+          <a:lstStyle/>
+          <a:p>
+            <a:r>
+              <a:rPr lang="en-IN" dirty="0"/>
+              <a:t>Introduction to service registry &amp; discovery</a:t>
+            </a:r>
+          </a:p>
+        </p:txBody>
+      </p:sp>
+      <p:sp>
+        <p:nvSpPr>
+          <p:cNvPr id="3" name="Content Placeholder 2">
+            <a:extLst>
+              <a:ext uri="{FF2B5EF4-FFF2-40B4-BE49-F238E27FC236}">
+                <a16:creationId xmlns:a16="http://schemas.microsoft.com/office/drawing/2014/main" id="{F37DD19B-0598-4B4D-BF8A-02BE9B5CF78E}"/>
+              </a:ext>
+            </a:extLst>
+          </p:cNvPr>
+          <p:cNvSpPr>
+            <a:spLocks noGrp="1"/>
+          </p:cNvSpPr>
+          <p:nvPr>
+            <p:ph idx="1"/>
+          </p:nvPr>
+        </p:nvSpPr>
+        <p:spPr>
+          <a:xfrm>
+            <a:off x="19750" y="2133600"/>
+            <a:ext cx="12152500" cy="4610100"/>
+          </a:xfrm>
+          <a:solidFill>
+            <a:schemeClr val="accent5">
+              <a:lumMod val="20000"/>
+              <a:lumOff val="80000"/>
+            </a:schemeClr>
+          </a:solidFill>
+        </p:spPr>
+        <p:txBody>
+          <a:bodyPr/>
+          <a:lstStyle/>
+          <a:p>
+            <a:endParaRPr lang="en-IN" b="1" dirty="0"/>
+          </a:p>
+        </p:txBody>
+      </p:sp>
+      <p:sp>
+        <p:nvSpPr>
+          <p:cNvPr id="4" name="Rectangle 3">
+            <a:extLst>
+              <a:ext uri="{FF2B5EF4-FFF2-40B4-BE49-F238E27FC236}">
+                <a16:creationId xmlns:a16="http://schemas.microsoft.com/office/drawing/2014/main" id="{CEB1AFED-B356-4EB9-B3F2-40D431051EDF}"/>
+              </a:ext>
+            </a:extLst>
+          </p:cNvPr>
+          <p:cNvSpPr/>
+          <p:nvPr/>
+        </p:nvSpPr>
+        <p:spPr>
+          <a:xfrm>
+            <a:off x="0" y="6419850"/>
+            <a:ext cx="12191999" cy="457200"/>
+          </a:xfrm>
+          <a:prstGeom prst="rect">
+            <a:avLst/>
+          </a:prstGeom>
+          <a:solidFill>
+            <a:srgbClr val="4D4D4D"/>
+          </a:solidFill>
+        </p:spPr>
+        <p:style>
+          <a:lnRef idx="2">
+            <a:schemeClr val="dk1">
+              <a:shade val="50000"/>
+            </a:schemeClr>
+          </a:lnRef>
+          <a:fillRef idx="1">
+            <a:schemeClr val="dk1"/>
+          </a:fillRef>
+          <a:effectRef idx="0">
+            <a:schemeClr val="dk1"/>
+          </a:effectRef>
+          <a:fontRef idx="minor">
+            <a:schemeClr val="lt1"/>
+          </a:fontRef>
+        </p:style>
+        <p:txBody>
+          <a:bodyPr rtlCol="0" anchor="ctr"/>
+          <a:lstStyle/>
+          <a:p>
+            <a:pPr algn="ctr"/>
+            <a:endParaRPr lang="en-IN"/>
+          </a:p>
+        </p:txBody>
+      </p:sp>
+    </p:spTree>
+    <p:extLst>
+      <p:ext uri="{BB962C8B-B14F-4D97-AF65-F5344CB8AC3E}">
         <p14:creationId xmlns:p14="http://schemas.microsoft.com/office/powerpoint/2010/main" val="3655149778"/>
       </p:ext>
     </p:extLst>
@@ -10542,7 +12651,7 @@
 </p:sld>
 </file>
 
-<file path=ppt/slides/slide16.xml><?xml version="1.0" encoding="utf-8"?>
+<file path=ppt/slides/slide19.xml><?xml version="1.0" encoding="utf-8"?>
 <p:sld xmlns:a="http://schemas.openxmlformats.org/drawingml/2006/main" xmlns:r="http://schemas.openxmlformats.org/officeDocument/2006/relationships" xmlns:p="http://schemas.openxmlformats.org/presentationml/2006/main">
   <p:cSld>
     <p:spTree>
@@ -12337,7 +14446,7 @@
         </p:blipFill>
         <p:spPr bwMode="auto">
           <a:xfrm>
-            <a:off x="285751" y="38100"/>
+            <a:off x="161926" y="523875"/>
             <a:ext cx="3324224" cy="1347010"/>
           </a:xfrm>
           <a:prstGeom prst="rect">
@@ -12453,7 +14562,7 @@
             <a:pPr algn="ctr"/>
             <a:r>
               <a:rPr lang="en-IN" sz="6000" dirty="0"/>
-              <a:t>#1</a:t>
+              <a:t>#2</a:t>
             </a:r>
           </a:p>
         </p:txBody>
@@ -12597,6 +14706,56 @@
           </a:p>
         </p:txBody>
       </p:sp>
+      <p:sp>
+        <p:nvSpPr>
+          <p:cNvPr id="8" name="Rectangle 7">
+            <a:extLst>
+              <a:ext uri="{FF2B5EF4-FFF2-40B4-BE49-F238E27FC236}">
+                <a16:creationId xmlns:a16="http://schemas.microsoft.com/office/drawing/2014/main" id="{2F3D3E52-501A-47E3-AFA9-58D336F83142}"/>
+              </a:ext>
+            </a:extLst>
+          </p:cNvPr>
+          <p:cNvSpPr/>
+          <p:nvPr/>
+        </p:nvSpPr>
+        <p:spPr>
+          <a:xfrm>
+            <a:off x="0" y="-76201"/>
+            <a:ext cx="1211508" cy="314325"/>
+          </a:xfrm>
+          <a:prstGeom prst="rect">
+            <a:avLst/>
+          </a:prstGeom>
+          <a:solidFill>
+            <a:srgbClr val="FFFF00"/>
+          </a:solidFill>
+        </p:spPr>
+        <p:style>
+          <a:lnRef idx="2">
+            <a:schemeClr val="accent6"/>
+          </a:lnRef>
+          <a:fillRef idx="1">
+            <a:schemeClr val="lt1"/>
+          </a:fillRef>
+          <a:effectRef idx="0">
+            <a:schemeClr val="accent6"/>
+          </a:effectRef>
+          <a:fontRef idx="minor">
+            <a:schemeClr val="dk1"/>
+          </a:fontRef>
+        </p:style>
+        <p:txBody>
+          <a:bodyPr rtlCol="0" anchor="ctr"/>
+          <a:lstStyle/>
+          <a:p>
+            <a:pPr algn="ctr"/>
+            <a:r>
+              <a:rPr lang="en-IN" b="1" u="sng" dirty="0"/>
+              <a:t>ARVIND</a:t>
+            </a:r>
+          </a:p>
+        </p:txBody>
+      </p:sp>
     </p:spTree>
     <p:extLst>
       <p:ext uri="{BB962C8B-B14F-4D97-AF65-F5344CB8AC3E}">
@@ -12684,8 +14843,8 @@
         </p:nvSpPr>
         <p:spPr>
           <a:xfrm>
-            <a:off x="19750" y="2133600"/>
-            <a:ext cx="12152500" cy="4610100"/>
+            <a:off x="19750" y="2038350"/>
+            <a:ext cx="4409375" cy="4705350"/>
           </a:xfrm>
           <a:solidFill>
             <a:schemeClr val="accent5">
@@ -13357,66 +15516,8 @@
           <a:p>
             <a:r>
               <a:rPr lang="en-US" b="1" dirty="0"/>
-              <a:t>Why</a:t>
-            </a:r>
-          </a:p>
-          <a:p>
-            <a:pPr lvl="1"/>
-            <a:r>
-              <a:rPr lang="en-US" b="1" dirty="0"/>
-              <a:t>Dynamic change in number and location of services</a:t>
-            </a:r>
-          </a:p>
-          <a:p>
-            <a:pPr lvl="1"/>
-            <a:r>
-              <a:rPr lang="en-US" b="1" dirty="0"/>
-              <a:t>Dynamic URL when deployed in cloud</a:t>
-            </a:r>
-          </a:p>
-          <a:p>
-            <a:r>
-              <a:rPr lang="en-US" b="1" dirty="0"/>
-              <a:t>Solution</a:t>
-            </a:r>
-          </a:p>
-          <a:p>
-            <a:pPr lvl="1"/>
-            <a:r>
-              <a:rPr lang="en-US" b="1" dirty="0"/>
-              <a:t>Some kind of registration service</a:t>
-            </a:r>
-          </a:p>
-          <a:p>
-            <a:pPr lvl="1"/>
-            <a:r>
-              <a:rPr lang="en-US" b="1" dirty="0"/>
-              <a:t>Dynamic maintenance of microservice </a:t>
-            </a:r>
-            <a:r>
-              <a:rPr lang="en-US" b="1" dirty="0" err="1"/>
-              <a:t>urls</a:t>
-            </a:r>
-            <a:endParaRPr lang="en-US" b="1" dirty="0"/>
-          </a:p>
-          <a:p>
-            <a:pPr lvl="1"/>
-            <a:endParaRPr lang="en-US" b="1" dirty="0"/>
-          </a:p>
-          <a:p>
-            <a:pPr lvl="1"/>
-            <a:endParaRPr lang="en-US" b="1" dirty="0"/>
-          </a:p>
-          <a:p>
-            <a:pPr lvl="1"/>
-            <a:endParaRPr lang="en-US" b="1" dirty="0"/>
-          </a:p>
-          <a:p>
-            <a:r>
-              <a:rPr lang="en-US" b="1" dirty="0"/>
-              <a:t>Netflix Eureka is a service registry</a:t>
-            </a:r>
-            <a:endParaRPr lang="en-IN" b="1" dirty="0"/>
+              <a:t>Netflix Eureka</a:t>
+            </a:r>
           </a:p>
         </p:txBody>
       </p:sp>
@@ -13755,624 +15856,6 @@
                                   </p:childTnLst>
                                 </p:cTn>
                               </p:par>
-                              <p:par>
-                                <p:cTn id="17" presetID="42" presetClass="entr" presetSubtype="0" fill="hold" grpId="0" nodeType="withEffect">
-                                  <p:stCondLst>
-                                    <p:cond delay="0"/>
-                                  </p:stCondLst>
-                                  <p:childTnLst>
-                                    <p:set>
-                                      <p:cBhvr>
-                                        <p:cTn id="18" dur="1" fill="hold">
-                                          <p:stCondLst>
-                                            <p:cond delay="0"/>
-                                          </p:stCondLst>
-                                        </p:cTn>
-                                        <p:tgtEl>
-                                          <p:spTgt spid="3">
-                                            <p:txEl>
-                                              <p:pRg st="1" end="1"/>
-                                            </p:txEl>
-                                          </p:spTgt>
-                                        </p:tgtEl>
-                                        <p:attrNameLst>
-                                          <p:attrName>style.visibility</p:attrName>
-                                        </p:attrNameLst>
-                                      </p:cBhvr>
-                                      <p:to>
-                                        <p:strVal val="visible"/>
-                                      </p:to>
-                                    </p:set>
-                                    <p:animEffect transition="in" filter="fade">
-                                      <p:cBhvr>
-                                        <p:cTn id="19" dur="1000"/>
-                                        <p:tgtEl>
-                                          <p:spTgt spid="3">
-                                            <p:txEl>
-                                              <p:pRg st="1" end="1"/>
-                                            </p:txEl>
-                                          </p:spTgt>
-                                        </p:tgtEl>
-                                      </p:cBhvr>
-                                    </p:animEffect>
-                                    <p:anim calcmode="lin" valueType="num">
-                                      <p:cBhvr>
-                                        <p:cTn id="20" dur="1000" fill="hold"/>
-                                        <p:tgtEl>
-                                          <p:spTgt spid="3">
-                                            <p:txEl>
-                                              <p:pRg st="1" end="1"/>
-                                            </p:txEl>
-                                          </p:spTgt>
-                                        </p:tgtEl>
-                                        <p:attrNameLst>
-                                          <p:attrName>ppt_x</p:attrName>
-                                        </p:attrNameLst>
-                                      </p:cBhvr>
-                                      <p:tavLst>
-                                        <p:tav tm="0">
-                                          <p:val>
-                                            <p:strVal val="#ppt_x"/>
-                                          </p:val>
-                                        </p:tav>
-                                        <p:tav tm="100000">
-                                          <p:val>
-                                            <p:strVal val="#ppt_x"/>
-                                          </p:val>
-                                        </p:tav>
-                                      </p:tavLst>
-                                    </p:anim>
-                                    <p:anim calcmode="lin" valueType="num">
-                                      <p:cBhvr>
-                                        <p:cTn id="21" dur="1000" fill="hold"/>
-                                        <p:tgtEl>
-                                          <p:spTgt spid="3">
-                                            <p:txEl>
-                                              <p:pRg st="1" end="1"/>
-                                            </p:txEl>
-                                          </p:spTgt>
-                                        </p:tgtEl>
-                                        <p:attrNameLst>
-                                          <p:attrName>ppt_y</p:attrName>
-                                        </p:attrNameLst>
-                                      </p:cBhvr>
-                                      <p:tavLst>
-                                        <p:tav tm="0">
-                                          <p:val>
-                                            <p:strVal val="#ppt_y+.1"/>
-                                          </p:val>
-                                        </p:tav>
-                                        <p:tav tm="100000">
-                                          <p:val>
-                                            <p:strVal val="#ppt_y"/>
-                                          </p:val>
-                                        </p:tav>
-                                      </p:tavLst>
-                                    </p:anim>
-                                  </p:childTnLst>
-                                </p:cTn>
-                              </p:par>
-                              <p:par>
-                                <p:cTn id="22" presetID="42" presetClass="entr" presetSubtype="0" fill="hold" grpId="0" nodeType="withEffect">
-                                  <p:stCondLst>
-                                    <p:cond delay="0"/>
-                                  </p:stCondLst>
-                                  <p:childTnLst>
-                                    <p:set>
-                                      <p:cBhvr>
-                                        <p:cTn id="23" dur="1" fill="hold">
-                                          <p:stCondLst>
-                                            <p:cond delay="0"/>
-                                          </p:stCondLst>
-                                        </p:cTn>
-                                        <p:tgtEl>
-                                          <p:spTgt spid="3">
-                                            <p:txEl>
-                                              <p:pRg st="2" end="2"/>
-                                            </p:txEl>
-                                          </p:spTgt>
-                                        </p:tgtEl>
-                                        <p:attrNameLst>
-                                          <p:attrName>style.visibility</p:attrName>
-                                        </p:attrNameLst>
-                                      </p:cBhvr>
-                                      <p:to>
-                                        <p:strVal val="visible"/>
-                                      </p:to>
-                                    </p:set>
-                                    <p:animEffect transition="in" filter="fade">
-                                      <p:cBhvr>
-                                        <p:cTn id="24" dur="1000"/>
-                                        <p:tgtEl>
-                                          <p:spTgt spid="3">
-                                            <p:txEl>
-                                              <p:pRg st="2" end="2"/>
-                                            </p:txEl>
-                                          </p:spTgt>
-                                        </p:tgtEl>
-                                      </p:cBhvr>
-                                    </p:animEffect>
-                                    <p:anim calcmode="lin" valueType="num">
-                                      <p:cBhvr>
-                                        <p:cTn id="25" dur="1000" fill="hold"/>
-                                        <p:tgtEl>
-                                          <p:spTgt spid="3">
-                                            <p:txEl>
-                                              <p:pRg st="2" end="2"/>
-                                            </p:txEl>
-                                          </p:spTgt>
-                                        </p:tgtEl>
-                                        <p:attrNameLst>
-                                          <p:attrName>ppt_x</p:attrName>
-                                        </p:attrNameLst>
-                                      </p:cBhvr>
-                                      <p:tavLst>
-                                        <p:tav tm="0">
-                                          <p:val>
-                                            <p:strVal val="#ppt_x"/>
-                                          </p:val>
-                                        </p:tav>
-                                        <p:tav tm="100000">
-                                          <p:val>
-                                            <p:strVal val="#ppt_x"/>
-                                          </p:val>
-                                        </p:tav>
-                                      </p:tavLst>
-                                    </p:anim>
-                                    <p:anim calcmode="lin" valueType="num">
-                                      <p:cBhvr>
-                                        <p:cTn id="26" dur="1000" fill="hold"/>
-                                        <p:tgtEl>
-                                          <p:spTgt spid="3">
-                                            <p:txEl>
-                                              <p:pRg st="2" end="2"/>
-                                            </p:txEl>
-                                          </p:spTgt>
-                                        </p:tgtEl>
-                                        <p:attrNameLst>
-                                          <p:attrName>ppt_y</p:attrName>
-                                        </p:attrNameLst>
-                                      </p:cBhvr>
-                                      <p:tavLst>
-                                        <p:tav tm="0">
-                                          <p:val>
-                                            <p:strVal val="#ppt_y+.1"/>
-                                          </p:val>
-                                        </p:tav>
-                                        <p:tav tm="100000">
-                                          <p:val>
-                                            <p:strVal val="#ppt_y"/>
-                                          </p:val>
-                                        </p:tav>
-                                      </p:tavLst>
-                                    </p:anim>
-                                  </p:childTnLst>
-                                </p:cTn>
-                              </p:par>
-                            </p:childTnLst>
-                          </p:cTn>
-                        </p:par>
-                      </p:childTnLst>
-                    </p:cTn>
-                  </p:par>
-                  <p:par>
-                    <p:cTn id="27" fill="hold">
-                      <p:stCondLst>
-                        <p:cond delay="indefinite"/>
-                      </p:stCondLst>
-                      <p:childTnLst>
-                        <p:par>
-                          <p:cTn id="28" fill="hold">
-                            <p:stCondLst>
-                              <p:cond delay="0"/>
-                            </p:stCondLst>
-                            <p:childTnLst>
-                              <p:par>
-                                <p:cTn id="29" presetID="42" presetClass="entr" presetSubtype="0" fill="hold" grpId="0" nodeType="clickEffect">
-                                  <p:stCondLst>
-                                    <p:cond delay="0"/>
-                                  </p:stCondLst>
-                                  <p:childTnLst>
-                                    <p:set>
-                                      <p:cBhvr>
-                                        <p:cTn id="30" dur="1" fill="hold">
-                                          <p:stCondLst>
-                                            <p:cond delay="0"/>
-                                          </p:stCondLst>
-                                        </p:cTn>
-                                        <p:tgtEl>
-                                          <p:spTgt spid="3">
-                                            <p:txEl>
-                                              <p:pRg st="3" end="3"/>
-                                            </p:txEl>
-                                          </p:spTgt>
-                                        </p:tgtEl>
-                                        <p:attrNameLst>
-                                          <p:attrName>style.visibility</p:attrName>
-                                        </p:attrNameLst>
-                                      </p:cBhvr>
-                                      <p:to>
-                                        <p:strVal val="visible"/>
-                                      </p:to>
-                                    </p:set>
-                                    <p:animEffect transition="in" filter="fade">
-                                      <p:cBhvr>
-                                        <p:cTn id="31" dur="1000"/>
-                                        <p:tgtEl>
-                                          <p:spTgt spid="3">
-                                            <p:txEl>
-                                              <p:pRg st="3" end="3"/>
-                                            </p:txEl>
-                                          </p:spTgt>
-                                        </p:tgtEl>
-                                      </p:cBhvr>
-                                    </p:animEffect>
-                                    <p:anim calcmode="lin" valueType="num">
-                                      <p:cBhvr>
-                                        <p:cTn id="32" dur="1000" fill="hold"/>
-                                        <p:tgtEl>
-                                          <p:spTgt spid="3">
-                                            <p:txEl>
-                                              <p:pRg st="3" end="3"/>
-                                            </p:txEl>
-                                          </p:spTgt>
-                                        </p:tgtEl>
-                                        <p:attrNameLst>
-                                          <p:attrName>ppt_x</p:attrName>
-                                        </p:attrNameLst>
-                                      </p:cBhvr>
-                                      <p:tavLst>
-                                        <p:tav tm="0">
-                                          <p:val>
-                                            <p:strVal val="#ppt_x"/>
-                                          </p:val>
-                                        </p:tav>
-                                        <p:tav tm="100000">
-                                          <p:val>
-                                            <p:strVal val="#ppt_x"/>
-                                          </p:val>
-                                        </p:tav>
-                                      </p:tavLst>
-                                    </p:anim>
-                                    <p:anim calcmode="lin" valueType="num">
-                                      <p:cBhvr>
-                                        <p:cTn id="33" dur="1000" fill="hold"/>
-                                        <p:tgtEl>
-                                          <p:spTgt spid="3">
-                                            <p:txEl>
-                                              <p:pRg st="3" end="3"/>
-                                            </p:txEl>
-                                          </p:spTgt>
-                                        </p:tgtEl>
-                                        <p:attrNameLst>
-                                          <p:attrName>ppt_y</p:attrName>
-                                        </p:attrNameLst>
-                                      </p:cBhvr>
-                                      <p:tavLst>
-                                        <p:tav tm="0">
-                                          <p:val>
-                                            <p:strVal val="#ppt_y+.1"/>
-                                          </p:val>
-                                        </p:tav>
-                                        <p:tav tm="100000">
-                                          <p:val>
-                                            <p:strVal val="#ppt_y"/>
-                                          </p:val>
-                                        </p:tav>
-                                      </p:tavLst>
-                                    </p:anim>
-                                  </p:childTnLst>
-                                </p:cTn>
-                              </p:par>
-                              <p:par>
-                                <p:cTn id="34" presetID="42" presetClass="entr" presetSubtype="0" fill="hold" grpId="0" nodeType="withEffect">
-                                  <p:stCondLst>
-                                    <p:cond delay="0"/>
-                                  </p:stCondLst>
-                                  <p:childTnLst>
-                                    <p:set>
-                                      <p:cBhvr>
-                                        <p:cTn id="35" dur="1" fill="hold">
-                                          <p:stCondLst>
-                                            <p:cond delay="0"/>
-                                          </p:stCondLst>
-                                        </p:cTn>
-                                        <p:tgtEl>
-                                          <p:spTgt spid="3">
-                                            <p:txEl>
-                                              <p:pRg st="4" end="4"/>
-                                            </p:txEl>
-                                          </p:spTgt>
-                                        </p:tgtEl>
-                                        <p:attrNameLst>
-                                          <p:attrName>style.visibility</p:attrName>
-                                        </p:attrNameLst>
-                                      </p:cBhvr>
-                                      <p:to>
-                                        <p:strVal val="visible"/>
-                                      </p:to>
-                                    </p:set>
-                                    <p:animEffect transition="in" filter="fade">
-                                      <p:cBhvr>
-                                        <p:cTn id="36" dur="1000"/>
-                                        <p:tgtEl>
-                                          <p:spTgt spid="3">
-                                            <p:txEl>
-                                              <p:pRg st="4" end="4"/>
-                                            </p:txEl>
-                                          </p:spTgt>
-                                        </p:tgtEl>
-                                      </p:cBhvr>
-                                    </p:animEffect>
-                                    <p:anim calcmode="lin" valueType="num">
-                                      <p:cBhvr>
-                                        <p:cTn id="37" dur="1000" fill="hold"/>
-                                        <p:tgtEl>
-                                          <p:spTgt spid="3">
-                                            <p:txEl>
-                                              <p:pRg st="4" end="4"/>
-                                            </p:txEl>
-                                          </p:spTgt>
-                                        </p:tgtEl>
-                                        <p:attrNameLst>
-                                          <p:attrName>ppt_x</p:attrName>
-                                        </p:attrNameLst>
-                                      </p:cBhvr>
-                                      <p:tavLst>
-                                        <p:tav tm="0">
-                                          <p:val>
-                                            <p:strVal val="#ppt_x"/>
-                                          </p:val>
-                                        </p:tav>
-                                        <p:tav tm="100000">
-                                          <p:val>
-                                            <p:strVal val="#ppt_x"/>
-                                          </p:val>
-                                        </p:tav>
-                                      </p:tavLst>
-                                    </p:anim>
-                                    <p:anim calcmode="lin" valueType="num">
-                                      <p:cBhvr>
-                                        <p:cTn id="38" dur="1000" fill="hold"/>
-                                        <p:tgtEl>
-                                          <p:spTgt spid="3">
-                                            <p:txEl>
-                                              <p:pRg st="4" end="4"/>
-                                            </p:txEl>
-                                          </p:spTgt>
-                                        </p:tgtEl>
-                                        <p:attrNameLst>
-                                          <p:attrName>ppt_y</p:attrName>
-                                        </p:attrNameLst>
-                                      </p:cBhvr>
-                                      <p:tavLst>
-                                        <p:tav tm="0">
-                                          <p:val>
-                                            <p:strVal val="#ppt_y+.1"/>
-                                          </p:val>
-                                        </p:tav>
-                                        <p:tav tm="100000">
-                                          <p:val>
-                                            <p:strVal val="#ppt_y"/>
-                                          </p:val>
-                                        </p:tav>
-                                      </p:tavLst>
-                                    </p:anim>
-                                  </p:childTnLst>
-                                </p:cTn>
-                              </p:par>
-                              <p:par>
-                                <p:cTn id="39" presetID="42" presetClass="entr" presetSubtype="0" fill="hold" grpId="0" nodeType="withEffect">
-                                  <p:stCondLst>
-                                    <p:cond delay="0"/>
-                                  </p:stCondLst>
-                                  <p:childTnLst>
-                                    <p:set>
-                                      <p:cBhvr>
-                                        <p:cTn id="40" dur="1" fill="hold">
-                                          <p:stCondLst>
-                                            <p:cond delay="0"/>
-                                          </p:stCondLst>
-                                        </p:cTn>
-                                        <p:tgtEl>
-                                          <p:spTgt spid="3">
-                                            <p:txEl>
-                                              <p:pRg st="5" end="5"/>
-                                            </p:txEl>
-                                          </p:spTgt>
-                                        </p:tgtEl>
-                                        <p:attrNameLst>
-                                          <p:attrName>style.visibility</p:attrName>
-                                        </p:attrNameLst>
-                                      </p:cBhvr>
-                                      <p:to>
-                                        <p:strVal val="visible"/>
-                                      </p:to>
-                                    </p:set>
-                                    <p:animEffect transition="in" filter="fade">
-                                      <p:cBhvr>
-                                        <p:cTn id="41" dur="1000"/>
-                                        <p:tgtEl>
-                                          <p:spTgt spid="3">
-                                            <p:txEl>
-                                              <p:pRg st="5" end="5"/>
-                                            </p:txEl>
-                                          </p:spTgt>
-                                        </p:tgtEl>
-                                      </p:cBhvr>
-                                    </p:animEffect>
-                                    <p:anim calcmode="lin" valueType="num">
-                                      <p:cBhvr>
-                                        <p:cTn id="42" dur="1000" fill="hold"/>
-                                        <p:tgtEl>
-                                          <p:spTgt spid="3">
-                                            <p:txEl>
-                                              <p:pRg st="5" end="5"/>
-                                            </p:txEl>
-                                          </p:spTgt>
-                                        </p:tgtEl>
-                                        <p:attrNameLst>
-                                          <p:attrName>ppt_x</p:attrName>
-                                        </p:attrNameLst>
-                                      </p:cBhvr>
-                                      <p:tavLst>
-                                        <p:tav tm="0">
-                                          <p:val>
-                                            <p:strVal val="#ppt_x"/>
-                                          </p:val>
-                                        </p:tav>
-                                        <p:tav tm="100000">
-                                          <p:val>
-                                            <p:strVal val="#ppt_x"/>
-                                          </p:val>
-                                        </p:tav>
-                                      </p:tavLst>
-                                    </p:anim>
-                                    <p:anim calcmode="lin" valueType="num">
-                                      <p:cBhvr>
-                                        <p:cTn id="43" dur="1000" fill="hold"/>
-                                        <p:tgtEl>
-                                          <p:spTgt spid="3">
-                                            <p:txEl>
-                                              <p:pRg st="5" end="5"/>
-                                            </p:txEl>
-                                          </p:spTgt>
-                                        </p:tgtEl>
-                                        <p:attrNameLst>
-                                          <p:attrName>ppt_y</p:attrName>
-                                        </p:attrNameLst>
-                                      </p:cBhvr>
-                                      <p:tavLst>
-                                        <p:tav tm="0">
-                                          <p:val>
-                                            <p:strVal val="#ppt_y+.1"/>
-                                          </p:val>
-                                        </p:tav>
-                                        <p:tav tm="100000">
-                                          <p:val>
-                                            <p:strVal val="#ppt_y"/>
-                                          </p:val>
-                                        </p:tav>
-                                      </p:tavLst>
-                                    </p:anim>
-                                  </p:childTnLst>
-                                </p:cTn>
-                              </p:par>
-                            </p:childTnLst>
-                          </p:cTn>
-                        </p:par>
-                      </p:childTnLst>
-                    </p:cTn>
-                  </p:par>
-                  <p:par>
-                    <p:cTn id="44" fill="hold">
-                      <p:stCondLst>
-                        <p:cond delay="indefinite"/>
-                      </p:stCondLst>
-                      <p:childTnLst>
-                        <p:par>
-                          <p:cTn id="45" fill="hold">
-                            <p:stCondLst>
-                              <p:cond delay="0"/>
-                            </p:stCondLst>
-                            <p:childTnLst>
-                              <p:par>
-                                <p:cTn id="46" presetID="42" presetClass="entr" presetSubtype="0" fill="hold" grpId="0" nodeType="clickEffect">
-                                  <p:stCondLst>
-                                    <p:cond delay="0"/>
-                                  </p:stCondLst>
-                                  <p:childTnLst>
-                                    <p:set>
-                                      <p:cBhvr>
-                                        <p:cTn id="47" dur="1" fill="hold">
-                                          <p:stCondLst>
-                                            <p:cond delay="0"/>
-                                          </p:stCondLst>
-                                        </p:cTn>
-                                        <p:tgtEl>
-                                          <p:spTgt spid="3">
-                                            <p:txEl>
-                                              <p:pRg st="9" end="9"/>
-                                            </p:txEl>
-                                          </p:spTgt>
-                                        </p:tgtEl>
-                                        <p:attrNameLst>
-                                          <p:attrName>style.visibility</p:attrName>
-                                        </p:attrNameLst>
-                                      </p:cBhvr>
-                                      <p:to>
-                                        <p:strVal val="visible"/>
-                                      </p:to>
-                                    </p:set>
-                                    <p:animEffect transition="in" filter="fade">
-                                      <p:cBhvr>
-                                        <p:cTn id="48" dur="1000"/>
-                                        <p:tgtEl>
-                                          <p:spTgt spid="3">
-                                            <p:txEl>
-                                              <p:pRg st="9" end="9"/>
-                                            </p:txEl>
-                                          </p:spTgt>
-                                        </p:tgtEl>
-                                      </p:cBhvr>
-                                    </p:animEffect>
-                                    <p:anim calcmode="lin" valueType="num">
-                                      <p:cBhvr>
-                                        <p:cTn id="49" dur="1000" fill="hold"/>
-                                        <p:tgtEl>
-                                          <p:spTgt spid="3">
-                                            <p:txEl>
-                                              <p:pRg st="9" end="9"/>
-                                            </p:txEl>
-                                          </p:spTgt>
-                                        </p:tgtEl>
-                                        <p:attrNameLst>
-                                          <p:attrName>ppt_x</p:attrName>
-                                        </p:attrNameLst>
-                                      </p:cBhvr>
-                                      <p:tavLst>
-                                        <p:tav tm="0">
-                                          <p:val>
-                                            <p:strVal val="#ppt_x"/>
-                                          </p:val>
-                                        </p:tav>
-                                        <p:tav tm="100000">
-                                          <p:val>
-                                            <p:strVal val="#ppt_x"/>
-                                          </p:val>
-                                        </p:tav>
-                                      </p:tavLst>
-                                    </p:anim>
-                                    <p:anim calcmode="lin" valueType="num">
-                                      <p:cBhvr>
-                                        <p:cTn id="50" dur="1000" fill="hold"/>
-                                        <p:tgtEl>
-                                          <p:spTgt spid="3">
-                                            <p:txEl>
-                                              <p:pRg st="9" end="9"/>
-                                            </p:txEl>
-                                          </p:spTgt>
-                                        </p:tgtEl>
-                                        <p:attrNameLst>
-                                          <p:attrName>ppt_y</p:attrName>
-                                        </p:attrNameLst>
-                                      </p:cBhvr>
-                                      <p:tavLst>
-                                        <p:tav tm="0">
-                                          <p:val>
-                                            <p:strVal val="#ppt_y+.1"/>
-                                          </p:val>
-                                        </p:tav>
-                                        <p:tav tm="100000">
-                                          <p:val>
-                                            <p:strVal val="#ppt_y"/>
-                                          </p:val>
-                                        </p:tav>
-                                      </p:tavLst>
-                                    </p:anim>
-                                  </p:childTnLst>
-                                </p:cTn>
-                              </p:par>
                             </p:childTnLst>
                           </p:cTn>
                         </p:par>
@@ -14458,7 +15941,7 @@
           <a:p>
             <a:r>
               <a:rPr lang="en-IN" b="1" dirty="0"/>
-              <a:t>Server side servicer discovery</a:t>
+              <a:t>Server side service discovery</a:t>
             </a:r>
           </a:p>
         </p:txBody>
@@ -14875,6 +16358,722 @@
 <file path=ppt/slides/slide8.xml><?xml version="1.0" encoding="utf-8"?>
 <p:sld xmlns:a="http://schemas.openxmlformats.org/drawingml/2006/main" xmlns:r="http://schemas.openxmlformats.org/officeDocument/2006/relationships" xmlns:p="http://schemas.openxmlformats.org/presentationml/2006/main">
   <p:cSld>
+    <p:spTree>
+      <p:nvGrpSpPr>
+        <p:cNvPr id="1" name=""/>
+        <p:cNvGrpSpPr/>
+        <p:nvPr/>
+      </p:nvGrpSpPr>
+      <p:grpSpPr>
+        <a:xfrm>
+          <a:off x="0" y="0"/>
+          <a:ext cx="0" cy="0"/>
+          <a:chOff x="0" y="0"/>
+          <a:chExt cx="0" cy="0"/>
+        </a:xfrm>
+      </p:grpSpPr>
+      <p:sp>
+        <p:nvSpPr>
+          <p:cNvPr id="2" name="Title 1">
+            <a:extLst>
+              <a:ext uri="{FF2B5EF4-FFF2-40B4-BE49-F238E27FC236}">
+                <a16:creationId xmlns:a16="http://schemas.microsoft.com/office/drawing/2014/main" id="{CC467DF9-5121-449E-BE9E-D21B2DCC5F9D}"/>
+              </a:ext>
+            </a:extLst>
+          </p:cNvPr>
+          <p:cNvSpPr>
+            <a:spLocks noGrp="1"/>
+          </p:cNvSpPr>
+          <p:nvPr>
+            <p:ph type="title"/>
+          </p:nvPr>
+        </p:nvSpPr>
+        <p:spPr>
+          <a:xfrm>
+            <a:off x="19750" y="702156"/>
+            <a:ext cx="12152499" cy="1002819"/>
+          </a:xfrm>
+          <a:solidFill>
+            <a:schemeClr val="accent2">
+              <a:lumMod val="20000"/>
+              <a:lumOff val="80000"/>
+            </a:schemeClr>
+          </a:solidFill>
+        </p:spPr>
+        <p:txBody>
+          <a:bodyPr/>
+          <a:lstStyle/>
+          <a:p>
+            <a:r>
+              <a:rPr lang="en-IN" dirty="0"/>
+              <a:t>Application design for demo</a:t>
+            </a:r>
+          </a:p>
+        </p:txBody>
+      </p:sp>
+      <p:sp>
+        <p:nvSpPr>
+          <p:cNvPr id="4" name="Rectangle 3">
+            <a:extLst>
+              <a:ext uri="{FF2B5EF4-FFF2-40B4-BE49-F238E27FC236}">
+                <a16:creationId xmlns:a16="http://schemas.microsoft.com/office/drawing/2014/main" id="{CEB1AFED-B356-4EB9-B3F2-40D431051EDF}"/>
+              </a:ext>
+            </a:extLst>
+          </p:cNvPr>
+          <p:cNvSpPr/>
+          <p:nvPr/>
+        </p:nvSpPr>
+        <p:spPr>
+          <a:xfrm>
+            <a:off x="0" y="6419850"/>
+            <a:ext cx="12191999" cy="457200"/>
+          </a:xfrm>
+          <a:prstGeom prst="rect">
+            <a:avLst/>
+          </a:prstGeom>
+          <a:solidFill>
+            <a:srgbClr val="4D4D4D"/>
+          </a:solidFill>
+        </p:spPr>
+        <p:style>
+          <a:lnRef idx="2">
+            <a:schemeClr val="dk1">
+              <a:shade val="50000"/>
+            </a:schemeClr>
+          </a:lnRef>
+          <a:fillRef idx="1">
+            <a:schemeClr val="dk1"/>
+          </a:fillRef>
+          <a:effectRef idx="0">
+            <a:schemeClr val="dk1"/>
+          </a:effectRef>
+          <a:fontRef idx="minor">
+            <a:schemeClr val="lt1"/>
+          </a:fontRef>
+        </p:style>
+        <p:txBody>
+          <a:bodyPr rtlCol="0" anchor="ctr"/>
+          <a:lstStyle/>
+          <a:p>
+            <a:pPr algn="ctr"/>
+            <a:endParaRPr lang="en-IN"/>
+          </a:p>
+        </p:txBody>
+      </p:sp>
+      <p:sp>
+        <p:nvSpPr>
+          <p:cNvPr id="5" name="Rectangle 4">
+            <a:extLst>
+              <a:ext uri="{FF2B5EF4-FFF2-40B4-BE49-F238E27FC236}">
+                <a16:creationId xmlns:a16="http://schemas.microsoft.com/office/drawing/2014/main" id="{8D13A079-4FFB-4BF0-9354-45CD2A8015D2}"/>
+              </a:ext>
+            </a:extLst>
+          </p:cNvPr>
+          <p:cNvSpPr/>
+          <p:nvPr/>
+        </p:nvSpPr>
+        <p:spPr>
+          <a:xfrm>
+            <a:off x="790575" y="3181350"/>
+            <a:ext cx="1647825" cy="1228725"/>
+          </a:xfrm>
+          <a:prstGeom prst="rect">
+            <a:avLst/>
+          </a:prstGeom>
+        </p:spPr>
+        <p:style>
+          <a:lnRef idx="2">
+            <a:schemeClr val="accent1">
+              <a:shade val="50000"/>
+            </a:schemeClr>
+          </a:lnRef>
+          <a:fillRef idx="1">
+            <a:schemeClr val="accent1"/>
+          </a:fillRef>
+          <a:effectRef idx="0">
+            <a:schemeClr val="accent1"/>
+          </a:effectRef>
+          <a:fontRef idx="minor">
+            <a:schemeClr val="lt1"/>
+          </a:fontRef>
+        </p:style>
+        <p:txBody>
+          <a:bodyPr rtlCol="0" anchor="ctr"/>
+          <a:lstStyle/>
+          <a:p>
+            <a:pPr algn="ctr"/>
+            <a:r>
+              <a:rPr lang="en-IN" dirty="0"/>
+              <a:t>Doctor Portal</a:t>
+            </a:r>
+          </a:p>
+        </p:txBody>
+      </p:sp>
+      <p:sp>
+        <p:nvSpPr>
+          <p:cNvPr id="6" name="Rectangle: Rounded Corners 5">
+            <a:extLst>
+              <a:ext uri="{FF2B5EF4-FFF2-40B4-BE49-F238E27FC236}">
+                <a16:creationId xmlns:a16="http://schemas.microsoft.com/office/drawing/2014/main" id="{382FAFC4-A173-4015-B1EC-CDBDDC935948}"/>
+              </a:ext>
+            </a:extLst>
+          </p:cNvPr>
+          <p:cNvSpPr/>
+          <p:nvPr/>
+        </p:nvSpPr>
+        <p:spPr>
+          <a:xfrm>
+            <a:off x="6743700" y="1776412"/>
+            <a:ext cx="1933575" cy="900113"/>
+          </a:xfrm>
+          <a:prstGeom prst="roundRect">
+            <a:avLst/>
+          </a:prstGeom>
+        </p:spPr>
+        <p:style>
+          <a:lnRef idx="2">
+            <a:schemeClr val="accent1">
+              <a:shade val="50000"/>
+            </a:schemeClr>
+          </a:lnRef>
+          <a:fillRef idx="1">
+            <a:schemeClr val="accent1"/>
+          </a:fillRef>
+          <a:effectRef idx="0">
+            <a:schemeClr val="accent1"/>
+          </a:effectRef>
+          <a:fontRef idx="minor">
+            <a:schemeClr val="lt1"/>
+          </a:fontRef>
+        </p:style>
+        <p:txBody>
+          <a:bodyPr rtlCol="0" anchor="ctr"/>
+          <a:lstStyle/>
+          <a:p>
+            <a:pPr algn="ctr"/>
+            <a:r>
+              <a:rPr lang="en-IN" sz="2000" dirty="0" err="1"/>
+              <a:t>DoctorService</a:t>
+            </a:r>
+            <a:endParaRPr lang="en-IN" sz="2000" dirty="0"/>
+          </a:p>
+        </p:txBody>
+      </p:sp>
+      <p:sp>
+        <p:nvSpPr>
+          <p:cNvPr id="7" name="Rectangle: Rounded Corners 6">
+            <a:extLst>
+              <a:ext uri="{FF2B5EF4-FFF2-40B4-BE49-F238E27FC236}">
+                <a16:creationId xmlns:a16="http://schemas.microsoft.com/office/drawing/2014/main" id="{D7E4627F-A275-48E9-A32C-B9A7CC191A62}"/>
+              </a:ext>
+            </a:extLst>
+          </p:cNvPr>
+          <p:cNvSpPr/>
+          <p:nvPr/>
+        </p:nvSpPr>
+        <p:spPr>
+          <a:xfrm>
+            <a:off x="6777039" y="3576637"/>
+            <a:ext cx="1933575" cy="900113"/>
+          </a:xfrm>
+          <a:prstGeom prst="roundRect">
+            <a:avLst/>
+          </a:prstGeom>
+        </p:spPr>
+        <p:style>
+          <a:lnRef idx="2">
+            <a:schemeClr val="accent1">
+              <a:shade val="50000"/>
+            </a:schemeClr>
+          </a:lnRef>
+          <a:fillRef idx="1">
+            <a:schemeClr val="accent1"/>
+          </a:fillRef>
+          <a:effectRef idx="0">
+            <a:schemeClr val="accent1"/>
+          </a:effectRef>
+          <a:fontRef idx="minor">
+            <a:schemeClr val="lt1"/>
+          </a:fontRef>
+        </p:style>
+        <p:txBody>
+          <a:bodyPr rtlCol="0" anchor="ctr"/>
+          <a:lstStyle/>
+          <a:p>
+            <a:pPr algn="ctr"/>
+            <a:r>
+              <a:rPr lang="en-IN" sz="2000" dirty="0" err="1"/>
+              <a:t>PatientService</a:t>
+            </a:r>
+            <a:endParaRPr lang="en-IN" sz="2000" dirty="0"/>
+          </a:p>
+        </p:txBody>
+      </p:sp>
+      <p:sp>
+        <p:nvSpPr>
+          <p:cNvPr id="8" name="Rectangle: Rounded Corners 7">
+            <a:extLst>
+              <a:ext uri="{FF2B5EF4-FFF2-40B4-BE49-F238E27FC236}">
+                <a16:creationId xmlns:a16="http://schemas.microsoft.com/office/drawing/2014/main" id="{0E66A03F-8D95-438D-8EC6-5D193C9575D3}"/>
+              </a:ext>
+            </a:extLst>
+          </p:cNvPr>
+          <p:cNvSpPr/>
+          <p:nvPr/>
+        </p:nvSpPr>
+        <p:spPr>
+          <a:xfrm>
+            <a:off x="6796087" y="5448300"/>
+            <a:ext cx="1933575" cy="900113"/>
+          </a:xfrm>
+          <a:prstGeom prst="roundRect">
+            <a:avLst/>
+          </a:prstGeom>
+        </p:spPr>
+        <p:style>
+          <a:lnRef idx="2">
+            <a:schemeClr val="accent1">
+              <a:shade val="50000"/>
+            </a:schemeClr>
+          </a:lnRef>
+          <a:fillRef idx="1">
+            <a:schemeClr val="accent1"/>
+          </a:fillRef>
+          <a:effectRef idx="0">
+            <a:schemeClr val="accent1"/>
+          </a:effectRef>
+          <a:fontRef idx="minor">
+            <a:schemeClr val="lt1"/>
+          </a:fontRef>
+        </p:style>
+        <p:txBody>
+          <a:bodyPr rtlCol="0" anchor="ctr"/>
+          <a:lstStyle/>
+          <a:p>
+            <a:pPr algn="ctr"/>
+            <a:r>
+              <a:rPr lang="en-IN" sz="2000" dirty="0" err="1"/>
+              <a:t>DiseaseService</a:t>
+            </a:r>
+            <a:endParaRPr lang="en-IN" sz="2000" dirty="0"/>
+          </a:p>
+        </p:txBody>
+      </p:sp>
+      <p:sp>
+        <p:nvSpPr>
+          <p:cNvPr id="10" name="Rectangle: Single Corner Snipped 9">
+            <a:extLst>
+              <a:ext uri="{FF2B5EF4-FFF2-40B4-BE49-F238E27FC236}">
+                <a16:creationId xmlns:a16="http://schemas.microsoft.com/office/drawing/2014/main" id="{89A37D21-8735-4EAC-9F0D-6C1787FA855F}"/>
+              </a:ext>
+            </a:extLst>
+          </p:cNvPr>
+          <p:cNvSpPr/>
+          <p:nvPr/>
+        </p:nvSpPr>
+        <p:spPr>
+          <a:xfrm>
+            <a:off x="8729662" y="1771650"/>
+            <a:ext cx="1528763" cy="285750"/>
+          </a:xfrm>
+          <a:prstGeom prst="snip1Rect">
+            <a:avLst/>
+          </a:prstGeom>
+        </p:spPr>
+        <p:style>
+          <a:lnRef idx="2">
+            <a:schemeClr val="accent4">
+              <a:shade val="50000"/>
+            </a:schemeClr>
+          </a:lnRef>
+          <a:fillRef idx="1">
+            <a:schemeClr val="accent4"/>
+          </a:fillRef>
+          <a:effectRef idx="0">
+            <a:schemeClr val="accent4"/>
+          </a:effectRef>
+          <a:fontRef idx="minor">
+            <a:schemeClr val="lt1"/>
+          </a:fontRef>
+        </p:style>
+        <p:txBody>
+          <a:bodyPr rtlCol="0" anchor="ctr"/>
+          <a:lstStyle/>
+          <a:p>
+            <a:pPr algn="ctr"/>
+            <a:r>
+              <a:rPr lang="en-IN" dirty="0"/>
+              <a:t>Eureka client</a:t>
+            </a:r>
+          </a:p>
+        </p:txBody>
+      </p:sp>
+      <p:sp>
+        <p:nvSpPr>
+          <p:cNvPr id="11" name="Rectangle: Single Corner Snipped 10">
+            <a:extLst>
+              <a:ext uri="{FF2B5EF4-FFF2-40B4-BE49-F238E27FC236}">
+                <a16:creationId xmlns:a16="http://schemas.microsoft.com/office/drawing/2014/main" id="{F8023C27-5E3C-4DAD-8DCF-EEA5928E3D7B}"/>
+              </a:ext>
+            </a:extLst>
+          </p:cNvPr>
+          <p:cNvSpPr/>
+          <p:nvPr/>
+        </p:nvSpPr>
+        <p:spPr>
+          <a:xfrm>
+            <a:off x="8796336" y="5486399"/>
+            <a:ext cx="1528763" cy="285750"/>
+          </a:xfrm>
+          <a:prstGeom prst="snip1Rect">
+            <a:avLst/>
+          </a:prstGeom>
+        </p:spPr>
+        <p:style>
+          <a:lnRef idx="2">
+            <a:schemeClr val="accent4">
+              <a:shade val="50000"/>
+            </a:schemeClr>
+          </a:lnRef>
+          <a:fillRef idx="1">
+            <a:schemeClr val="accent4"/>
+          </a:fillRef>
+          <a:effectRef idx="0">
+            <a:schemeClr val="accent4"/>
+          </a:effectRef>
+          <a:fontRef idx="minor">
+            <a:schemeClr val="lt1"/>
+          </a:fontRef>
+        </p:style>
+        <p:txBody>
+          <a:bodyPr rtlCol="0" anchor="ctr"/>
+          <a:lstStyle/>
+          <a:p>
+            <a:pPr algn="ctr"/>
+            <a:r>
+              <a:rPr lang="en-IN" dirty="0"/>
+              <a:t>Eureka client</a:t>
+            </a:r>
+          </a:p>
+        </p:txBody>
+      </p:sp>
+      <p:sp>
+        <p:nvSpPr>
+          <p:cNvPr id="12" name="Rectangle: Single Corner Snipped 11">
+            <a:extLst>
+              <a:ext uri="{FF2B5EF4-FFF2-40B4-BE49-F238E27FC236}">
+                <a16:creationId xmlns:a16="http://schemas.microsoft.com/office/drawing/2014/main" id="{9BF5407D-63C1-49AA-A755-FCF1DC2AE7E3}"/>
+              </a:ext>
+            </a:extLst>
+          </p:cNvPr>
+          <p:cNvSpPr/>
+          <p:nvPr/>
+        </p:nvSpPr>
+        <p:spPr>
+          <a:xfrm>
+            <a:off x="8796337" y="3633787"/>
+            <a:ext cx="1528763" cy="285750"/>
+          </a:xfrm>
+          <a:prstGeom prst="snip1Rect">
+            <a:avLst/>
+          </a:prstGeom>
+        </p:spPr>
+        <p:style>
+          <a:lnRef idx="2">
+            <a:schemeClr val="accent4">
+              <a:shade val="50000"/>
+            </a:schemeClr>
+          </a:lnRef>
+          <a:fillRef idx="1">
+            <a:schemeClr val="accent4"/>
+          </a:fillRef>
+          <a:effectRef idx="0">
+            <a:schemeClr val="accent4"/>
+          </a:effectRef>
+          <a:fontRef idx="minor">
+            <a:schemeClr val="lt1"/>
+          </a:fontRef>
+        </p:style>
+        <p:txBody>
+          <a:bodyPr rtlCol="0" anchor="ctr"/>
+          <a:lstStyle/>
+          <a:p>
+            <a:pPr algn="ctr"/>
+            <a:r>
+              <a:rPr lang="en-IN" dirty="0"/>
+              <a:t>Eureka client</a:t>
+            </a:r>
+          </a:p>
+        </p:txBody>
+      </p:sp>
+      <p:cxnSp>
+        <p:nvCxnSpPr>
+          <p:cNvPr id="14" name="Straight Arrow Connector 13">
+            <a:extLst>
+              <a:ext uri="{FF2B5EF4-FFF2-40B4-BE49-F238E27FC236}">
+                <a16:creationId xmlns:a16="http://schemas.microsoft.com/office/drawing/2014/main" id="{675602E0-5C28-44D3-814C-55DEEB55FDB6}"/>
+              </a:ext>
+            </a:extLst>
+          </p:cNvPr>
+          <p:cNvCxnSpPr/>
+          <p:nvPr/>
+        </p:nvCxnSpPr>
+        <p:spPr>
+          <a:xfrm flipV="1">
+            <a:off x="2438400" y="2124074"/>
+            <a:ext cx="4305300" cy="1260000"/>
+          </a:xfrm>
+          <a:prstGeom prst="straightConnector1">
+            <a:avLst/>
+          </a:prstGeom>
+          <a:ln>
+            <a:tailEnd type="triangle"/>
+          </a:ln>
+        </p:spPr>
+        <p:style>
+          <a:lnRef idx="3">
+            <a:schemeClr val="accent6"/>
+          </a:lnRef>
+          <a:fillRef idx="0">
+            <a:schemeClr val="accent6"/>
+          </a:fillRef>
+          <a:effectRef idx="2">
+            <a:schemeClr val="accent6"/>
+          </a:effectRef>
+          <a:fontRef idx="minor">
+            <a:schemeClr val="tx1"/>
+          </a:fontRef>
+        </p:style>
+      </p:cxnSp>
+      <p:cxnSp>
+        <p:nvCxnSpPr>
+          <p:cNvPr id="15" name="Straight Arrow Connector 14">
+            <a:extLst>
+              <a:ext uri="{FF2B5EF4-FFF2-40B4-BE49-F238E27FC236}">
+                <a16:creationId xmlns:a16="http://schemas.microsoft.com/office/drawing/2014/main" id="{1C786581-C63A-4D4C-810C-54426955E8E3}"/>
+              </a:ext>
+            </a:extLst>
+          </p:cNvPr>
+          <p:cNvCxnSpPr>
+            <a:cxnSpLocks/>
+          </p:cNvCxnSpPr>
+          <p:nvPr/>
+        </p:nvCxnSpPr>
+        <p:spPr>
+          <a:xfrm>
+            <a:off x="2466978" y="3811706"/>
+            <a:ext cx="4310061" cy="70406"/>
+          </a:xfrm>
+          <a:prstGeom prst="straightConnector1">
+            <a:avLst/>
+          </a:prstGeom>
+          <a:ln>
+            <a:tailEnd type="triangle"/>
+          </a:ln>
+        </p:spPr>
+        <p:style>
+          <a:lnRef idx="3">
+            <a:schemeClr val="accent6"/>
+          </a:lnRef>
+          <a:fillRef idx="0">
+            <a:schemeClr val="accent6"/>
+          </a:fillRef>
+          <a:effectRef idx="2">
+            <a:schemeClr val="accent6"/>
+          </a:effectRef>
+          <a:fontRef idx="minor">
+            <a:schemeClr val="tx1"/>
+          </a:fontRef>
+        </p:style>
+      </p:cxnSp>
+      <p:cxnSp>
+        <p:nvCxnSpPr>
+          <p:cNvPr id="17" name="Straight Arrow Connector 16">
+            <a:extLst>
+              <a:ext uri="{FF2B5EF4-FFF2-40B4-BE49-F238E27FC236}">
+                <a16:creationId xmlns:a16="http://schemas.microsoft.com/office/drawing/2014/main" id="{47BE2D8B-8C36-47D1-AD29-8A5E96AA36A6}"/>
+              </a:ext>
+            </a:extLst>
+          </p:cNvPr>
+          <p:cNvCxnSpPr>
+            <a:cxnSpLocks/>
+            <a:endCxn id="8" idx="1"/>
+          </p:cNvCxnSpPr>
+          <p:nvPr/>
+        </p:nvCxnSpPr>
+        <p:spPr>
+          <a:xfrm>
+            <a:off x="2436021" y="4117181"/>
+            <a:ext cx="4360066" cy="1781176"/>
+          </a:xfrm>
+          <a:prstGeom prst="straightConnector1">
+            <a:avLst/>
+          </a:prstGeom>
+          <a:ln>
+            <a:tailEnd type="triangle"/>
+          </a:ln>
+        </p:spPr>
+        <p:style>
+          <a:lnRef idx="3">
+            <a:schemeClr val="accent6"/>
+          </a:lnRef>
+          <a:fillRef idx="0">
+            <a:schemeClr val="accent6"/>
+          </a:fillRef>
+          <a:effectRef idx="2">
+            <a:schemeClr val="accent6"/>
+          </a:effectRef>
+          <a:fontRef idx="minor">
+            <a:schemeClr val="tx1"/>
+          </a:fontRef>
+        </p:style>
+      </p:cxnSp>
+      <p:sp>
+        <p:nvSpPr>
+          <p:cNvPr id="9" name="Rectangle 8">
+            <a:extLst>
+              <a:ext uri="{FF2B5EF4-FFF2-40B4-BE49-F238E27FC236}">
+                <a16:creationId xmlns:a16="http://schemas.microsoft.com/office/drawing/2014/main" id="{0A71D51C-FBE2-443E-8D66-CDA1D4BE64C2}"/>
+              </a:ext>
+            </a:extLst>
+          </p:cNvPr>
+          <p:cNvSpPr/>
+          <p:nvPr/>
+        </p:nvSpPr>
+        <p:spPr>
+          <a:xfrm>
+            <a:off x="3810000" y="1704975"/>
+            <a:ext cx="857250" cy="4648200"/>
+          </a:xfrm>
+          <a:prstGeom prst="rect">
+            <a:avLst/>
+          </a:prstGeom>
+        </p:spPr>
+        <p:style>
+          <a:lnRef idx="2">
+            <a:schemeClr val="accent1">
+              <a:shade val="50000"/>
+            </a:schemeClr>
+          </a:lnRef>
+          <a:fillRef idx="1">
+            <a:schemeClr val="accent1"/>
+          </a:fillRef>
+          <a:effectRef idx="0">
+            <a:schemeClr val="accent1"/>
+          </a:effectRef>
+          <a:fontRef idx="minor">
+            <a:schemeClr val="lt1"/>
+          </a:fontRef>
+        </p:style>
+        <p:txBody>
+          <a:bodyPr rtlCol="0" anchor="ctr"/>
+          <a:lstStyle/>
+          <a:p>
+            <a:pPr algn="ctr"/>
+            <a:r>
+              <a:rPr lang="en-IN" dirty="0"/>
+              <a:t>E</a:t>
+            </a:r>
+          </a:p>
+          <a:p>
+            <a:pPr algn="ctr"/>
+            <a:r>
+              <a:rPr lang="en-IN" dirty="0"/>
+              <a:t>U</a:t>
+            </a:r>
+          </a:p>
+          <a:p>
+            <a:pPr algn="ctr"/>
+            <a:r>
+              <a:rPr lang="en-IN" dirty="0"/>
+              <a:t>R</a:t>
+            </a:r>
+          </a:p>
+          <a:p>
+            <a:pPr algn="ctr"/>
+            <a:r>
+              <a:rPr lang="en-IN" dirty="0"/>
+              <a:t>E</a:t>
+            </a:r>
+          </a:p>
+          <a:p>
+            <a:pPr algn="ctr"/>
+            <a:r>
+              <a:rPr lang="en-IN" dirty="0"/>
+              <a:t>K</a:t>
+            </a:r>
+          </a:p>
+          <a:p>
+            <a:pPr algn="ctr"/>
+            <a:r>
+              <a:rPr lang="en-IN" dirty="0"/>
+              <a:t>A</a:t>
+            </a:r>
+          </a:p>
+          <a:p>
+            <a:pPr algn="ctr"/>
+            <a:endParaRPr lang="en-IN" dirty="0"/>
+          </a:p>
+          <a:p>
+            <a:pPr algn="ctr"/>
+            <a:r>
+              <a:rPr lang="en-IN" dirty="0"/>
+              <a:t>S</a:t>
+            </a:r>
+          </a:p>
+          <a:p>
+            <a:pPr algn="ctr"/>
+            <a:r>
+              <a:rPr lang="en-IN" dirty="0"/>
+              <a:t>E</a:t>
+            </a:r>
+          </a:p>
+          <a:p>
+            <a:pPr algn="ctr"/>
+            <a:r>
+              <a:rPr lang="en-IN" dirty="0"/>
+              <a:t>R</a:t>
+            </a:r>
+          </a:p>
+          <a:p>
+            <a:pPr algn="ctr"/>
+            <a:r>
+              <a:rPr lang="en-IN" dirty="0"/>
+              <a:t>V</a:t>
+            </a:r>
+          </a:p>
+          <a:p>
+            <a:pPr algn="ctr"/>
+            <a:r>
+              <a:rPr lang="en-IN" dirty="0"/>
+              <a:t>E</a:t>
+            </a:r>
+          </a:p>
+          <a:p>
+            <a:pPr algn="ctr"/>
+            <a:r>
+              <a:rPr lang="en-IN" dirty="0"/>
+              <a:t>R</a:t>
+            </a:r>
+          </a:p>
+        </p:txBody>
+      </p:sp>
+    </p:spTree>
+    <p:extLst>
+      <p:ext uri="{BB962C8B-B14F-4D97-AF65-F5344CB8AC3E}">
+        <p14:creationId xmlns:p14="http://schemas.microsoft.com/office/powerpoint/2010/main" val="3454512077"/>
+      </p:ext>
+    </p:extLst>
+  </p:cSld>
+  <p:clrMapOvr>
+    <a:masterClrMapping/>
+  </p:clrMapOvr>
+</p:sld>
+</file>
+
+<file path=ppt/slides/slide9.xml><?xml version="1.0" encoding="utf-8"?>
+<p:sld xmlns:a="http://schemas.openxmlformats.org/drawingml/2006/main" xmlns:r="http://schemas.openxmlformats.org/officeDocument/2006/relationships" xmlns:p="http://schemas.openxmlformats.org/presentationml/2006/main">
+  <p:cSld>
     <p:bg>
       <p:bgPr>
         <a:solidFill>
@@ -15127,8 +17326,8 @@
         </p:blipFill>
         <p:spPr>
           <a:xfrm>
-            <a:off x="9441108" y="4571999"/>
-            <a:ext cx="2714625" cy="1828801"/>
+            <a:off x="8266720" y="4188063"/>
+            <a:ext cx="3889014" cy="2212738"/>
           </a:xfrm>
           <a:prstGeom prst="rect">
             <a:avLst/>
@@ -15174,7 +17373,7 @@
         </p:blipFill>
         <p:spPr bwMode="auto">
           <a:xfrm>
-            <a:off x="285751" y="38100"/>
+            <a:off x="285751" y="523875"/>
             <a:ext cx="3324224" cy="1347010"/>
           </a:xfrm>
           <a:prstGeom prst="rect">
@@ -15290,7 +17489,7 @@
             <a:pPr algn="ctr"/>
             <a:r>
               <a:rPr lang="en-IN" sz="6000" dirty="0"/>
-              <a:t>#1</a:t>
+              <a:t>#3</a:t>
             </a:r>
           </a:p>
         </p:txBody>
@@ -15359,7 +17558,7 @@
         <p:spPr>
           <a:xfrm>
             <a:off x="366713" y="3357066"/>
-            <a:ext cx="11708057" cy="1015663"/>
+            <a:ext cx="11708057" cy="830997"/>
           </a:xfrm>
           <a:prstGeom prst="rect">
             <a:avLst/>
@@ -15400,7 +17599,7 @@
           <a:p>
             <a:pPr algn="ctr"/>
             <a:r>
-              <a:rPr lang="en-IN" sz="6000" b="1" dirty="0">
+              <a:rPr lang="en-IN" sz="4800" b="1" dirty="0">
                 <a:ln w="12700">
                   <a:solidFill>
                     <a:schemeClr val="accent3">
@@ -15429,9 +17628,9 @@
                 </a:effectLst>
                 <a:latin typeface="Algerian" panose="04020705040A02060702" pitchFamily="82" charset="0"/>
               </a:rPr>
-              <a:t>Demo – spring boot + eureka</a:t>
-            </a:r>
-            <a:endParaRPr lang="en-IN" sz="6000" b="1" cap="none" spc="0" dirty="0">
+              <a:t>Demo – spring boot + eureka Server</a:t>
+            </a:r>
+            <a:endParaRPr lang="en-IN" sz="4800" b="1" cap="none" spc="0" dirty="0">
               <a:ln/>
               <a:pattFill prst="dkUpDiag">
                 <a:fgClr>
@@ -15458,6 +17657,103 @@
           </a:p>
         </p:txBody>
       </p:sp>
+      <p:sp>
+        <p:nvSpPr>
+          <p:cNvPr id="10" name="Rectangle 9">
+            <a:extLst>
+              <a:ext uri="{FF2B5EF4-FFF2-40B4-BE49-F238E27FC236}">
+                <a16:creationId xmlns:a16="http://schemas.microsoft.com/office/drawing/2014/main" id="{B321015C-1805-43EE-BF33-5150F39B3234}"/>
+              </a:ext>
+            </a:extLst>
+          </p:cNvPr>
+          <p:cNvSpPr/>
+          <p:nvPr/>
+        </p:nvSpPr>
+        <p:spPr>
+          <a:xfrm>
+            <a:off x="0" y="-76201"/>
+            <a:ext cx="1211508" cy="314325"/>
+          </a:xfrm>
+          <a:prstGeom prst="rect">
+            <a:avLst/>
+          </a:prstGeom>
+          <a:solidFill>
+            <a:srgbClr val="FFFF00"/>
+          </a:solidFill>
+        </p:spPr>
+        <p:style>
+          <a:lnRef idx="2">
+            <a:schemeClr val="accent6"/>
+          </a:lnRef>
+          <a:fillRef idx="1">
+            <a:schemeClr val="lt1"/>
+          </a:fillRef>
+          <a:effectRef idx="0">
+            <a:schemeClr val="accent6"/>
+          </a:effectRef>
+          <a:fontRef idx="minor">
+            <a:schemeClr val="dk1"/>
+          </a:fontRef>
+        </p:style>
+        <p:txBody>
+          <a:bodyPr rtlCol="0" anchor="ctr"/>
+          <a:lstStyle/>
+          <a:p>
+            <a:pPr algn="ctr"/>
+            <a:r>
+              <a:rPr lang="en-IN" b="1" u="sng" dirty="0"/>
+              <a:t>ARVIND</a:t>
+            </a:r>
+          </a:p>
+        </p:txBody>
+      </p:sp>
+      <p:pic>
+        <p:nvPicPr>
+          <p:cNvPr id="8" name="Picture 2" descr="Image result for netflix eureka">
+            <a:extLst>
+              <a:ext uri="{FF2B5EF4-FFF2-40B4-BE49-F238E27FC236}">
+                <a16:creationId xmlns:a16="http://schemas.microsoft.com/office/drawing/2014/main" id="{4F187C15-4107-4934-A4D7-5DED55C08896}"/>
+              </a:ext>
+            </a:extLst>
+          </p:cNvPr>
+          <p:cNvPicPr>
+            <a:picLocks noChangeAspect="1" noChangeArrowheads="1"/>
+          </p:cNvPicPr>
+          <p:nvPr/>
+        </p:nvPicPr>
+        <p:blipFill>
+          <a:blip r:embed="rId6">
+            <a:extLst>
+              <a:ext uri="{28A0092B-C50C-407E-A947-70E740481C1C}">
+                <a14:useLocalDpi xmlns:a14="http://schemas.microsoft.com/office/drawing/2010/main" val="0"/>
+              </a:ext>
+            </a:extLst>
+          </a:blip>
+          <a:srcRect/>
+          <a:stretch>
+            <a:fillRect/>
+          </a:stretch>
+        </p:blipFill>
+        <p:spPr bwMode="auto">
+          <a:xfrm>
+            <a:off x="7896227" y="270965"/>
+            <a:ext cx="2305050" cy="1981200"/>
+          </a:xfrm>
+          <a:prstGeom prst="rect">
+            <a:avLst/>
+          </a:prstGeom>
+          <a:noFill/>
+          <a:extLst>
+            <a:ext uri="{909E8E84-426E-40DD-AFC4-6F175D3DCCD1}">
+              <a14:hiddenFill xmlns:a14="http://schemas.microsoft.com/office/drawing/2010/main">
+                <a:solidFill>
+                  <a:srgbClr val="FFFFFF"/>
+                </a:solidFill>
+              </a14:hiddenFill>
+            </a:ext>
+          </a:extLst>
+        </p:spPr>
+      </p:pic>
     </p:spTree>
     <p:extLst>
       <p:ext uri="{BB962C8B-B14F-4D97-AF65-F5344CB8AC3E}">
@@ -15468,420 +17764,6 @@
   <p:clrMapOvr>
     <a:overrideClrMapping bg1="lt1" tx1="dk1" bg2="lt2" tx2="dk2" accent1="accent1" accent2="accent2" accent3="accent3" accent4="accent4" accent5="accent5" accent6="accent6" hlink="hlink" folHlink="folHlink"/>
   </p:clrMapOvr>
-</p:sld>
-</file>
-
-<file path=ppt/slides/slide9.xml><?xml version="1.0" encoding="utf-8"?>
-<p:sld xmlns:a="http://schemas.openxmlformats.org/drawingml/2006/main" xmlns:r="http://schemas.openxmlformats.org/officeDocument/2006/relationships" xmlns:p="http://schemas.openxmlformats.org/presentationml/2006/main">
-  <p:cSld>
-    <p:spTree>
-      <p:nvGrpSpPr>
-        <p:cNvPr id="1" name=""/>
-        <p:cNvGrpSpPr/>
-        <p:nvPr/>
-      </p:nvGrpSpPr>
-      <p:grpSpPr>
-        <a:xfrm>
-          <a:off x="0" y="0"/>
-          <a:ext cx="0" cy="0"/>
-          <a:chOff x="0" y="0"/>
-          <a:chExt cx="0" cy="0"/>
-        </a:xfrm>
-      </p:grpSpPr>
-      <p:sp>
-        <p:nvSpPr>
-          <p:cNvPr id="2" name="Title 1">
-            <a:extLst>
-              <a:ext uri="{FF2B5EF4-FFF2-40B4-BE49-F238E27FC236}">
-                <a16:creationId xmlns:a16="http://schemas.microsoft.com/office/drawing/2014/main" id="{CC467DF9-5121-449E-BE9E-D21B2DCC5F9D}"/>
-              </a:ext>
-            </a:extLst>
-          </p:cNvPr>
-          <p:cNvSpPr>
-            <a:spLocks noGrp="1"/>
-          </p:cNvSpPr>
-          <p:nvPr>
-            <p:ph type="title"/>
-          </p:nvPr>
-        </p:nvSpPr>
-        <p:spPr>
-          <a:xfrm>
-            <a:off x="19750" y="702156"/>
-            <a:ext cx="12152499" cy="1002819"/>
-          </a:xfrm>
-          <a:solidFill>
-            <a:schemeClr val="accent2">
-              <a:lumMod val="20000"/>
-              <a:lumOff val="80000"/>
-            </a:schemeClr>
-          </a:solidFill>
-        </p:spPr>
-        <p:txBody>
-          <a:bodyPr/>
-          <a:lstStyle/>
-          <a:p>
-            <a:r>
-              <a:rPr lang="en-IN" dirty="0"/>
-              <a:t>Introduction to service registry &amp; discovery</a:t>
-            </a:r>
-          </a:p>
-        </p:txBody>
-      </p:sp>
-      <p:sp>
-        <p:nvSpPr>
-          <p:cNvPr id="3" name="Content Placeholder 2">
-            <a:extLst>
-              <a:ext uri="{FF2B5EF4-FFF2-40B4-BE49-F238E27FC236}">
-                <a16:creationId xmlns:a16="http://schemas.microsoft.com/office/drawing/2014/main" id="{F37DD19B-0598-4B4D-BF8A-02BE9B5CF78E}"/>
-              </a:ext>
-            </a:extLst>
-          </p:cNvPr>
-          <p:cNvSpPr>
-            <a:spLocks noGrp="1"/>
-          </p:cNvSpPr>
-          <p:nvPr>
-            <p:ph idx="1"/>
-          </p:nvPr>
-        </p:nvSpPr>
-        <p:spPr>
-          <a:xfrm>
-            <a:off x="19750" y="2133600"/>
-            <a:ext cx="12152500" cy="4610100"/>
-          </a:xfrm>
-          <a:solidFill>
-            <a:schemeClr val="accent5">
-              <a:lumMod val="20000"/>
-              <a:lumOff val="80000"/>
-            </a:schemeClr>
-          </a:solidFill>
-        </p:spPr>
-        <p:txBody>
-          <a:bodyPr/>
-          <a:lstStyle/>
-          <a:p>
-            <a:endParaRPr lang="en-IN" b="1" dirty="0"/>
-          </a:p>
-        </p:txBody>
-      </p:sp>
-      <p:sp>
-        <p:nvSpPr>
-          <p:cNvPr id="4" name="Rectangle 3">
-            <a:extLst>
-              <a:ext uri="{FF2B5EF4-FFF2-40B4-BE49-F238E27FC236}">
-                <a16:creationId xmlns:a16="http://schemas.microsoft.com/office/drawing/2014/main" id="{CEB1AFED-B356-4EB9-B3F2-40D431051EDF}"/>
-              </a:ext>
-            </a:extLst>
-          </p:cNvPr>
-          <p:cNvSpPr/>
-          <p:nvPr/>
-        </p:nvSpPr>
-        <p:spPr>
-          <a:xfrm>
-            <a:off x="0" y="6419850"/>
-            <a:ext cx="12191999" cy="457200"/>
-          </a:xfrm>
-          <a:prstGeom prst="rect">
-            <a:avLst/>
-          </a:prstGeom>
-          <a:solidFill>
-            <a:srgbClr val="4D4D4D"/>
-          </a:solidFill>
-        </p:spPr>
-        <p:style>
-          <a:lnRef idx="2">
-            <a:schemeClr val="dk1">
-              <a:shade val="50000"/>
-            </a:schemeClr>
-          </a:lnRef>
-          <a:fillRef idx="1">
-            <a:schemeClr val="dk1"/>
-          </a:fillRef>
-          <a:effectRef idx="0">
-            <a:schemeClr val="dk1"/>
-          </a:effectRef>
-          <a:fontRef idx="minor">
-            <a:schemeClr val="lt1"/>
-          </a:fontRef>
-        </p:style>
-        <p:txBody>
-          <a:bodyPr rtlCol="0" anchor="ctr"/>
-          <a:lstStyle/>
-          <a:p>
-            <a:pPr algn="ctr"/>
-            <a:endParaRPr lang="en-IN"/>
-          </a:p>
-        </p:txBody>
-      </p:sp>
-    </p:spTree>
-    <p:extLst>
-      <p:ext uri="{BB962C8B-B14F-4D97-AF65-F5344CB8AC3E}">
-        <p14:creationId xmlns:p14="http://schemas.microsoft.com/office/powerpoint/2010/main" val="2478666548"/>
-      </p:ext>
-    </p:extLst>
-  </p:cSld>
-  <p:clrMapOvr>
-    <a:masterClrMapping/>
-  </p:clrMapOvr>
-  <p:timing>
-    <p:tnLst>
-      <p:par>
-        <p:cTn id="1" dur="indefinite" restart="never" nodeType="tmRoot">
-          <p:childTnLst>
-            <p:seq concurrent="1" nextAc="seek">
-              <p:cTn id="2" dur="indefinite" nodeType="mainSeq">
-                <p:childTnLst>
-                  <p:par>
-                    <p:cTn id="3" fill="hold">
-                      <p:stCondLst>
-                        <p:cond delay="indefinite"/>
-                      </p:stCondLst>
-                      <p:childTnLst>
-                        <p:par>
-                          <p:cTn id="4" fill="hold">
-                            <p:stCondLst>
-                              <p:cond delay="0"/>
-                            </p:stCondLst>
-                            <p:childTnLst>
-                              <p:par>
-                                <p:cTn id="5" presetID="42" presetClass="entr" presetSubtype="0" fill="hold" grpId="0" nodeType="clickEffect">
-                                  <p:stCondLst>
-                                    <p:cond delay="0"/>
-                                  </p:stCondLst>
-                                  <p:childTnLst>
-                                    <p:set>
-                                      <p:cBhvr>
-                                        <p:cTn id="6" dur="1" fill="hold">
-                                          <p:stCondLst>
-                                            <p:cond delay="0"/>
-                                          </p:stCondLst>
-                                        </p:cTn>
-                                        <p:tgtEl>
-                                          <p:spTgt spid="3">
-                                            <p:bg/>
-                                          </p:spTgt>
-                                        </p:tgtEl>
-                                        <p:attrNameLst>
-                                          <p:attrName>style.visibility</p:attrName>
-                                        </p:attrNameLst>
-                                      </p:cBhvr>
-                                      <p:to>
-                                        <p:strVal val="visible"/>
-                                      </p:to>
-                                    </p:set>
-                                    <p:animEffect transition="in" filter="fade">
-                                      <p:cBhvr>
-                                        <p:cTn id="7" dur="1000"/>
-                                        <p:tgtEl>
-                                          <p:spTgt spid="3">
-                                            <p:bg/>
-                                          </p:spTgt>
-                                        </p:tgtEl>
-                                      </p:cBhvr>
-                                    </p:animEffect>
-                                    <p:anim calcmode="lin" valueType="num">
-                                      <p:cBhvr>
-                                        <p:cTn id="8" dur="1000" fill="hold"/>
-                                        <p:tgtEl>
-                                          <p:spTgt spid="3">
-                                            <p:bg/>
-                                          </p:spTgt>
-                                        </p:tgtEl>
-                                        <p:attrNameLst>
-                                          <p:attrName>ppt_x</p:attrName>
-                                        </p:attrNameLst>
-                                      </p:cBhvr>
-                                      <p:tavLst>
-                                        <p:tav tm="0">
-                                          <p:val>
-                                            <p:strVal val="#ppt_x"/>
-                                          </p:val>
-                                        </p:tav>
-                                        <p:tav tm="100000">
-                                          <p:val>
-                                            <p:strVal val="#ppt_x"/>
-                                          </p:val>
-                                        </p:tav>
-                                      </p:tavLst>
-                                    </p:anim>
-                                    <p:anim calcmode="lin" valueType="num">
-                                      <p:cBhvr>
-                                        <p:cTn id="9" dur="1000" fill="hold"/>
-                                        <p:tgtEl>
-                                          <p:spTgt spid="3">
-                                            <p:bg/>
-                                          </p:spTgt>
-                                        </p:tgtEl>
-                                        <p:attrNameLst>
-                                          <p:attrName>ppt_y</p:attrName>
-                                        </p:attrNameLst>
-                                      </p:cBhvr>
-                                      <p:tavLst>
-                                        <p:tav tm="0">
-                                          <p:val>
-                                            <p:strVal val="#ppt_y+.1"/>
-                                          </p:val>
-                                        </p:tav>
-                                        <p:tav tm="100000">
-                                          <p:val>
-                                            <p:strVal val="#ppt_y"/>
-                                          </p:val>
-                                        </p:tav>
-                                      </p:tavLst>
-                                    </p:anim>
-                                  </p:childTnLst>
-                                </p:cTn>
-                              </p:par>
-                            </p:childTnLst>
-                          </p:cTn>
-                        </p:par>
-                      </p:childTnLst>
-                    </p:cTn>
-                  </p:par>
-                  <p:par>
-                    <p:cTn id="10" fill="hold">
-                      <p:stCondLst>
-                        <p:cond delay="indefinite"/>
-                      </p:stCondLst>
-                      <p:childTnLst>
-                        <p:par>
-                          <p:cTn id="11" fill="hold">
-                            <p:stCondLst>
-                              <p:cond delay="0"/>
-                            </p:stCondLst>
-                            <p:childTnLst>
-                              <p:par>
-                                <p:cTn id="12" presetID="42" presetClass="entr" presetSubtype="0" fill="hold" grpId="0" nodeType="clickEffect" nodePh="1">
-                                  <p:stCondLst>
-                                    <p:cond delay="0"/>
-                                  </p:stCondLst>
-                                  <p:endCondLst>
-                                    <p:cond evt="begin" delay="0">
-                                      <p:tn val="12"/>
-                                    </p:cond>
-                                  </p:endCondLst>
-                                  <p:childTnLst>
-                                    <p:set>
-                                      <p:cBhvr>
-                                        <p:cTn id="13" dur="1" fill="hold">
-                                          <p:stCondLst>
-                                            <p:cond delay="0"/>
-                                          </p:stCondLst>
-                                        </p:cTn>
-                                        <p:tgtEl>
-                                          <p:spTgt spid="3">
-                                            <p:txEl>
-                                              <p:pRg st="0" end="0"/>
-                                            </p:txEl>
-                                          </p:spTgt>
-                                        </p:tgtEl>
-                                        <p:attrNameLst>
-                                          <p:attrName>style.visibility</p:attrName>
-                                        </p:attrNameLst>
-                                      </p:cBhvr>
-                                      <p:to>
-                                        <p:strVal val="visible"/>
-                                      </p:to>
-                                    </p:set>
-                                    <p:animEffect transition="in" filter="fade">
-                                      <p:cBhvr>
-                                        <p:cTn id="14" dur="1000"/>
-                                        <p:tgtEl>
-                                          <p:spTgt spid="3">
-                                            <p:txEl>
-                                              <p:pRg st="0" end="0"/>
-                                            </p:txEl>
-                                          </p:spTgt>
-                                        </p:tgtEl>
-                                      </p:cBhvr>
-                                    </p:animEffect>
-                                    <p:anim calcmode="lin" valueType="num">
-                                      <p:cBhvr>
-                                        <p:cTn id="15" dur="1000" fill="hold"/>
-                                        <p:tgtEl>
-                                          <p:spTgt spid="3">
-                                            <p:txEl>
-                                              <p:pRg st="0" end="0"/>
-                                            </p:txEl>
-                                          </p:spTgt>
-                                        </p:tgtEl>
-                                        <p:attrNameLst>
-                                          <p:attrName>ppt_x</p:attrName>
-                                        </p:attrNameLst>
-                                      </p:cBhvr>
-                                      <p:tavLst>
-                                        <p:tav tm="0">
-                                          <p:val>
-                                            <p:strVal val="#ppt_x"/>
-                                          </p:val>
-                                        </p:tav>
-                                        <p:tav tm="100000">
-                                          <p:val>
-                                            <p:strVal val="#ppt_x"/>
-                                          </p:val>
-                                        </p:tav>
-                                      </p:tavLst>
-                                    </p:anim>
-                                    <p:anim calcmode="lin" valueType="num">
-                                      <p:cBhvr>
-                                        <p:cTn id="16" dur="1000" fill="hold"/>
-                                        <p:tgtEl>
-                                          <p:spTgt spid="3">
-                                            <p:txEl>
-                                              <p:pRg st="0" end="0"/>
-                                            </p:txEl>
-                                          </p:spTgt>
-                                        </p:tgtEl>
-                                        <p:attrNameLst>
-                                          <p:attrName>ppt_y</p:attrName>
-                                        </p:attrNameLst>
-                                      </p:cBhvr>
-                                      <p:tavLst>
-                                        <p:tav tm="0">
-                                          <p:val>
-                                            <p:strVal val="#ppt_y+.1"/>
-                                          </p:val>
-                                        </p:tav>
-                                        <p:tav tm="100000">
-                                          <p:val>
-                                            <p:strVal val="#ppt_y"/>
-                                          </p:val>
-                                        </p:tav>
-                                      </p:tavLst>
-                                    </p:anim>
-                                  </p:childTnLst>
-                                </p:cTn>
-                              </p:par>
-                            </p:childTnLst>
-                          </p:cTn>
-                        </p:par>
-                      </p:childTnLst>
-                    </p:cTn>
-                  </p:par>
-                </p:childTnLst>
-              </p:cTn>
-              <p:prevCondLst>
-                <p:cond evt="onPrev" delay="0">
-                  <p:tgtEl>
-                    <p:sldTgt/>
-                  </p:tgtEl>
-                </p:cond>
-              </p:prevCondLst>
-              <p:nextCondLst>
-                <p:cond evt="onNext" delay="0">
-                  <p:tgtEl>
-                    <p:sldTgt/>
-                  </p:tgtEl>
-                </p:cond>
-              </p:nextCondLst>
-            </p:seq>
-          </p:childTnLst>
-        </p:cTn>
-      </p:par>
-    </p:tnLst>
-    <p:bldLst>
-      <p:bldP spid="3" grpId="0" build="p" animBg="1"/>
-    </p:bldLst>
-  </p:timing>
 </p:sld>
 </file>
 
